--- a/Python-Slides/Exception-Handling-in-Python-Session#19.pptx
+++ b/Python-Slides/Exception-Handling-in-Python-Session#19.pptx
@@ -6,19 +6,21 @@
   </p:sldMasterIdLst>
   <p:sldIdLst>
     <p:sldId id="256" r:id="rId2"/>
-    <p:sldId id="257" r:id="rId3"/>
-    <p:sldId id="258" r:id="rId4"/>
-    <p:sldId id="259" r:id="rId5"/>
-    <p:sldId id="260" r:id="rId6"/>
-    <p:sldId id="261" r:id="rId7"/>
-    <p:sldId id="262" r:id="rId8"/>
-    <p:sldId id="263" r:id="rId9"/>
-    <p:sldId id="264" r:id="rId10"/>
-    <p:sldId id="265" r:id="rId11"/>
-    <p:sldId id="266" r:id="rId12"/>
-    <p:sldId id="267" r:id="rId13"/>
-    <p:sldId id="268" r:id="rId14"/>
-    <p:sldId id="269" r:id="rId15"/>
+    <p:sldId id="271" r:id="rId3"/>
+    <p:sldId id="257" r:id="rId4"/>
+    <p:sldId id="258" r:id="rId5"/>
+    <p:sldId id="259" r:id="rId6"/>
+    <p:sldId id="260" r:id="rId7"/>
+    <p:sldId id="261" r:id="rId8"/>
+    <p:sldId id="262" r:id="rId9"/>
+    <p:sldId id="263" r:id="rId10"/>
+    <p:sldId id="264" r:id="rId11"/>
+    <p:sldId id="265" r:id="rId12"/>
+    <p:sldId id="270" r:id="rId13"/>
+    <p:sldId id="266" r:id="rId14"/>
+    <p:sldId id="267" r:id="rId15"/>
+    <p:sldId id="268" r:id="rId16"/>
+    <p:sldId id="269" r:id="rId17"/>
   </p:sldIdLst>
   <p:sldSz cx="12192000" cy="6858000"/>
   <p:notesSz cx="6858000" cy="9144000"/>
@@ -274,7 +276,7 @@
           <a:p>
             <a:fld id="{C21DBC43-B5D9-432A-BD6E-C93E2ABADBF5}" type="datetimeFigureOut">
               <a:rPr lang="en-IN" smtClean="0"/>
-              <a:t>28-11-2020</a:t>
+              <a:t>19-05-2021</a:t>
             </a:fld>
             <a:endParaRPr lang="en-IN"/>
           </a:p>
@@ -474,7 +476,7 @@
           <a:p>
             <a:fld id="{C21DBC43-B5D9-432A-BD6E-C93E2ABADBF5}" type="datetimeFigureOut">
               <a:rPr lang="en-IN" smtClean="0"/>
-              <a:t>28-11-2020</a:t>
+              <a:t>19-05-2021</a:t>
             </a:fld>
             <a:endParaRPr lang="en-IN"/>
           </a:p>
@@ -684,7 +686,7 @@
           <a:p>
             <a:fld id="{C21DBC43-B5D9-432A-BD6E-C93E2ABADBF5}" type="datetimeFigureOut">
               <a:rPr lang="en-IN" smtClean="0"/>
-              <a:t>28-11-2020</a:t>
+              <a:t>19-05-2021</a:t>
             </a:fld>
             <a:endParaRPr lang="en-IN"/>
           </a:p>
@@ -884,7 +886,7 @@
           <a:p>
             <a:fld id="{C21DBC43-B5D9-432A-BD6E-C93E2ABADBF5}" type="datetimeFigureOut">
               <a:rPr lang="en-IN" smtClean="0"/>
-              <a:t>28-11-2020</a:t>
+              <a:t>19-05-2021</a:t>
             </a:fld>
             <a:endParaRPr lang="en-IN"/>
           </a:p>
@@ -1160,7 +1162,7 @@
           <a:p>
             <a:fld id="{C21DBC43-B5D9-432A-BD6E-C93E2ABADBF5}" type="datetimeFigureOut">
               <a:rPr lang="en-IN" smtClean="0"/>
-              <a:t>28-11-2020</a:t>
+              <a:t>19-05-2021</a:t>
             </a:fld>
             <a:endParaRPr lang="en-IN"/>
           </a:p>
@@ -1428,7 +1430,7 @@
           <a:p>
             <a:fld id="{C21DBC43-B5D9-432A-BD6E-C93E2ABADBF5}" type="datetimeFigureOut">
               <a:rPr lang="en-IN" smtClean="0"/>
-              <a:t>28-11-2020</a:t>
+              <a:t>19-05-2021</a:t>
             </a:fld>
             <a:endParaRPr lang="en-IN"/>
           </a:p>
@@ -1843,7 +1845,7 @@
           <a:p>
             <a:fld id="{C21DBC43-B5D9-432A-BD6E-C93E2ABADBF5}" type="datetimeFigureOut">
               <a:rPr lang="en-IN" smtClean="0"/>
-              <a:t>28-11-2020</a:t>
+              <a:t>19-05-2021</a:t>
             </a:fld>
             <a:endParaRPr lang="en-IN"/>
           </a:p>
@@ -1985,7 +1987,7 @@
           <a:p>
             <a:fld id="{C21DBC43-B5D9-432A-BD6E-C93E2ABADBF5}" type="datetimeFigureOut">
               <a:rPr lang="en-IN" smtClean="0"/>
-              <a:t>28-11-2020</a:t>
+              <a:t>19-05-2021</a:t>
             </a:fld>
             <a:endParaRPr lang="en-IN"/>
           </a:p>
@@ -2098,7 +2100,7 @@
           <a:p>
             <a:fld id="{C21DBC43-B5D9-432A-BD6E-C93E2ABADBF5}" type="datetimeFigureOut">
               <a:rPr lang="en-IN" smtClean="0"/>
-              <a:t>28-11-2020</a:t>
+              <a:t>19-05-2021</a:t>
             </a:fld>
             <a:endParaRPr lang="en-IN"/>
           </a:p>
@@ -2411,7 +2413,7 @@
           <a:p>
             <a:fld id="{C21DBC43-B5D9-432A-BD6E-C93E2ABADBF5}" type="datetimeFigureOut">
               <a:rPr lang="en-IN" smtClean="0"/>
-              <a:t>28-11-2020</a:t>
+              <a:t>19-05-2021</a:t>
             </a:fld>
             <a:endParaRPr lang="en-IN"/>
           </a:p>
@@ -2700,7 +2702,7 @@
           <a:p>
             <a:fld id="{C21DBC43-B5D9-432A-BD6E-C93E2ABADBF5}" type="datetimeFigureOut">
               <a:rPr lang="en-IN" smtClean="0"/>
-              <a:t>28-11-2020</a:t>
+              <a:t>19-05-2021</a:t>
             </a:fld>
             <a:endParaRPr lang="en-IN"/>
           </a:p>
@@ -2943,7 +2945,7 @@
           <a:p>
             <a:fld id="{C21DBC43-B5D9-432A-BD6E-C93E2ABADBF5}" type="datetimeFigureOut">
               <a:rPr lang="en-IN" smtClean="0"/>
-              <a:t>28-11-2020</a:t>
+              <a:t>19-05-2021</a:t>
             </a:fld>
             <a:endParaRPr lang="en-IN"/>
           </a:p>
@@ -3415,20 +3417,104 @@
         </p:nvSpPr>
         <p:spPr>
           <a:xfrm>
-            <a:off x="1242874" y="1890944"/>
-            <a:ext cx="9425126" cy="3366856"/>
+            <a:off x="1151138" y="1420427"/>
+            <a:ext cx="10460854" cy="5308847"/>
           </a:xfrm>
         </p:spPr>
         <p:txBody>
-          <a:bodyPr/>
+          <a:bodyPr>
+            <a:normAutofit lnSpcReduction="10000"/>
+          </a:bodyPr>
           <a:lstStyle/>
           <a:p>
             <a:pPr algn="l"/>
             <a:r>
               <a:rPr lang="en-US" dirty="0"/>
-              <a:t>An exception is an event, which occurs during the execution of a program, that disrupts the normal flow of the program</a:t>
-            </a:r>
-            <a:endParaRPr lang="en-IN" dirty="0"/>
+              <a:t>An exception is an error, which occurs during the execution of a program, that disrupts the normal flow of the program.</a:t>
+            </a:r>
+          </a:p>
+          <a:p>
+            <a:pPr algn="l"/>
+            <a:r>
+              <a:rPr lang="en-US" dirty="0"/>
+              <a:t>A clear road =  executing a program without any exception / error.</a:t>
+            </a:r>
+          </a:p>
+          <a:p>
+            <a:pPr algn="l"/>
+            <a:r>
+              <a:rPr lang="en-US" dirty="0"/>
+              <a:t>But, Accident = Exception</a:t>
+            </a:r>
+          </a:p>
+          <a:p>
+            <a:pPr algn="l"/>
+            <a:r>
+              <a:rPr lang="en-US" dirty="0"/>
+              <a:t>And, detour =  Handling exception.</a:t>
+            </a:r>
+          </a:p>
+          <a:p>
+            <a:pPr algn="l"/>
+            <a:endParaRPr lang="en-US" dirty="0"/>
+          </a:p>
+          <a:p>
+            <a:pPr algn="l"/>
+            <a:r>
+              <a:rPr lang="en-US" b="1" dirty="0"/>
+              <a:t>Example :</a:t>
+            </a:r>
+          </a:p>
+          <a:p>
+            <a:pPr algn="l"/>
+            <a:r>
+              <a:rPr lang="en-US" dirty="0"/>
+              <a:t> try:</a:t>
+            </a:r>
+          </a:p>
+          <a:p>
+            <a:pPr algn="l"/>
+            <a:r>
+              <a:rPr lang="en-US" dirty="0"/>
+              <a:t>   while </a:t>
+            </a:r>
+            <a:r>
+              <a:rPr lang="en-US" dirty="0" err="1"/>
+              <a:t>road_is_clear</a:t>
+            </a:r>
+            <a:r>
+              <a:rPr lang="en-US" dirty="0"/>
+              <a:t>():</a:t>
+            </a:r>
+          </a:p>
+          <a:p>
+            <a:pPr algn="l"/>
+            <a:r>
+              <a:rPr lang="en-US" dirty="0"/>
+              <a:t>           drive()</a:t>
+            </a:r>
+          </a:p>
+          <a:p>
+            <a:pPr algn="l"/>
+            <a:r>
+              <a:rPr lang="en-IN" dirty="0"/>
+              <a:t> except Accident as e:</a:t>
+            </a:r>
+          </a:p>
+          <a:p>
+            <a:pPr algn="l"/>
+            <a:r>
+              <a:rPr lang="en-IN" dirty="0"/>
+              <a:t>      </a:t>
+            </a:r>
+            <a:r>
+              <a:rPr lang="en-IN" dirty="0" err="1"/>
+              <a:t>take_detour</a:t>
+            </a:r>
+            <a:r>
+              <a:rPr lang="en-IN" dirty="0"/>
+              <a:t>()</a:t>
+            </a:r>
           </a:p>
         </p:txBody>
       </p:sp>
@@ -3467,7 +3553,7 @@
           <p:cNvPr id="2" name="Title 1">
             <a:extLst>
               <a:ext uri="{FF2B5EF4-FFF2-40B4-BE49-F238E27FC236}">
-                <a16:creationId xmlns:a16="http://schemas.microsoft.com/office/drawing/2014/main" id="{2382379A-A9C7-4CD4-A860-00FB384090AE}"/>
+                <a16:creationId xmlns:a16="http://schemas.microsoft.com/office/drawing/2014/main" id="{646C442C-224B-4A70-88C9-A5EBAB2A8C2D}"/>
               </a:ext>
             </a:extLst>
           </p:cNvPr>
@@ -3492,6 +3578,490 @@
           <a:p>
             <a:r>
               <a:rPr lang="en-US" dirty="0"/>
+              <a:t>How to throw/raise an exceptions in Python</a:t>
+            </a:r>
+            <a:endParaRPr lang="en-IN" dirty="0"/>
+          </a:p>
+        </p:txBody>
+      </p:sp>
+      <p:sp>
+        <p:nvSpPr>
+          <p:cNvPr id="3" name="Content Placeholder 2">
+            <a:extLst>
+              <a:ext uri="{FF2B5EF4-FFF2-40B4-BE49-F238E27FC236}">
+                <a16:creationId xmlns:a16="http://schemas.microsoft.com/office/drawing/2014/main" id="{4E99DE71-09CC-4965-A16A-DFC697598FB5}"/>
+              </a:ext>
+            </a:extLst>
+          </p:cNvPr>
+          <p:cNvSpPr>
+            <a:spLocks noGrp="1"/>
+          </p:cNvSpPr>
+          <p:nvPr>
+            <p:ph idx="1"/>
+          </p:nvPr>
+        </p:nvSpPr>
+        <p:spPr>
+          <a:xfrm>
+            <a:off x="838200" y="1171852"/>
+            <a:ext cx="10515600" cy="5521911"/>
+          </a:xfrm>
+        </p:spPr>
+        <p:txBody>
+          <a:bodyPr>
+            <a:normAutofit fontScale="62500" lnSpcReduction="20000"/>
+          </a:bodyPr>
+          <a:lstStyle/>
+          <a:p>
+            <a:pPr marL="0" indent="0">
+              <a:buNone/>
+            </a:pPr>
+            <a:r>
+              <a:rPr lang="en-US" sz="3800" b="1" dirty="0"/>
+              <a:t>#Example:</a:t>
+            </a:r>
+          </a:p>
+          <a:p>
+            <a:pPr marL="0" indent="0">
+              <a:buNone/>
+            </a:pPr>
+            <a:r>
+              <a:rPr lang="en-US" dirty="0"/>
+              <a:t> class </a:t>
+            </a:r>
+            <a:r>
+              <a:rPr lang="en-US" dirty="0" err="1"/>
+              <a:t>CoffeeCup</a:t>
+            </a:r>
+            <a:r>
+              <a:rPr lang="en-US" dirty="0"/>
+              <a:t>:</a:t>
+            </a:r>
+          </a:p>
+          <a:p>
+            <a:pPr marL="0" indent="0">
+              <a:buNone/>
+            </a:pPr>
+            <a:r>
+              <a:rPr lang="en-US" dirty="0"/>
+              <a:t>      def __</a:t>
+            </a:r>
+            <a:r>
+              <a:rPr lang="en-US" dirty="0" err="1"/>
+              <a:t>init</a:t>
+            </a:r>
+            <a:r>
+              <a:rPr lang="en-US" dirty="0"/>
+              <a:t>__(</a:t>
+            </a:r>
+            <a:r>
+              <a:rPr lang="en-US" dirty="0" err="1"/>
+              <a:t>self,temperature</a:t>
+            </a:r>
+            <a:r>
+              <a:rPr lang="en-US" dirty="0"/>
+              <a:t>):</a:t>
+            </a:r>
+          </a:p>
+          <a:p>
+            <a:pPr marL="0" indent="0">
+              <a:buNone/>
+            </a:pPr>
+            <a:r>
+              <a:rPr lang="en-US" dirty="0"/>
+              <a:t>             </a:t>
+            </a:r>
+            <a:r>
+              <a:rPr lang="en-US" dirty="0" err="1"/>
+              <a:t>self.__temperature</a:t>
+            </a:r>
+            <a:r>
+              <a:rPr lang="en-US" dirty="0"/>
+              <a:t>=temperature</a:t>
+            </a:r>
+          </a:p>
+          <a:p>
+            <a:pPr marL="0" indent="0">
+              <a:buNone/>
+            </a:pPr>
+            <a:r>
+              <a:rPr lang="en-US" dirty="0"/>
+              <a:t>      def </a:t>
+            </a:r>
+            <a:r>
+              <a:rPr lang="en-US" dirty="0" err="1"/>
+              <a:t>drink_coffee</a:t>
+            </a:r>
+            <a:r>
+              <a:rPr lang="en-US" dirty="0"/>
+              <a:t>(self):</a:t>
+            </a:r>
+          </a:p>
+          <a:p>
+            <a:pPr marL="0" indent="0">
+              <a:buNone/>
+            </a:pPr>
+            <a:r>
+              <a:rPr lang="en-US" dirty="0"/>
+              <a:t>            if </a:t>
+            </a:r>
+            <a:r>
+              <a:rPr lang="en-US" dirty="0" err="1"/>
+              <a:t>self.__temperature</a:t>
+            </a:r>
+            <a:r>
+              <a:rPr lang="en-US" dirty="0"/>
+              <a:t> &gt;85:</a:t>
+            </a:r>
+          </a:p>
+          <a:p>
+            <a:pPr marL="0" indent="0">
+              <a:buNone/>
+            </a:pPr>
+            <a:r>
+              <a:rPr lang="en-US" dirty="0"/>
+              <a:t>                #print(‘Coffee  Too Hot’)</a:t>
+            </a:r>
+          </a:p>
+          <a:p>
+            <a:pPr marL="0" indent="0">
+              <a:buNone/>
+            </a:pPr>
+            <a:r>
+              <a:rPr lang="en-US" dirty="0"/>
+              <a:t>                </a:t>
+            </a:r>
+            <a:r>
+              <a:rPr lang="en-US" dirty="0">
+                <a:highlight>
+                  <a:srgbClr val="FFFF00"/>
+                </a:highlight>
+              </a:rPr>
+              <a:t>raise Exception</a:t>
+            </a:r>
+          </a:p>
+          <a:p>
+            <a:pPr marL="0" indent="0">
+              <a:buNone/>
+            </a:pPr>
+            <a:r>
+              <a:rPr lang="en-US" dirty="0"/>
+              <a:t>           </a:t>
+            </a:r>
+            <a:r>
+              <a:rPr lang="en-US" dirty="0" err="1"/>
+              <a:t>elif</a:t>
+            </a:r>
+            <a:r>
+              <a:rPr lang="en-US" dirty="0"/>
+              <a:t> </a:t>
+            </a:r>
+            <a:r>
+              <a:rPr lang="en-US" dirty="0" err="1"/>
+              <a:t>self.__temperature</a:t>
+            </a:r>
+            <a:r>
+              <a:rPr lang="en-US" dirty="0"/>
+              <a:t> &lt;65:</a:t>
+            </a:r>
+          </a:p>
+          <a:p>
+            <a:pPr marL="0" indent="0">
+              <a:buNone/>
+            </a:pPr>
+            <a:r>
+              <a:rPr lang="en-US" dirty="0"/>
+              <a:t>               #print(‘Coffee Too Cold’)</a:t>
+            </a:r>
+          </a:p>
+          <a:p>
+            <a:pPr marL="0" indent="0">
+              <a:buNone/>
+            </a:pPr>
+            <a:r>
+              <a:rPr lang="en-US" dirty="0"/>
+              <a:t>               </a:t>
+            </a:r>
+            <a:r>
+              <a:rPr lang="en-US" dirty="0">
+                <a:highlight>
+                  <a:srgbClr val="FFFF00"/>
+                </a:highlight>
+              </a:rPr>
+              <a:t>raise </a:t>
+            </a:r>
+            <a:r>
+              <a:rPr lang="en-US" dirty="0" err="1">
+                <a:highlight>
+                  <a:srgbClr val="FFFF00"/>
+                </a:highlight>
+              </a:rPr>
+              <a:t>ValueError</a:t>
+            </a:r>
+            <a:r>
+              <a:rPr lang="en-US" dirty="0">
+                <a:highlight>
+                  <a:srgbClr val="FFFF00"/>
+                </a:highlight>
+              </a:rPr>
+              <a:t>(‘Coffee Too Cold’)</a:t>
+            </a:r>
+          </a:p>
+          <a:p>
+            <a:pPr marL="0" indent="0">
+              <a:buNone/>
+            </a:pPr>
+            <a:endParaRPr lang="en-US" dirty="0"/>
+          </a:p>
+          <a:p>
+            <a:pPr marL="0" indent="0">
+              <a:buNone/>
+            </a:pPr>
+            <a:r>
+              <a:rPr lang="en-US" dirty="0"/>
+              <a:t>           else:</a:t>
+            </a:r>
+          </a:p>
+          <a:p>
+            <a:pPr marL="0" indent="0">
+              <a:buNone/>
+            </a:pPr>
+            <a:r>
+              <a:rPr lang="en-US" dirty="0"/>
+              <a:t>               print(‘Coffee Ok to Drink’)</a:t>
+            </a:r>
+          </a:p>
+          <a:p>
+            <a:pPr marL="0" indent="0">
+              <a:buNone/>
+            </a:pPr>
+            <a:endParaRPr lang="en-US" dirty="0"/>
+          </a:p>
+          <a:p>
+            <a:pPr marL="0" indent="0">
+              <a:buNone/>
+            </a:pPr>
+            <a:r>
+              <a:rPr lang="en-US" dirty="0"/>
+              <a:t>Cup=</a:t>
+            </a:r>
+            <a:r>
+              <a:rPr lang="en-US" dirty="0" err="1"/>
+              <a:t>CoffeeCup</a:t>
+            </a:r>
+            <a:r>
+              <a:rPr lang="en-US" dirty="0"/>
+              <a:t>(100)</a:t>
+            </a:r>
+          </a:p>
+          <a:p>
+            <a:pPr marL="0" indent="0">
+              <a:buNone/>
+            </a:pPr>
+            <a:r>
+              <a:rPr lang="en-US" dirty="0" err="1"/>
+              <a:t>Cup.drink_coffee</a:t>
+            </a:r>
+            <a:r>
+              <a:rPr lang="en-US" dirty="0"/>
+              <a:t>()</a:t>
+            </a:r>
+            <a:endParaRPr lang="en-IN" dirty="0"/>
+          </a:p>
+        </p:txBody>
+      </p:sp>
+      <p:cxnSp>
+        <p:nvCxnSpPr>
+          <p:cNvPr id="5" name="Straight Connector 4">
+            <a:extLst>
+              <a:ext uri="{FF2B5EF4-FFF2-40B4-BE49-F238E27FC236}">
+                <a16:creationId xmlns:a16="http://schemas.microsoft.com/office/drawing/2014/main" id="{9D3962A9-9EBB-4DE2-A451-526F25E77AF3}"/>
+              </a:ext>
+            </a:extLst>
+          </p:cNvPr>
+          <p:cNvCxnSpPr/>
+          <p:nvPr/>
+        </p:nvCxnSpPr>
+        <p:spPr>
+          <a:xfrm>
+            <a:off x="5797118" y="958788"/>
+            <a:ext cx="0" cy="5899212"/>
+          </a:xfrm>
+          <a:prstGeom prst="line">
+            <a:avLst/>
+          </a:prstGeom>
+        </p:spPr>
+        <p:style>
+          <a:lnRef idx="1">
+            <a:schemeClr val="dk1"/>
+          </a:lnRef>
+          <a:fillRef idx="0">
+            <a:schemeClr val="dk1"/>
+          </a:fillRef>
+          <a:effectRef idx="0">
+            <a:schemeClr val="dk1"/>
+          </a:effectRef>
+          <a:fontRef idx="minor">
+            <a:schemeClr val="tx1"/>
+          </a:fontRef>
+        </p:style>
+      </p:cxnSp>
+      <p:sp>
+        <p:nvSpPr>
+          <p:cNvPr id="6" name="TextBox 5">
+            <a:extLst>
+              <a:ext uri="{FF2B5EF4-FFF2-40B4-BE49-F238E27FC236}">
+                <a16:creationId xmlns:a16="http://schemas.microsoft.com/office/drawing/2014/main" id="{818A7583-7748-412D-82DE-3CE2DD90C3CD}"/>
+              </a:ext>
+            </a:extLst>
+          </p:cNvPr>
+          <p:cNvSpPr txBox="1"/>
+          <p:nvPr/>
+        </p:nvSpPr>
+        <p:spPr>
+          <a:xfrm>
+            <a:off x="6223247" y="1411550"/>
+            <a:ext cx="5699461" cy="2308324"/>
+          </a:xfrm>
+          <a:prstGeom prst="rect">
+            <a:avLst/>
+          </a:prstGeom>
+          <a:noFill/>
+        </p:spPr>
+        <p:txBody>
+          <a:bodyPr wrap="square" rtlCol="0">
+            <a:spAutoFit/>
+          </a:bodyPr>
+          <a:lstStyle/>
+          <a:p>
+            <a:r>
+              <a:rPr lang="en-US" b="1" dirty="0"/>
+              <a:t>#Example:</a:t>
+            </a:r>
+          </a:p>
+          <a:p>
+            <a:r>
+              <a:rPr lang="en-US" dirty="0"/>
+              <a:t> try:</a:t>
+            </a:r>
+          </a:p>
+          <a:p>
+            <a:r>
+              <a:rPr lang="en-US" dirty="0"/>
+              <a:t>    raise </a:t>
+            </a:r>
+            <a:r>
+              <a:rPr lang="en-US" dirty="0" err="1"/>
+              <a:t>MemoryError</a:t>
+            </a:r>
+            <a:r>
+              <a:rPr lang="en-US" dirty="0"/>
+              <a:t>(‘memory error’)</a:t>
+            </a:r>
+          </a:p>
+          <a:p>
+            <a:r>
+              <a:rPr lang="en-US" dirty="0"/>
+              <a:t> except </a:t>
+            </a:r>
+            <a:r>
+              <a:rPr lang="en-US" dirty="0" err="1"/>
+              <a:t>MemoryError</a:t>
+            </a:r>
+            <a:r>
+              <a:rPr lang="en-US" dirty="0"/>
+              <a:t> as e:</a:t>
+            </a:r>
+          </a:p>
+          <a:p>
+            <a:r>
+              <a:rPr lang="en-US" dirty="0"/>
+              <a:t>   print( e )</a:t>
+            </a:r>
+          </a:p>
+          <a:p>
+            <a:endParaRPr lang="en-US" dirty="0"/>
+          </a:p>
+          <a:p>
+            <a:pPr marL="285750" indent="-285750">
+              <a:buFont typeface="Arial" panose="020B0604020202020204" pitchFamily="34" charset="0"/>
+              <a:buChar char="•"/>
+            </a:pPr>
+            <a:r>
+              <a:rPr lang="en-US" dirty="0"/>
+              <a:t>Google “python </a:t>
+            </a:r>
+            <a:r>
+              <a:rPr lang="en-US" dirty="0" err="1"/>
+              <a:t>builtin</a:t>
+            </a:r>
+            <a:r>
+              <a:rPr lang="en-US" dirty="0"/>
+              <a:t> exceptions” to see list of standard exceptions.</a:t>
+            </a:r>
+            <a:endParaRPr lang="en-IN" dirty="0"/>
+          </a:p>
+        </p:txBody>
+      </p:sp>
+    </p:spTree>
+    <p:extLst>
+      <p:ext uri="{BB962C8B-B14F-4D97-AF65-F5344CB8AC3E}">
+        <p14:creationId xmlns:p14="http://schemas.microsoft.com/office/powerpoint/2010/main" val="3643980455"/>
+      </p:ext>
+    </p:extLst>
+  </p:cSld>
+  <p:clrMapOvr>
+    <a:masterClrMapping/>
+  </p:clrMapOvr>
+</p:sld>
+</file>
+
+<file path=ppt/slides/slide11.xml><?xml version="1.0" encoding="utf-8"?>
+<p:sld xmlns:a="http://schemas.openxmlformats.org/drawingml/2006/main" xmlns:r="http://schemas.openxmlformats.org/officeDocument/2006/relationships" xmlns:p="http://schemas.openxmlformats.org/presentationml/2006/main">
+  <p:cSld>
+    <p:spTree>
+      <p:nvGrpSpPr>
+        <p:cNvPr id="1" name=""/>
+        <p:cNvGrpSpPr/>
+        <p:nvPr/>
+      </p:nvGrpSpPr>
+      <p:grpSpPr>
+        <a:xfrm>
+          <a:off x="0" y="0"/>
+          <a:ext cx="0" cy="0"/>
+          <a:chOff x="0" y="0"/>
+          <a:chExt cx="0" cy="0"/>
+        </a:xfrm>
+      </p:grpSpPr>
+      <p:sp>
+        <p:nvSpPr>
+          <p:cNvPr id="2" name="Title 1">
+            <a:extLst>
+              <a:ext uri="{FF2B5EF4-FFF2-40B4-BE49-F238E27FC236}">
+                <a16:creationId xmlns:a16="http://schemas.microsoft.com/office/drawing/2014/main" id="{2382379A-A9C7-4CD4-A860-00FB384090AE}"/>
+              </a:ext>
+            </a:extLst>
+          </p:cNvPr>
+          <p:cNvSpPr>
+            <a:spLocks noGrp="1"/>
+          </p:cNvSpPr>
+          <p:nvPr>
+            <p:ph type="title"/>
+          </p:nvPr>
+        </p:nvSpPr>
+        <p:spPr>
+          <a:xfrm>
+            <a:off x="367684" y="187571"/>
+            <a:ext cx="10515600" cy="593663"/>
+          </a:xfrm>
+        </p:spPr>
+        <p:txBody>
+          <a:bodyPr>
+            <a:normAutofit fontScale="90000"/>
+          </a:bodyPr>
+          <a:lstStyle/>
+          <a:p>
+            <a:r>
+              <a:rPr lang="en-US" dirty="0"/>
               <a:t>Raising Custom Exceptions in Python</a:t>
             </a:r>
             <a:endParaRPr lang="en-IN" dirty="0"/>
@@ -3516,8 +4086,8 @@
         </p:nvSpPr>
         <p:spPr>
           <a:xfrm>
-            <a:off x="838200" y="1109710"/>
-            <a:ext cx="10515600" cy="5748290"/>
+            <a:off x="367684" y="1801027"/>
+            <a:ext cx="6542102" cy="5935861"/>
           </a:xfrm>
         </p:spPr>
         <p:txBody>
@@ -3530,7 +4100,7 @@
               <a:buNone/>
             </a:pPr>
             <a:r>
-              <a:rPr lang="en-US" dirty="0"/>
+              <a:rPr lang="en-US" sz="4400" b="1" dirty="0"/>
               <a:t>#Example:</a:t>
             </a:r>
           </a:p>
@@ -3539,25 +4109,443 @@
               <a:buNone/>
             </a:pPr>
             <a:r>
-              <a:rPr lang="en-IN" dirty="0"/>
+              <a:rPr lang="en-IN" dirty="0">
+                <a:highlight>
+                  <a:srgbClr val="FFFF00"/>
+                </a:highlight>
+              </a:rPr>
               <a:t> class </a:t>
+            </a:r>
+            <a:r>
+              <a:rPr lang="en-IN" dirty="0" err="1">
+                <a:highlight>
+                  <a:srgbClr val="FFFF00"/>
+                </a:highlight>
+              </a:rPr>
+              <a:t>CoffeeTooHotException</a:t>
+            </a:r>
+            <a:r>
+              <a:rPr lang="en-IN" dirty="0">
+                <a:highlight>
+                  <a:srgbClr val="FFFF00"/>
+                </a:highlight>
+              </a:rPr>
+              <a:t>(Exception):</a:t>
+            </a:r>
+          </a:p>
+          <a:p>
+            <a:pPr marL="0" indent="0">
+              <a:buNone/>
+            </a:pPr>
+            <a:r>
+              <a:rPr lang="en-IN" dirty="0">
+                <a:highlight>
+                  <a:srgbClr val="FFFF00"/>
+                </a:highlight>
+              </a:rPr>
+              <a:t>           def __</a:t>
+            </a:r>
+            <a:r>
+              <a:rPr lang="en-IN" dirty="0" err="1">
+                <a:highlight>
+                  <a:srgbClr val="FFFF00"/>
+                </a:highlight>
+              </a:rPr>
+              <a:t>init</a:t>
+            </a:r>
+            <a:r>
+              <a:rPr lang="en-IN" dirty="0">
+                <a:highlight>
+                  <a:srgbClr val="FFFF00"/>
+                </a:highlight>
+              </a:rPr>
+              <a:t>__(</a:t>
+            </a:r>
+            <a:r>
+              <a:rPr lang="en-IN" dirty="0" err="1">
+                <a:highlight>
+                  <a:srgbClr val="FFFF00"/>
+                </a:highlight>
+              </a:rPr>
+              <a:t>self,msg</a:t>
+            </a:r>
+            <a:r>
+              <a:rPr lang="en-IN" dirty="0">
+                <a:highlight>
+                  <a:srgbClr val="FFFF00"/>
+                </a:highlight>
+              </a:rPr>
+              <a:t>):</a:t>
+            </a:r>
+          </a:p>
+          <a:p>
+            <a:pPr marL="0" indent="0">
+              <a:buNone/>
+            </a:pPr>
+            <a:r>
+              <a:rPr lang="en-IN" dirty="0">
+                <a:highlight>
+                  <a:srgbClr val="FFFF00"/>
+                </a:highlight>
+              </a:rPr>
+              <a:t>           	super().__</a:t>
+            </a:r>
+            <a:r>
+              <a:rPr lang="en-IN" dirty="0" err="1">
+                <a:highlight>
+                  <a:srgbClr val="FFFF00"/>
+                </a:highlight>
+              </a:rPr>
+              <a:t>init</a:t>
+            </a:r>
+            <a:r>
+              <a:rPr lang="en-IN" dirty="0">
+                <a:highlight>
+                  <a:srgbClr val="FFFF00"/>
+                </a:highlight>
+              </a:rPr>
+              <a:t>__(</a:t>
+            </a:r>
+            <a:r>
+              <a:rPr lang="en-IN" dirty="0" err="1">
+                <a:highlight>
+                  <a:srgbClr val="FFFF00"/>
+                </a:highlight>
+              </a:rPr>
+              <a:t>msg</a:t>
+            </a:r>
+            <a:r>
+              <a:rPr lang="en-IN" dirty="0">
+                <a:highlight>
+                  <a:srgbClr val="FFFF00"/>
+                </a:highlight>
+              </a:rPr>
+              <a:t>)</a:t>
+            </a:r>
+          </a:p>
+          <a:p>
+            <a:pPr marL="0" indent="0">
+              <a:buNone/>
+            </a:pPr>
+            <a:endParaRPr lang="en-IN" dirty="0"/>
+          </a:p>
+          <a:p>
+            <a:pPr marL="0" indent="0">
+              <a:buNone/>
+            </a:pPr>
+            <a:r>
+              <a:rPr lang="en-US" dirty="0"/>
+              <a:t>class </a:t>
+            </a:r>
+            <a:r>
+              <a:rPr lang="en-US" dirty="0" err="1"/>
+              <a:t>CoffeeCup</a:t>
+            </a:r>
+            <a:r>
+              <a:rPr lang="en-US" dirty="0"/>
+              <a:t>:</a:t>
+            </a:r>
+          </a:p>
+          <a:p>
+            <a:pPr marL="0" indent="0">
+              <a:buNone/>
+            </a:pPr>
+            <a:r>
+              <a:rPr lang="en-US" dirty="0"/>
+              <a:t>      def __</a:t>
+            </a:r>
+            <a:r>
+              <a:rPr lang="en-US" dirty="0" err="1"/>
+              <a:t>init</a:t>
+            </a:r>
+            <a:r>
+              <a:rPr lang="en-US" dirty="0"/>
+              <a:t>__(</a:t>
+            </a:r>
+            <a:r>
+              <a:rPr lang="en-US" dirty="0" err="1"/>
+              <a:t>self,temperature</a:t>
+            </a:r>
+            <a:r>
+              <a:rPr lang="en-US" dirty="0"/>
+              <a:t>):</a:t>
+            </a:r>
+          </a:p>
+          <a:p>
+            <a:pPr marL="0" indent="0">
+              <a:buNone/>
+            </a:pPr>
+            <a:r>
+              <a:rPr lang="en-US" dirty="0"/>
+              <a:t>             </a:t>
+            </a:r>
+            <a:r>
+              <a:rPr lang="en-US" dirty="0" err="1"/>
+              <a:t>self.__temperature</a:t>
+            </a:r>
+            <a:r>
+              <a:rPr lang="en-US" dirty="0"/>
+              <a:t>=temperature</a:t>
+            </a:r>
+          </a:p>
+          <a:p>
+            <a:pPr marL="0" indent="0">
+              <a:buNone/>
+            </a:pPr>
+            <a:r>
+              <a:rPr lang="en-US" dirty="0"/>
+              <a:t>      def </a:t>
+            </a:r>
+            <a:r>
+              <a:rPr lang="en-US" dirty="0" err="1"/>
+              <a:t>drink_coffee</a:t>
+            </a:r>
+            <a:r>
+              <a:rPr lang="en-US" dirty="0"/>
+              <a:t>(self):</a:t>
+            </a:r>
+          </a:p>
+          <a:p>
+            <a:pPr marL="0" indent="0">
+              <a:buNone/>
+            </a:pPr>
+            <a:r>
+              <a:rPr lang="en-US" dirty="0"/>
+              <a:t>            if  </a:t>
+            </a:r>
+            <a:r>
+              <a:rPr lang="en-US" dirty="0" err="1"/>
+              <a:t>self.__temperature</a:t>
+            </a:r>
+            <a:r>
+              <a:rPr lang="en-US" dirty="0"/>
+              <a:t> &gt;85:</a:t>
+            </a:r>
+          </a:p>
+          <a:p>
+            <a:pPr marL="0" indent="0">
+              <a:buNone/>
+            </a:pPr>
+            <a:r>
+              <a:rPr lang="en-US" dirty="0"/>
+              <a:t>                 raise </a:t>
             </a:r>
             <a:r>
               <a:rPr lang="en-IN" dirty="0" err="1"/>
               <a:t>CoffeeTooHotException</a:t>
             </a:r>
             <a:r>
+              <a:rPr lang="en-US" dirty="0"/>
+              <a:t> (‘Coffee  Too </a:t>
+            </a:r>
+            <a:r>
+              <a:rPr lang="en-US" dirty="0" err="1"/>
+              <a:t>Hot’+str</a:t>
+            </a:r>
+            <a:r>
+              <a:rPr lang="en-US" dirty="0"/>
+              <a:t>(</a:t>
+            </a:r>
+            <a:r>
+              <a:rPr lang="en-US" dirty="0" err="1"/>
+              <a:t>self.__temperature</a:t>
+            </a:r>
+            <a:r>
+              <a:rPr lang="en-US" dirty="0"/>
+              <a:t>))</a:t>
+            </a:r>
+          </a:p>
+          <a:p>
+            <a:pPr marL="0" indent="0">
+              <a:buNone/>
+            </a:pPr>
+            <a:r>
+              <a:rPr lang="en-US" dirty="0"/>
+              <a:t>           </a:t>
+            </a:r>
+            <a:r>
+              <a:rPr lang="en-US" dirty="0" err="1"/>
+              <a:t>elif</a:t>
+            </a:r>
+            <a:r>
+              <a:rPr lang="en-US" dirty="0"/>
+              <a:t>  </a:t>
+            </a:r>
+            <a:r>
+              <a:rPr lang="en-US" dirty="0" err="1"/>
+              <a:t>self.__temperature</a:t>
+            </a:r>
+            <a:r>
+              <a:rPr lang="en-US" dirty="0"/>
+              <a:t> &lt;65:</a:t>
+            </a:r>
+          </a:p>
+          <a:p>
+            <a:pPr marL="0" indent="0">
+              <a:buNone/>
+            </a:pPr>
+            <a:r>
+              <a:rPr lang="en-US" dirty="0"/>
+              <a:t>                raise </a:t>
+            </a:r>
+            <a:r>
+              <a:rPr lang="en-US" dirty="0" err="1"/>
+              <a:t>ValueError</a:t>
+            </a:r>
+            <a:r>
+              <a:rPr lang="en-US" dirty="0"/>
+              <a:t>(‘Coffee Too Cold’)</a:t>
+            </a:r>
+          </a:p>
+          <a:p>
+            <a:pPr marL="0" indent="0">
+              <a:buNone/>
+            </a:pPr>
+            <a:r>
+              <a:rPr lang="en-US" dirty="0"/>
+              <a:t>          else:</a:t>
+            </a:r>
+          </a:p>
+          <a:p>
+            <a:pPr marL="0" indent="0">
+              <a:buNone/>
+            </a:pPr>
+            <a:r>
+              <a:rPr lang="en-US" dirty="0"/>
+              <a:t>               print(‘Coffee Ok to Drink’)</a:t>
+            </a:r>
+          </a:p>
+          <a:p>
+            <a:pPr marL="0" indent="0">
+              <a:buNone/>
+            </a:pPr>
+            <a:r>
+              <a:rPr lang="en-US" dirty="0"/>
+              <a:t>Cup=</a:t>
+            </a:r>
+            <a:r>
+              <a:rPr lang="en-US" dirty="0" err="1"/>
+              <a:t>CoffeeCup</a:t>
+            </a:r>
+            <a:r>
+              <a:rPr lang="en-US" dirty="0"/>
+              <a:t>(75)</a:t>
+            </a:r>
+          </a:p>
+          <a:p>
+            <a:pPr marL="0" indent="0">
+              <a:buNone/>
+            </a:pPr>
+            <a:r>
+              <a:rPr lang="en-US" dirty="0" err="1"/>
+              <a:t>Cup.drink_coffee</a:t>
+            </a:r>
+            <a:r>
+              <a:rPr lang="en-US" dirty="0"/>
+              <a:t>()</a:t>
+            </a:r>
+            <a:endParaRPr lang="en-IN" dirty="0"/>
+          </a:p>
+          <a:p>
+            <a:pPr marL="0" indent="0">
+              <a:buNone/>
+            </a:pPr>
+            <a:endParaRPr lang="en-IN" dirty="0"/>
+          </a:p>
+          <a:p>
+            <a:pPr marL="0" indent="0">
+              <a:buNone/>
+            </a:pPr>
+            <a:r>
               <a:rPr lang="en-IN" dirty="0"/>
-              <a:t>(Exception):</a:t>
-            </a:r>
-          </a:p>
-          <a:p>
-            <a:pPr marL="0" indent="0">
-              <a:buNone/>
-            </a:pPr>
+              <a:t>                </a:t>
+            </a:r>
+          </a:p>
+        </p:txBody>
+      </p:sp>
+      <p:sp>
+        <p:nvSpPr>
+          <p:cNvPr id="4" name="TextBox 3">
+            <a:extLst>
+              <a:ext uri="{FF2B5EF4-FFF2-40B4-BE49-F238E27FC236}">
+                <a16:creationId xmlns:a16="http://schemas.microsoft.com/office/drawing/2014/main" id="{99F5D312-66D7-4C3A-9482-074B53462FBC}"/>
+              </a:ext>
+            </a:extLst>
+          </p:cNvPr>
+          <p:cNvSpPr txBox="1"/>
+          <p:nvPr/>
+        </p:nvSpPr>
+        <p:spPr>
+          <a:xfrm>
+            <a:off x="367684" y="955232"/>
+            <a:ext cx="9220794" cy="461665"/>
+          </a:xfrm>
+          <a:prstGeom prst="rect">
+            <a:avLst/>
+          </a:prstGeom>
+          <a:noFill/>
+        </p:spPr>
+        <p:txBody>
+          <a:bodyPr wrap="none" rtlCol="0">
+            <a:spAutoFit/>
+          </a:bodyPr>
+          <a:lstStyle/>
+          <a:p>
+            <a:pPr marL="285750" indent="-285750">
+              <a:buFont typeface="Arial" panose="020B0604020202020204" pitchFamily="34" charset="0"/>
+              <a:buChar char="•"/>
+            </a:pPr>
+            <a:r>
+              <a:rPr lang="en-US" sz="2400" dirty="0"/>
+              <a:t>User defined Exceptions are always derived from Exception base class.</a:t>
+            </a:r>
+            <a:endParaRPr lang="en-IN" sz="2400" dirty="0"/>
+          </a:p>
+        </p:txBody>
+      </p:sp>
+      <p:sp>
+        <p:nvSpPr>
+          <p:cNvPr id="6" name="TextBox 5">
+            <a:extLst>
+              <a:ext uri="{FF2B5EF4-FFF2-40B4-BE49-F238E27FC236}">
+                <a16:creationId xmlns:a16="http://schemas.microsoft.com/office/drawing/2014/main" id="{1C67E722-02B3-4FE5-B013-E97528129650}"/>
+              </a:ext>
+            </a:extLst>
+          </p:cNvPr>
+          <p:cNvSpPr txBox="1"/>
+          <p:nvPr/>
+        </p:nvSpPr>
+        <p:spPr>
+          <a:xfrm>
+            <a:off x="7290786" y="1859339"/>
+            <a:ext cx="5102441" cy="3139321"/>
+          </a:xfrm>
+          <a:prstGeom prst="rect">
+            <a:avLst/>
+          </a:prstGeom>
+          <a:noFill/>
+        </p:spPr>
+        <p:txBody>
+          <a:bodyPr wrap="square">
+            <a:spAutoFit/>
+          </a:bodyPr>
+          <a:lstStyle/>
+          <a:p>
             <a:r>
               <a:rPr lang="en-IN" dirty="0"/>
-              <a:t>           def __</a:t>
+              <a:t>#Creating Custom Exception</a:t>
+            </a:r>
+          </a:p>
+          <a:p>
+            <a:r>
+              <a:rPr lang="en-IN" dirty="0"/>
+              <a:t>class Accident(Exception):</a:t>
+            </a:r>
+          </a:p>
+          <a:p>
+            <a:r>
+              <a:rPr lang="en-IN" dirty="0"/>
+              <a:t>    def __</a:t>
             </a:r>
             <a:r>
               <a:rPr lang="en-IN" dirty="0" err="1"/>
@@ -3577,270 +4565,117 @@
             </a:r>
           </a:p>
           <a:p>
-            <a:pPr marL="0" indent="0">
-              <a:buNone/>
-            </a:pPr>
             <a:r>
               <a:rPr lang="en-IN" dirty="0"/>
-              <a:t>           super().__</a:t>
-            </a:r>
-            <a:r>
-              <a:rPr lang="en-IN" dirty="0" err="1"/>
-              <a:t>init</a:t>
-            </a:r>
-            <a:r>
-              <a:rPr lang="en-IN" dirty="0"/>
-              <a:t>__(</a:t>
+              <a:t>        self.msg=</a:t>
             </a:r>
             <a:r>
               <a:rPr lang="en-IN" dirty="0" err="1"/>
               <a:t>msg</a:t>
             </a:r>
+            <a:endParaRPr lang="en-IN" dirty="0"/>
+          </a:p>
+          <a:p>
             <a:r>
               <a:rPr lang="en-IN" dirty="0"/>
-              <a:t>)</a:t>
-            </a:r>
-          </a:p>
-          <a:p>
-            <a:pPr marL="0" indent="0">
-              <a:buNone/>
-            </a:pPr>
+              <a:t>    def </a:t>
+            </a:r>
+            <a:r>
+              <a:rPr lang="en-IN" dirty="0" err="1"/>
+              <a:t>print_exception</a:t>
+            </a:r>
+            <a:r>
+              <a:rPr lang="en-IN" dirty="0"/>
+              <a:t>(self):</a:t>
+            </a:r>
+          </a:p>
+          <a:p>
+            <a:r>
+              <a:rPr lang="en-IN" dirty="0"/>
+              <a:t>        print("User defined exception :",self.msg)</a:t>
+            </a:r>
+          </a:p>
+          <a:p>
             <a:endParaRPr lang="en-IN" dirty="0"/>
           </a:p>
           <a:p>
-            <a:pPr marL="0" indent="0">
-              <a:buNone/>
-            </a:pPr>
-            <a:r>
-              <a:rPr lang="en-US" dirty="0"/>
-              <a:t>class </a:t>
-            </a:r>
-            <a:r>
-              <a:rPr lang="en-US" dirty="0" err="1"/>
-              <a:t>CoffeeCup</a:t>
-            </a:r>
-            <a:r>
-              <a:rPr lang="en-US" dirty="0"/>
-              <a:t>:</a:t>
-            </a:r>
-          </a:p>
-          <a:p>
-            <a:pPr marL="0" indent="0">
-              <a:buNone/>
-            </a:pPr>
-            <a:r>
-              <a:rPr lang="en-US" dirty="0"/>
-              <a:t>      def __</a:t>
-            </a:r>
-            <a:r>
-              <a:rPr lang="en-US" dirty="0" err="1"/>
-              <a:t>init</a:t>
-            </a:r>
-            <a:r>
-              <a:rPr lang="en-US" dirty="0"/>
-              <a:t>__(</a:t>
-            </a:r>
-            <a:r>
-              <a:rPr lang="en-US" dirty="0" err="1"/>
-              <a:t>self,temperature</a:t>
-            </a:r>
-            <a:r>
-              <a:rPr lang="en-US" dirty="0"/>
-              <a:t>):</a:t>
-            </a:r>
-          </a:p>
-          <a:p>
-            <a:pPr marL="0" indent="0">
-              <a:buNone/>
-            </a:pPr>
-            <a:r>
-              <a:rPr lang="en-US" dirty="0"/>
-              <a:t>             </a:t>
-            </a:r>
-            <a:r>
-              <a:rPr lang="en-US" dirty="0" err="1"/>
-              <a:t>self.__temperature</a:t>
-            </a:r>
-            <a:r>
-              <a:rPr lang="en-US" dirty="0"/>
-              <a:t>=temperature</a:t>
-            </a:r>
-          </a:p>
-          <a:p>
-            <a:pPr marL="0" indent="0">
-              <a:buNone/>
-            </a:pPr>
-            <a:r>
-              <a:rPr lang="en-US" dirty="0"/>
-              <a:t>      def </a:t>
-            </a:r>
-            <a:r>
-              <a:rPr lang="en-US" dirty="0" err="1"/>
-              <a:t>drink_coffee</a:t>
-            </a:r>
-            <a:r>
-              <a:rPr lang="en-US" dirty="0"/>
-              <a:t>(self):</a:t>
-            </a:r>
-          </a:p>
-          <a:p>
-            <a:pPr marL="0" indent="0">
-              <a:buNone/>
-            </a:pPr>
-            <a:r>
-              <a:rPr lang="en-US" dirty="0"/>
-              <a:t>            if  </a:t>
-            </a:r>
-            <a:r>
-              <a:rPr lang="en-US" dirty="0" err="1"/>
-              <a:t>self.__temperature</a:t>
-            </a:r>
-            <a:r>
-              <a:rPr lang="en-US" dirty="0"/>
-              <a:t> &gt;85:</a:t>
-            </a:r>
-          </a:p>
-          <a:p>
-            <a:pPr marL="0" indent="0">
-              <a:buNone/>
-            </a:pPr>
-            <a:r>
-              <a:rPr lang="en-US" dirty="0"/>
-              <a:t>                 raise </a:t>
+            <a:r>
+              <a:rPr lang="en-IN" dirty="0"/>
+              <a:t>try:</a:t>
+            </a:r>
+          </a:p>
+          <a:p>
+            <a:r>
+              <a:rPr lang="en-IN" dirty="0"/>
+              <a:t>    </a:t>
+            </a:r>
+            <a:r>
+              <a:rPr lang="en-IN" b="1" dirty="0"/>
+              <a:t>raise</a:t>
+            </a:r>
+            <a:r>
+              <a:rPr lang="en-IN" dirty="0"/>
+              <a:t> Accident('crash between two cars')</a:t>
+            </a:r>
+          </a:p>
+          <a:p>
+            <a:r>
+              <a:rPr lang="en-IN" dirty="0"/>
+              <a:t>except Accident as e:</a:t>
+            </a:r>
+          </a:p>
+          <a:p>
+            <a:r>
+              <a:rPr lang="en-IN" dirty="0"/>
+              <a:t>    </a:t>
             </a:r>
             <a:r>
               <a:rPr lang="en-IN" dirty="0" err="1"/>
-              <a:t>CoffeeTooHotException</a:t>
-            </a:r>
-            <a:r>
-              <a:rPr lang="en-US" dirty="0"/>
-              <a:t> (‘Coffee  Too </a:t>
-            </a:r>
-            <a:r>
-              <a:rPr lang="en-US" dirty="0" err="1"/>
-              <a:t>Hot’+str</a:t>
-            </a:r>
-            <a:r>
-              <a:rPr lang="en-US" dirty="0"/>
-              <a:t>(</a:t>
-            </a:r>
-            <a:r>
-              <a:rPr lang="en-US" dirty="0" err="1"/>
-              <a:t>self.__temperature</a:t>
-            </a:r>
-            <a:r>
-              <a:rPr lang="en-US" dirty="0"/>
-              <a:t>))</a:t>
-            </a:r>
-          </a:p>
-          <a:p>
-            <a:pPr marL="0" indent="0">
-              <a:buNone/>
-            </a:pPr>
-            <a:r>
-              <a:rPr lang="en-US" dirty="0"/>
-              <a:t>           </a:t>
-            </a:r>
-            <a:r>
-              <a:rPr lang="en-US" dirty="0" err="1"/>
-              <a:t>elif</a:t>
-            </a:r>
-            <a:r>
-              <a:rPr lang="en-US" dirty="0"/>
-              <a:t>  </a:t>
-            </a:r>
-            <a:r>
-              <a:rPr lang="en-US" dirty="0" err="1"/>
-              <a:t>self.__temperature</a:t>
-            </a:r>
-            <a:r>
-              <a:rPr lang="en-US" dirty="0"/>
-              <a:t> &lt;65:</a:t>
-            </a:r>
-          </a:p>
-          <a:p>
-            <a:pPr marL="0" indent="0">
-              <a:buNone/>
-            </a:pPr>
-            <a:r>
-              <a:rPr lang="en-US" dirty="0"/>
-              <a:t>                raise </a:t>
-            </a:r>
-            <a:r>
-              <a:rPr lang="en-US" dirty="0" err="1"/>
-              <a:t>ValueError</a:t>
-            </a:r>
-            <a:r>
-              <a:rPr lang="en-US" dirty="0"/>
-              <a:t>(‘Coffee Too Cold’)</a:t>
-            </a:r>
-          </a:p>
-          <a:p>
-            <a:pPr marL="0" indent="0">
-              <a:buNone/>
-            </a:pPr>
-            <a:r>
-              <a:rPr lang="en-US" dirty="0"/>
-              <a:t>          else:</a:t>
-            </a:r>
-          </a:p>
-          <a:p>
-            <a:pPr marL="0" indent="0">
-              <a:buNone/>
-            </a:pPr>
-            <a:r>
-              <a:rPr lang="en-US" dirty="0"/>
-              <a:t>               print(‘Coffee Ok to Drink’)</a:t>
-            </a:r>
-          </a:p>
-          <a:p>
-            <a:pPr marL="0" indent="0">
-              <a:buNone/>
-            </a:pPr>
-            <a:r>
-              <a:rPr lang="en-US" dirty="0"/>
-              <a:t>Cup=</a:t>
-            </a:r>
-            <a:r>
-              <a:rPr lang="en-US" dirty="0" err="1"/>
-              <a:t>CoffeeCup</a:t>
-            </a:r>
-            <a:r>
-              <a:rPr lang="en-US" dirty="0"/>
-              <a:t>(75)</a:t>
-            </a:r>
-          </a:p>
-          <a:p>
-            <a:pPr marL="0" indent="0">
-              <a:buNone/>
-            </a:pPr>
-            <a:r>
-              <a:rPr lang="en-US" dirty="0" err="1"/>
-              <a:t>Cup.drink_coffee</a:t>
-            </a:r>
-            <a:r>
-              <a:rPr lang="en-US" dirty="0"/>
+              <a:t>e.print_exception</a:t>
+            </a:r>
+            <a:r>
+              <a:rPr lang="en-IN" dirty="0"/>
               <a:t>()</a:t>
-            </a:r>
-            <a:endParaRPr lang="en-IN" dirty="0"/>
-          </a:p>
-          <a:p>
-            <a:pPr marL="0" indent="0">
-              <a:buNone/>
-            </a:pPr>
-            <a:endParaRPr lang="en-IN" dirty="0"/>
-          </a:p>
-          <a:p>
-            <a:pPr marL="0" indent="0">
-              <a:buNone/>
-            </a:pPr>
-            <a:r>
-              <a:rPr lang="en-IN" dirty="0"/>
-              <a:t>                </a:t>
             </a:r>
           </a:p>
         </p:txBody>
       </p:sp>
+      <p:cxnSp>
+        <p:nvCxnSpPr>
+          <p:cNvPr id="8" name="Straight Connector 7">
+            <a:extLst>
+              <a:ext uri="{FF2B5EF4-FFF2-40B4-BE49-F238E27FC236}">
+                <a16:creationId xmlns:a16="http://schemas.microsoft.com/office/drawing/2014/main" id="{B3211AAD-F833-4153-A6B2-72A43D209D9C}"/>
+              </a:ext>
+            </a:extLst>
+          </p:cNvPr>
+          <p:cNvCxnSpPr/>
+          <p:nvPr/>
+        </p:nvCxnSpPr>
+        <p:spPr>
+          <a:xfrm>
+            <a:off x="7155402" y="1416897"/>
+            <a:ext cx="0" cy="5441103"/>
+          </a:xfrm>
+          <a:prstGeom prst="line">
+            <a:avLst/>
+          </a:prstGeom>
+        </p:spPr>
+        <p:style>
+          <a:lnRef idx="1">
+            <a:schemeClr val="dk1"/>
+          </a:lnRef>
+          <a:fillRef idx="0">
+            <a:schemeClr val="dk1"/>
+          </a:fillRef>
+          <a:effectRef idx="0">
+            <a:schemeClr val="dk1"/>
+          </a:effectRef>
+          <a:fontRef idx="minor">
+            <a:schemeClr val="tx1"/>
+          </a:fontRef>
+        </p:style>
+      </p:cxnSp>
     </p:spTree>
     <p:extLst>
       <p:ext uri="{BB962C8B-B14F-4D97-AF65-F5344CB8AC3E}">
@@ -3854,7 +4689,1707 @@
 </p:sld>
 </file>
 
-<file path=ppt/slides/slide11.xml><?xml version="1.0" encoding="utf-8"?>
+<file path=ppt/slides/slide12.xml><?xml version="1.0" encoding="utf-8"?>
+<p:sld xmlns:a="http://schemas.openxmlformats.org/drawingml/2006/main" xmlns:r="http://schemas.openxmlformats.org/officeDocument/2006/relationships" xmlns:p="http://schemas.openxmlformats.org/presentationml/2006/main">
+  <p:cSld>
+    <p:spTree>
+      <p:nvGrpSpPr>
+        <p:cNvPr id="1" name=""/>
+        <p:cNvGrpSpPr/>
+        <p:nvPr/>
+      </p:nvGrpSpPr>
+      <p:grpSpPr>
+        <a:xfrm>
+          <a:off x="0" y="0"/>
+          <a:ext cx="0" cy="0"/>
+          <a:chOff x="0" y="0"/>
+          <a:chExt cx="0" cy="0"/>
+        </a:xfrm>
+      </p:grpSpPr>
+      <p:sp>
+        <p:nvSpPr>
+          <p:cNvPr id="2" name="Title 1">
+            <a:extLst>
+              <a:ext uri="{FF2B5EF4-FFF2-40B4-BE49-F238E27FC236}">
+                <a16:creationId xmlns:a16="http://schemas.microsoft.com/office/drawing/2014/main" id="{30274217-5D08-4569-A808-EC72A4C1ED92}"/>
+              </a:ext>
+            </a:extLst>
+          </p:cNvPr>
+          <p:cNvSpPr>
+            <a:spLocks noGrp="1"/>
+          </p:cNvSpPr>
+          <p:nvPr>
+            <p:ph type="title"/>
+          </p:nvPr>
+        </p:nvSpPr>
+        <p:spPr>
+          <a:xfrm>
+            <a:off x="838200" y="365126"/>
+            <a:ext cx="2792767" cy="522642"/>
+          </a:xfrm>
+        </p:spPr>
+        <p:txBody>
+          <a:bodyPr>
+            <a:normAutofit fontScale="90000"/>
+          </a:bodyPr>
+          <a:lstStyle/>
+          <a:p>
+            <a:r>
+              <a:rPr lang="en-US" dirty="0"/>
+              <a:t>Example</a:t>
+            </a:r>
+            <a:endParaRPr lang="en-IN" dirty="0"/>
+          </a:p>
+        </p:txBody>
+      </p:sp>
+      <p:sp>
+        <p:nvSpPr>
+          <p:cNvPr id="3" name="Content Placeholder 2">
+            <a:extLst>
+              <a:ext uri="{FF2B5EF4-FFF2-40B4-BE49-F238E27FC236}">
+                <a16:creationId xmlns:a16="http://schemas.microsoft.com/office/drawing/2014/main" id="{F814A152-2ACC-4CE2-BDB5-1C1F9D51F730}"/>
+              </a:ext>
+            </a:extLst>
+          </p:cNvPr>
+          <p:cNvSpPr>
+            <a:spLocks noGrp="1"/>
+          </p:cNvSpPr>
+          <p:nvPr>
+            <p:ph idx="1"/>
+          </p:nvPr>
+        </p:nvSpPr>
+        <p:spPr>
+          <a:xfrm>
+            <a:off x="480134" y="1084654"/>
+            <a:ext cx="5615866" cy="5239543"/>
+          </a:xfrm>
+        </p:spPr>
+        <p:txBody>
+          <a:bodyPr>
+            <a:normAutofit/>
+          </a:bodyPr>
+          <a:lstStyle/>
+          <a:p>
+            <a:r>
+              <a:rPr lang="en-US" dirty="0"/>
+              <a:t>To handle the exception that occurred:</a:t>
+            </a:r>
+          </a:p>
+          <a:p>
+            <a:pPr marL="457200" lvl="1" indent="0">
+              <a:buNone/>
+            </a:pPr>
+            <a:r>
+              <a:rPr lang="en-US" sz="1900" dirty="0"/>
+              <a:t>#Creating Custom Exception</a:t>
+            </a:r>
+          </a:p>
+          <a:p>
+            <a:pPr marL="457200" lvl="1" indent="0">
+              <a:buNone/>
+            </a:pPr>
+            <a:r>
+              <a:rPr lang="en-US" sz="1900" dirty="0"/>
+              <a:t>class Accident(Exception):</a:t>
+            </a:r>
+          </a:p>
+          <a:p>
+            <a:pPr marL="457200" lvl="1" indent="0">
+              <a:buNone/>
+            </a:pPr>
+            <a:r>
+              <a:rPr lang="en-US" sz="1900" dirty="0"/>
+              <a:t>    def __</a:t>
+            </a:r>
+            <a:r>
+              <a:rPr lang="en-US" sz="1900" dirty="0" err="1"/>
+              <a:t>init</a:t>
+            </a:r>
+            <a:r>
+              <a:rPr lang="en-US" sz="1900" dirty="0"/>
+              <a:t>__(</a:t>
+            </a:r>
+            <a:r>
+              <a:rPr lang="en-US" sz="1900" dirty="0" err="1"/>
+              <a:t>self,msg</a:t>
+            </a:r>
+            <a:r>
+              <a:rPr lang="en-US" sz="1900" dirty="0"/>
+              <a:t>):</a:t>
+            </a:r>
+          </a:p>
+          <a:p>
+            <a:pPr marL="457200" lvl="1" indent="0">
+              <a:buNone/>
+            </a:pPr>
+            <a:r>
+              <a:rPr lang="en-US" sz="1900" dirty="0"/>
+              <a:t>        self.msg=msg</a:t>
+            </a:r>
+          </a:p>
+          <a:p>
+            <a:pPr marL="457200" lvl="1" indent="0">
+              <a:buNone/>
+            </a:pPr>
+            <a:r>
+              <a:rPr lang="en-US" sz="1900" dirty="0"/>
+              <a:t>    def handle(self):</a:t>
+            </a:r>
+          </a:p>
+          <a:p>
+            <a:pPr marL="457200" lvl="1" indent="0">
+              <a:buNone/>
+            </a:pPr>
+            <a:r>
+              <a:rPr lang="en-US" sz="1900" dirty="0"/>
+              <a:t>        print("Accident </a:t>
+            </a:r>
+            <a:r>
+              <a:rPr lang="en-US" sz="1900" dirty="0" err="1"/>
+              <a:t>occured</a:t>
+            </a:r>
+            <a:r>
+              <a:rPr lang="en-US" sz="1900" dirty="0"/>
+              <a:t>. Take detour")</a:t>
+            </a:r>
+          </a:p>
+          <a:p>
+            <a:pPr marL="457200" lvl="1" indent="0">
+              <a:buNone/>
+            </a:pPr>
+            <a:endParaRPr lang="en-US" sz="1900" dirty="0"/>
+          </a:p>
+          <a:p>
+            <a:pPr marL="457200" lvl="1" indent="0">
+              <a:buNone/>
+            </a:pPr>
+            <a:r>
+              <a:rPr lang="en-US" sz="1900" dirty="0"/>
+              <a:t>try:</a:t>
+            </a:r>
+          </a:p>
+          <a:p>
+            <a:pPr marL="457200" lvl="1" indent="0">
+              <a:buNone/>
+            </a:pPr>
+            <a:r>
+              <a:rPr lang="en-US" sz="1900" dirty="0"/>
+              <a:t>    raise Accident('crash between two cars')</a:t>
+            </a:r>
+          </a:p>
+          <a:p>
+            <a:pPr marL="457200" lvl="1" indent="0">
+              <a:buNone/>
+            </a:pPr>
+            <a:r>
+              <a:rPr lang="en-US" sz="1900" dirty="0"/>
+              <a:t>except Accident as e:</a:t>
+            </a:r>
+          </a:p>
+          <a:p>
+            <a:pPr marL="457200" lvl="1" indent="0">
+              <a:buNone/>
+            </a:pPr>
+            <a:r>
+              <a:rPr lang="en-US" sz="1900" dirty="0"/>
+              <a:t>    </a:t>
+            </a:r>
+            <a:r>
+              <a:rPr lang="en-US" sz="1900" dirty="0" err="1"/>
+              <a:t>e.handle</a:t>
+            </a:r>
+            <a:r>
+              <a:rPr lang="en-US" sz="1900" dirty="0"/>
+              <a:t>()</a:t>
+            </a:r>
+            <a:endParaRPr lang="en-IN" sz="1900" dirty="0"/>
+          </a:p>
+        </p:txBody>
+      </p:sp>
+      <p:sp>
+        <p:nvSpPr>
+          <p:cNvPr id="4" name="Rectangle 1">
+            <a:extLst>
+              <a:ext uri="{FF2B5EF4-FFF2-40B4-BE49-F238E27FC236}">
+                <a16:creationId xmlns:a16="http://schemas.microsoft.com/office/drawing/2014/main" id="{0CFEC040-215D-4253-B13D-DC2DE6B61BCF}"/>
+              </a:ext>
+            </a:extLst>
+          </p:cNvPr>
+          <p:cNvSpPr>
+            <a:spLocks noChangeArrowheads="1"/>
+          </p:cNvSpPr>
+          <p:nvPr/>
+        </p:nvSpPr>
+        <p:spPr bwMode="auto">
+          <a:xfrm>
+            <a:off x="7111013" y="808162"/>
+            <a:ext cx="3346882" cy="5047536"/>
+          </a:xfrm>
+          <a:prstGeom prst="rect">
+            <a:avLst/>
+          </a:prstGeom>
+          <a:solidFill>
+            <a:srgbClr val="FFFFFF"/>
+          </a:solidFill>
+          <a:ln>
+            <a:noFill/>
+          </a:ln>
+          <a:effectLst/>
+          <a:extLst>
+            <a:ext uri="{91240B29-F687-4F45-9708-019B960494DF}">
+              <a14:hiddenLine xmlns:a14="http://schemas.microsoft.com/office/drawing/2010/main" w="9525">
+                <a:solidFill>
+                  <a:schemeClr val="tx1"/>
+                </a:solidFill>
+                <a:miter lim="800000"/>
+                <a:headEnd/>
+                <a:tailEnd/>
+              </a14:hiddenLine>
+            </a:ext>
+            <a:ext uri="{AF507438-7753-43E0-B8FC-AC1667EBCBE1}">
+              <a14:hiddenEffects xmlns:a14="http://schemas.microsoft.com/office/drawing/2010/main">
+                <a:effectLst>
+                  <a:outerShdw dist="35921" dir="2700000" algn="ctr" rotWithShape="0">
+                    <a:schemeClr val="bg2"/>
+                  </a:outerShdw>
+                </a:effectLst>
+              </a14:hiddenEffects>
+            </a:ext>
+          </a:extLst>
+        </p:spPr>
+        <p:txBody>
+          <a:bodyPr vert="horz" wrap="square" lIns="91440" tIns="45720" rIns="91440" bIns="45720" numCol="1" anchor="ctr" anchorCtr="0" compatLnSpc="1">
+            <a:prstTxWarp prst="textNoShape">
+              <a:avLst/>
+            </a:prstTxWarp>
+            <a:spAutoFit/>
+          </a:bodyPr>
+          <a:lstStyle/>
+          <a:p>
+            <a:pPr marL="0" marR="0" lvl="0" indent="0" algn="l" defTabSz="914400" rtl="0" eaLnBrk="0" fontAlgn="base" latinLnBrk="0" hangingPunct="0">
+              <a:lnSpc>
+                <a:spcPct val="100000"/>
+              </a:lnSpc>
+              <a:spcBef>
+                <a:spcPct val="0"/>
+              </a:spcBef>
+              <a:spcAft>
+                <a:spcPct val="0"/>
+              </a:spcAft>
+              <a:buClrTx/>
+              <a:buSzTx/>
+              <a:buFontTx/>
+              <a:buNone/>
+              <a:tabLst/>
+            </a:pPr>
+            <a:r>
+              <a:rPr kumimoji="0" lang="en-US" altLang="en-US" sz="1400" b="0" i="1" u="none" strike="noStrike" cap="none" normalizeH="0" baseline="0" dirty="0">
+                <a:ln>
+                  <a:noFill/>
+                </a:ln>
+                <a:solidFill>
+                  <a:srgbClr val="8C8C8C"/>
+                </a:solidFill>
+                <a:effectLst/>
+                <a:latin typeface="JetBrains Mono"/>
+              </a:rPr>
+              <a:t>#raise-Example</a:t>
+            </a:r>
+            <a:br>
+              <a:rPr kumimoji="0" lang="en-US" altLang="en-US" sz="1400" b="0" i="1" u="none" strike="noStrike" cap="none" normalizeH="0" baseline="0" dirty="0">
+                <a:ln>
+                  <a:noFill/>
+                </a:ln>
+                <a:solidFill>
+                  <a:srgbClr val="8C8C8C"/>
+                </a:solidFill>
+                <a:effectLst/>
+                <a:latin typeface="JetBrains Mono"/>
+              </a:rPr>
+            </a:br>
+            <a:r>
+              <a:rPr kumimoji="0" lang="en-US" altLang="en-US" sz="1400" b="0" i="0" u="none" strike="noStrike" cap="none" normalizeH="0" baseline="0" dirty="0">
+                <a:ln>
+                  <a:noFill/>
+                </a:ln>
+                <a:solidFill>
+                  <a:srgbClr val="080808"/>
+                </a:solidFill>
+                <a:effectLst/>
+                <a:latin typeface="JetBrains Mono"/>
+              </a:rPr>
+              <a:t>a=</a:t>
+            </a:r>
+            <a:r>
+              <a:rPr kumimoji="0" lang="en-US" altLang="en-US" sz="1400" b="0" i="0" u="none" strike="noStrike" cap="none" normalizeH="0" baseline="0" dirty="0">
+                <a:ln>
+                  <a:noFill/>
+                </a:ln>
+                <a:solidFill>
+                  <a:srgbClr val="000080"/>
+                </a:solidFill>
+                <a:effectLst/>
+                <a:latin typeface="JetBrains Mono"/>
+              </a:rPr>
+              <a:t>input</a:t>
+            </a:r>
+            <a:r>
+              <a:rPr kumimoji="0" lang="en-US" altLang="en-US" sz="1400" b="0" i="0" u="none" strike="noStrike" cap="none" normalizeH="0" baseline="0" dirty="0">
+                <a:ln>
+                  <a:noFill/>
+                </a:ln>
+                <a:solidFill>
+                  <a:srgbClr val="080808"/>
+                </a:solidFill>
+                <a:effectLst/>
+                <a:latin typeface="JetBrains Mono"/>
+              </a:rPr>
+              <a:t>(</a:t>
+            </a:r>
+            <a:r>
+              <a:rPr kumimoji="0" lang="en-US" altLang="en-US" sz="1400" b="1" i="0" u="none" strike="noStrike" cap="none" normalizeH="0" baseline="0" dirty="0">
+                <a:ln>
+                  <a:noFill/>
+                </a:ln>
+                <a:solidFill>
+                  <a:srgbClr val="008080"/>
+                </a:solidFill>
+                <a:effectLst/>
+                <a:latin typeface="JetBrains Mono"/>
+              </a:rPr>
+              <a:t>"What is your name?"</a:t>
+            </a:r>
+            <a:r>
+              <a:rPr kumimoji="0" lang="en-US" altLang="en-US" sz="1400" b="0" i="0" u="none" strike="noStrike" cap="none" normalizeH="0" baseline="0" dirty="0">
+                <a:ln>
+                  <a:noFill/>
+                </a:ln>
+                <a:solidFill>
+                  <a:srgbClr val="080808"/>
+                </a:solidFill>
+                <a:effectLst/>
+                <a:latin typeface="JetBrains Mono"/>
+              </a:rPr>
+              <a:t>)</a:t>
+            </a:r>
+            <a:br>
+              <a:rPr kumimoji="0" lang="en-US" altLang="en-US" sz="1400" b="0" i="0" u="none" strike="noStrike" cap="none" normalizeH="0" baseline="0" dirty="0">
+                <a:ln>
+                  <a:noFill/>
+                </a:ln>
+                <a:solidFill>
+                  <a:srgbClr val="080808"/>
+                </a:solidFill>
+                <a:effectLst/>
+                <a:latin typeface="JetBrains Mono"/>
+              </a:rPr>
+            </a:br>
+            <a:r>
+              <a:rPr kumimoji="0" lang="en-US" altLang="en-US" sz="1400" b="0" i="0" u="none" strike="noStrike" cap="none" normalizeH="0" baseline="0" dirty="0">
+                <a:ln>
+                  <a:noFill/>
+                </a:ln>
+                <a:solidFill>
+                  <a:srgbClr val="0033B3"/>
+                </a:solidFill>
+                <a:effectLst/>
+                <a:latin typeface="JetBrains Mono"/>
+              </a:rPr>
+              <a:t>if </a:t>
+            </a:r>
+            <a:r>
+              <a:rPr kumimoji="0" lang="en-US" altLang="en-US" sz="1400" b="0" i="0" u="none" strike="noStrike" cap="none" normalizeH="0" baseline="0" dirty="0" err="1">
+                <a:ln>
+                  <a:noFill/>
+                </a:ln>
+                <a:solidFill>
+                  <a:srgbClr val="080808"/>
+                </a:solidFill>
+                <a:effectLst/>
+                <a:latin typeface="JetBrains Mono"/>
+              </a:rPr>
+              <a:t>a.isnumeric</a:t>
+            </a:r>
+            <a:r>
+              <a:rPr kumimoji="0" lang="en-US" altLang="en-US" sz="1400" b="0" i="0" u="none" strike="noStrike" cap="none" normalizeH="0" baseline="0" dirty="0">
+                <a:ln>
+                  <a:noFill/>
+                </a:ln>
+                <a:solidFill>
+                  <a:srgbClr val="080808"/>
+                </a:solidFill>
+                <a:effectLst/>
+                <a:latin typeface="JetBrains Mono"/>
+              </a:rPr>
+              <a:t>():</a:t>
+            </a:r>
+            <a:br>
+              <a:rPr kumimoji="0" lang="en-US" altLang="en-US" sz="1400" b="0" i="0" u="none" strike="noStrike" cap="none" normalizeH="0" baseline="0" dirty="0">
+                <a:ln>
+                  <a:noFill/>
+                </a:ln>
+                <a:solidFill>
+                  <a:srgbClr val="080808"/>
+                </a:solidFill>
+                <a:effectLst/>
+                <a:latin typeface="JetBrains Mono"/>
+              </a:rPr>
+            </a:br>
+            <a:r>
+              <a:rPr kumimoji="0" lang="en-US" altLang="en-US" sz="1400" b="0" i="0" u="none" strike="noStrike" cap="none" normalizeH="0" baseline="0" dirty="0">
+                <a:ln>
+                  <a:noFill/>
+                </a:ln>
+                <a:solidFill>
+                  <a:srgbClr val="080808"/>
+                </a:solidFill>
+                <a:effectLst/>
+                <a:latin typeface="JetBrains Mono"/>
+              </a:rPr>
+              <a:t>    </a:t>
+            </a:r>
+            <a:r>
+              <a:rPr kumimoji="0" lang="en-US" altLang="en-US" sz="1400" b="0" i="1" u="none" strike="noStrike" cap="none" normalizeH="0" baseline="0" dirty="0">
+                <a:ln>
+                  <a:noFill/>
+                </a:ln>
+                <a:solidFill>
+                  <a:srgbClr val="8C8C8C"/>
+                </a:solidFill>
+                <a:effectLst/>
+                <a:latin typeface="JetBrains Mono"/>
+              </a:rPr>
+              <a:t># raise allows you to stop before displaying error if </a:t>
+            </a:r>
+            <a:r>
+              <a:rPr kumimoji="0" lang="en-US" altLang="en-US" sz="1400" b="0" i="1" u="none" strike="noStrike" cap="none" normalizeH="0" baseline="0" dirty="0" err="1">
+                <a:ln>
+                  <a:noFill/>
+                </a:ln>
+                <a:solidFill>
+                  <a:srgbClr val="8C8C8C"/>
+                </a:solidFill>
+                <a:effectLst/>
+                <a:latin typeface="JetBrains Mono"/>
+              </a:rPr>
+              <a:t>occured</a:t>
+            </a:r>
+            <a:br>
+              <a:rPr kumimoji="0" lang="en-US" altLang="en-US" sz="1400" b="0" i="1" u="none" strike="noStrike" cap="none" normalizeH="0" baseline="0" dirty="0">
+                <a:ln>
+                  <a:noFill/>
+                </a:ln>
+                <a:solidFill>
+                  <a:srgbClr val="8C8C8C"/>
+                </a:solidFill>
+                <a:effectLst/>
+                <a:latin typeface="JetBrains Mono"/>
+              </a:rPr>
+            </a:br>
+            <a:r>
+              <a:rPr kumimoji="0" lang="en-US" altLang="en-US" sz="1400" b="0" i="1" u="none" strike="noStrike" cap="none" normalizeH="0" baseline="0" dirty="0">
+                <a:ln>
+                  <a:noFill/>
+                </a:ln>
+                <a:solidFill>
+                  <a:srgbClr val="8C8C8C"/>
+                </a:solidFill>
+                <a:effectLst/>
+                <a:latin typeface="JetBrains Mono"/>
+              </a:rPr>
+              <a:t>    </a:t>
+            </a:r>
+            <a:r>
+              <a:rPr kumimoji="0" lang="en-US" altLang="en-US" sz="1400" b="0" i="0" u="none" strike="noStrike" cap="none" normalizeH="0" baseline="0" dirty="0">
+                <a:ln>
+                  <a:noFill/>
+                </a:ln>
+                <a:solidFill>
+                  <a:srgbClr val="0033B3"/>
+                </a:solidFill>
+                <a:effectLst/>
+                <a:latin typeface="JetBrains Mono"/>
+              </a:rPr>
+              <a:t>raise </a:t>
+            </a:r>
+            <a:r>
+              <a:rPr kumimoji="0" lang="en-US" altLang="en-US" sz="1400" b="0" i="0" u="none" strike="noStrike" cap="none" normalizeH="0" baseline="0" dirty="0">
+                <a:ln>
+                  <a:noFill/>
+                </a:ln>
+                <a:solidFill>
+                  <a:srgbClr val="000080"/>
+                </a:solidFill>
+                <a:effectLst/>
+                <a:latin typeface="JetBrains Mono"/>
+              </a:rPr>
+              <a:t>Exception</a:t>
+            </a:r>
+            <a:r>
+              <a:rPr kumimoji="0" lang="en-US" altLang="en-US" sz="1400" b="0" i="0" u="none" strike="noStrike" cap="none" normalizeH="0" baseline="0" dirty="0">
+                <a:ln>
+                  <a:noFill/>
+                </a:ln>
+                <a:solidFill>
+                  <a:srgbClr val="080808"/>
+                </a:solidFill>
+                <a:effectLst/>
+                <a:latin typeface="JetBrains Mono"/>
+              </a:rPr>
+              <a:t>(</a:t>
+            </a:r>
+            <a:r>
+              <a:rPr kumimoji="0" lang="en-US" altLang="en-US" sz="1400" b="1" i="0" u="none" strike="noStrike" cap="none" normalizeH="0" baseline="0" dirty="0">
+                <a:ln>
+                  <a:noFill/>
+                </a:ln>
+                <a:solidFill>
+                  <a:srgbClr val="008080"/>
+                </a:solidFill>
+                <a:effectLst/>
+                <a:latin typeface="JetBrains Mono"/>
+              </a:rPr>
+              <a:t>"Numbers are not allowed"</a:t>
+            </a:r>
+            <a:r>
+              <a:rPr kumimoji="0" lang="en-US" altLang="en-US" sz="1400" b="0" i="0" u="none" strike="noStrike" cap="none" normalizeH="0" baseline="0" dirty="0">
+                <a:ln>
+                  <a:noFill/>
+                </a:ln>
+                <a:solidFill>
+                  <a:srgbClr val="080808"/>
+                </a:solidFill>
+                <a:effectLst/>
+                <a:latin typeface="JetBrains Mono"/>
+              </a:rPr>
+              <a:t>)</a:t>
+            </a:r>
+            <a:br>
+              <a:rPr kumimoji="0" lang="en-US" altLang="en-US" sz="1400" b="0" i="0" u="none" strike="noStrike" cap="none" normalizeH="0" baseline="0" dirty="0">
+                <a:ln>
+                  <a:noFill/>
+                </a:ln>
+                <a:solidFill>
+                  <a:srgbClr val="080808"/>
+                </a:solidFill>
+                <a:effectLst/>
+                <a:latin typeface="JetBrains Mono"/>
+              </a:rPr>
+            </a:br>
+            <a:r>
+              <a:rPr kumimoji="0" lang="en-US" altLang="en-US" sz="1400" b="0" i="0" u="none" strike="noStrike" cap="none" normalizeH="0" baseline="0" dirty="0">
+                <a:ln>
+                  <a:noFill/>
+                </a:ln>
+                <a:solidFill>
+                  <a:srgbClr val="000080"/>
+                </a:solidFill>
+                <a:effectLst/>
+                <a:latin typeface="JetBrains Mono"/>
+              </a:rPr>
+              <a:t>print</a:t>
+            </a:r>
+            <a:r>
+              <a:rPr kumimoji="0" lang="en-US" altLang="en-US" sz="1400" b="0" i="0" u="none" strike="noStrike" cap="none" normalizeH="0" baseline="0" dirty="0">
+                <a:ln>
+                  <a:noFill/>
+                </a:ln>
+                <a:solidFill>
+                  <a:srgbClr val="080808"/>
+                </a:solidFill>
+                <a:effectLst/>
+                <a:latin typeface="JetBrains Mono"/>
+              </a:rPr>
+              <a:t>(</a:t>
+            </a:r>
+            <a:r>
+              <a:rPr kumimoji="0" lang="en-US" altLang="en-US" sz="1400" b="1" i="0" u="none" strike="noStrike" cap="none" normalizeH="0" baseline="0" dirty="0" err="1">
+                <a:ln>
+                  <a:noFill/>
+                </a:ln>
+                <a:solidFill>
+                  <a:srgbClr val="008080"/>
+                </a:solidFill>
+                <a:effectLst/>
+                <a:latin typeface="JetBrains Mono"/>
+              </a:rPr>
+              <a:t>f"hello</a:t>
+            </a:r>
+            <a:r>
+              <a:rPr kumimoji="0" lang="en-US" altLang="en-US" sz="1400" b="1" i="0" u="none" strike="noStrike" cap="none" normalizeH="0" baseline="0" dirty="0">
+                <a:ln>
+                  <a:noFill/>
+                </a:ln>
+                <a:solidFill>
+                  <a:srgbClr val="008080"/>
+                </a:solidFill>
+                <a:effectLst/>
+                <a:latin typeface="JetBrains Mono"/>
+              </a:rPr>
+              <a:t>, </a:t>
+            </a:r>
+            <a:r>
+              <a:rPr kumimoji="0" lang="en-US" altLang="en-US" sz="1400" b="0" i="0" u="none" strike="noStrike" cap="none" normalizeH="0" baseline="0" dirty="0">
+                <a:ln>
+                  <a:noFill/>
+                </a:ln>
+                <a:solidFill>
+                  <a:srgbClr val="0037A6"/>
+                </a:solidFill>
+                <a:effectLst/>
+                <a:latin typeface="JetBrains Mono"/>
+              </a:rPr>
+              <a:t>{</a:t>
+            </a:r>
+            <a:r>
+              <a:rPr kumimoji="0" lang="en-US" altLang="en-US" sz="1400" b="0" i="0" u="none" strike="noStrike" cap="none" normalizeH="0" baseline="0" dirty="0">
+                <a:ln>
+                  <a:noFill/>
+                </a:ln>
+                <a:solidFill>
+                  <a:srgbClr val="080808"/>
+                </a:solidFill>
+                <a:effectLst/>
+                <a:latin typeface="JetBrains Mono"/>
+              </a:rPr>
+              <a:t>a</a:t>
+            </a:r>
+            <a:r>
+              <a:rPr kumimoji="0" lang="en-US" altLang="en-US" sz="1400" b="0" i="0" u="none" strike="noStrike" cap="none" normalizeH="0" baseline="0" dirty="0">
+                <a:ln>
+                  <a:noFill/>
+                </a:ln>
+                <a:solidFill>
+                  <a:srgbClr val="0037A6"/>
+                </a:solidFill>
+                <a:effectLst/>
+                <a:latin typeface="JetBrains Mono"/>
+              </a:rPr>
+              <a:t>}</a:t>
+            </a:r>
+            <a:r>
+              <a:rPr kumimoji="0" lang="en-US" altLang="en-US" sz="1400" b="1" i="0" u="none" strike="noStrike" cap="none" normalizeH="0" baseline="0" dirty="0">
+                <a:ln>
+                  <a:noFill/>
+                </a:ln>
+                <a:solidFill>
+                  <a:srgbClr val="008080"/>
+                </a:solidFill>
+                <a:effectLst/>
+                <a:latin typeface="JetBrains Mono"/>
+              </a:rPr>
+              <a:t>"</a:t>
+            </a:r>
+            <a:r>
+              <a:rPr kumimoji="0" lang="en-US" altLang="en-US" sz="1400" b="0" i="0" u="none" strike="noStrike" cap="none" normalizeH="0" baseline="0" dirty="0">
+                <a:ln>
+                  <a:noFill/>
+                </a:ln>
+                <a:solidFill>
+                  <a:srgbClr val="080808"/>
+                </a:solidFill>
+                <a:effectLst/>
+                <a:latin typeface="JetBrains Mono"/>
+              </a:rPr>
+              <a:t>)</a:t>
+            </a:r>
+            <a:br>
+              <a:rPr kumimoji="0" lang="en-US" altLang="en-US" sz="1400" b="0" i="0" u="none" strike="noStrike" cap="none" normalizeH="0" baseline="0" dirty="0">
+                <a:ln>
+                  <a:noFill/>
+                </a:ln>
+                <a:solidFill>
+                  <a:srgbClr val="080808"/>
+                </a:solidFill>
+                <a:effectLst/>
+                <a:latin typeface="JetBrains Mono"/>
+              </a:rPr>
+            </a:br>
+            <a:br>
+              <a:rPr kumimoji="0" lang="en-US" altLang="en-US" sz="1400" b="0" i="0" u="none" strike="noStrike" cap="none" normalizeH="0" baseline="0" dirty="0">
+                <a:ln>
+                  <a:noFill/>
+                </a:ln>
+                <a:solidFill>
+                  <a:srgbClr val="080808"/>
+                </a:solidFill>
+                <a:effectLst/>
+                <a:latin typeface="JetBrains Mono"/>
+              </a:rPr>
+            </a:br>
+            <a:r>
+              <a:rPr kumimoji="0" lang="en-US" altLang="en-US" sz="1400" b="0" i="1" u="none" strike="noStrike" cap="none" normalizeH="0" baseline="0" dirty="0">
+                <a:ln>
+                  <a:noFill/>
+                </a:ln>
+                <a:solidFill>
+                  <a:srgbClr val="8C8C8C"/>
+                </a:solidFill>
+                <a:effectLst/>
+                <a:latin typeface="JetBrains Mono"/>
+              </a:rPr>
+              <a:t>#Example</a:t>
+            </a:r>
+            <a:br>
+              <a:rPr kumimoji="0" lang="en-US" altLang="en-US" sz="1400" b="0" i="1" u="none" strike="noStrike" cap="none" normalizeH="0" baseline="0" dirty="0">
+                <a:ln>
+                  <a:noFill/>
+                </a:ln>
+                <a:solidFill>
+                  <a:srgbClr val="8C8C8C"/>
+                </a:solidFill>
+                <a:effectLst/>
+                <a:latin typeface="JetBrains Mono"/>
+              </a:rPr>
+            </a:br>
+            <a:r>
+              <a:rPr kumimoji="0" lang="en-US" altLang="en-US" sz="1400" b="0" i="0" u="none" strike="noStrike" cap="none" normalizeH="0" baseline="0" dirty="0">
+                <a:ln>
+                  <a:noFill/>
+                </a:ln>
+                <a:solidFill>
+                  <a:srgbClr val="080808"/>
+                </a:solidFill>
+                <a:effectLst/>
+                <a:latin typeface="JetBrains Mono"/>
+              </a:rPr>
+              <a:t>b=</a:t>
+            </a:r>
+            <a:r>
+              <a:rPr kumimoji="0" lang="en-US" altLang="en-US" sz="1400" b="0" i="0" u="none" strike="noStrike" cap="none" normalizeH="0" baseline="0" dirty="0">
+                <a:ln>
+                  <a:noFill/>
+                </a:ln>
+                <a:solidFill>
+                  <a:srgbClr val="000080"/>
+                </a:solidFill>
+                <a:effectLst/>
+                <a:latin typeface="JetBrains Mono"/>
+              </a:rPr>
+              <a:t>int</a:t>
+            </a:r>
+            <a:r>
+              <a:rPr kumimoji="0" lang="en-US" altLang="en-US" sz="1400" b="0" i="0" u="none" strike="noStrike" cap="none" normalizeH="0" baseline="0" dirty="0">
+                <a:ln>
+                  <a:noFill/>
+                </a:ln>
+                <a:solidFill>
+                  <a:srgbClr val="080808"/>
+                </a:solidFill>
+                <a:effectLst/>
+                <a:latin typeface="JetBrains Mono"/>
+              </a:rPr>
+              <a:t>(</a:t>
+            </a:r>
+            <a:r>
+              <a:rPr kumimoji="0" lang="en-US" altLang="en-US" sz="1400" b="0" i="0" u="none" strike="noStrike" cap="none" normalizeH="0" baseline="0" dirty="0">
+                <a:ln>
+                  <a:noFill/>
+                </a:ln>
+                <a:solidFill>
+                  <a:srgbClr val="000080"/>
+                </a:solidFill>
+                <a:effectLst/>
+                <a:latin typeface="JetBrains Mono"/>
+              </a:rPr>
+              <a:t>input</a:t>
+            </a:r>
+            <a:r>
+              <a:rPr kumimoji="0" lang="en-US" altLang="en-US" sz="1400" b="0" i="0" u="none" strike="noStrike" cap="none" normalizeH="0" baseline="0" dirty="0">
+                <a:ln>
+                  <a:noFill/>
+                </a:ln>
+                <a:solidFill>
+                  <a:srgbClr val="080808"/>
+                </a:solidFill>
+                <a:effectLst/>
+                <a:latin typeface="JetBrains Mono"/>
+              </a:rPr>
+              <a:t>(</a:t>
+            </a:r>
+            <a:r>
+              <a:rPr kumimoji="0" lang="en-US" altLang="en-US" sz="1400" b="1" i="0" u="none" strike="noStrike" cap="none" normalizeH="0" baseline="0" dirty="0">
+                <a:ln>
+                  <a:noFill/>
+                </a:ln>
+                <a:solidFill>
+                  <a:srgbClr val="008080"/>
+                </a:solidFill>
+                <a:effectLst/>
+                <a:latin typeface="JetBrains Mono"/>
+              </a:rPr>
+              <a:t>"How much do you earn?"</a:t>
+            </a:r>
+            <a:r>
+              <a:rPr kumimoji="0" lang="en-US" altLang="en-US" sz="1400" b="0" i="0" u="none" strike="noStrike" cap="none" normalizeH="0" baseline="0" dirty="0">
+                <a:ln>
+                  <a:noFill/>
+                </a:ln>
+                <a:solidFill>
+                  <a:srgbClr val="080808"/>
+                </a:solidFill>
+                <a:effectLst/>
+                <a:latin typeface="JetBrains Mono"/>
+              </a:rPr>
+              <a:t>))</a:t>
+            </a:r>
+            <a:br>
+              <a:rPr kumimoji="0" lang="en-US" altLang="en-US" sz="1400" b="0" i="0" u="none" strike="noStrike" cap="none" normalizeH="0" baseline="0" dirty="0">
+                <a:ln>
+                  <a:noFill/>
+                </a:ln>
+                <a:solidFill>
+                  <a:srgbClr val="080808"/>
+                </a:solidFill>
+                <a:effectLst/>
+                <a:latin typeface="JetBrains Mono"/>
+              </a:rPr>
+            </a:br>
+            <a:r>
+              <a:rPr kumimoji="0" lang="en-US" altLang="en-US" sz="1400" b="0" i="0" u="none" strike="noStrike" cap="none" normalizeH="0" baseline="0" dirty="0">
+                <a:ln>
+                  <a:noFill/>
+                </a:ln>
+                <a:solidFill>
+                  <a:srgbClr val="0033B3"/>
+                </a:solidFill>
+                <a:effectLst/>
+                <a:latin typeface="JetBrains Mono"/>
+              </a:rPr>
+              <a:t>if </a:t>
+            </a:r>
+            <a:r>
+              <a:rPr kumimoji="0" lang="en-US" altLang="en-US" sz="1400" b="0" i="0" u="none" strike="noStrike" cap="none" normalizeH="0" baseline="0" dirty="0">
+                <a:ln>
+                  <a:noFill/>
+                </a:ln>
+                <a:solidFill>
+                  <a:srgbClr val="080808"/>
+                </a:solidFill>
+                <a:effectLst/>
+                <a:latin typeface="JetBrains Mono"/>
+              </a:rPr>
+              <a:t>b==</a:t>
+            </a:r>
+            <a:r>
+              <a:rPr kumimoji="0" lang="en-US" altLang="en-US" sz="1400" b="0" i="0" u="none" strike="noStrike" cap="none" normalizeH="0" baseline="0" dirty="0">
+                <a:ln>
+                  <a:noFill/>
+                </a:ln>
+                <a:solidFill>
+                  <a:srgbClr val="1750EB"/>
+                </a:solidFill>
+                <a:effectLst/>
+                <a:latin typeface="JetBrains Mono"/>
+              </a:rPr>
+              <a:t>0</a:t>
+            </a:r>
+            <a:r>
+              <a:rPr kumimoji="0" lang="en-US" altLang="en-US" sz="1400" b="0" i="0" u="none" strike="noStrike" cap="none" normalizeH="0" baseline="0" dirty="0">
+                <a:ln>
+                  <a:noFill/>
+                </a:ln>
+                <a:solidFill>
+                  <a:srgbClr val="080808"/>
+                </a:solidFill>
+                <a:effectLst/>
+                <a:latin typeface="JetBrains Mono"/>
+              </a:rPr>
+              <a:t>:</a:t>
+            </a:r>
+            <a:br>
+              <a:rPr kumimoji="0" lang="en-US" altLang="en-US" sz="1400" b="0" i="0" u="none" strike="noStrike" cap="none" normalizeH="0" baseline="0" dirty="0">
+                <a:ln>
+                  <a:noFill/>
+                </a:ln>
+                <a:solidFill>
+                  <a:srgbClr val="080808"/>
+                </a:solidFill>
+                <a:effectLst/>
+                <a:latin typeface="JetBrains Mono"/>
+              </a:rPr>
+            </a:br>
+            <a:r>
+              <a:rPr kumimoji="0" lang="en-US" altLang="en-US" sz="1400" b="0" i="0" u="none" strike="noStrike" cap="none" normalizeH="0" baseline="0" dirty="0">
+                <a:ln>
+                  <a:noFill/>
+                </a:ln>
+                <a:solidFill>
+                  <a:srgbClr val="080808"/>
+                </a:solidFill>
+                <a:effectLst/>
+                <a:latin typeface="JetBrains Mono"/>
+              </a:rPr>
+              <a:t>    </a:t>
+            </a:r>
+            <a:r>
+              <a:rPr kumimoji="0" lang="en-US" altLang="en-US" sz="1400" b="0" i="0" u="none" strike="noStrike" cap="none" normalizeH="0" baseline="0" dirty="0">
+                <a:ln>
+                  <a:noFill/>
+                </a:ln>
+                <a:solidFill>
+                  <a:srgbClr val="0033B3"/>
+                </a:solidFill>
+                <a:effectLst/>
+                <a:latin typeface="JetBrains Mono"/>
+              </a:rPr>
+              <a:t>raise </a:t>
+            </a:r>
+            <a:r>
+              <a:rPr kumimoji="0" lang="en-US" altLang="en-US" sz="1400" b="0" i="0" u="none" strike="noStrike" cap="none" normalizeH="0" baseline="0" dirty="0">
+                <a:ln>
+                  <a:noFill/>
+                </a:ln>
+                <a:solidFill>
+                  <a:srgbClr val="000080"/>
+                </a:solidFill>
+                <a:effectLst/>
+                <a:latin typeface="JetBrains Mono"/>
+              </a:rPr>
+              <a:t>Exception</a:t>
+            </a:r>
+            <a:r>
+              <a:rPr kumimoji="0" lang="en-US" altLang="en-US" sz="1400" b="0" i="0" u="none" strike="noStrike" cap="none" normalizeH="0" baseline="0" dirty="0">
+                <a:ln>
+                  <a:noFill/>
+                </a:ln>
+                <a:solidFill>
+                  <a:srgbClr val="080808"/>
+                </a:solidFill>
+                <a:effectLst/>
+                <a:latin typeface="JetBrains Mono"/>
+              </a:rPr>
+              <a:t>(</a:t>
+            </a:r>
+            <a:r>
+              <a:rPr kumimoji="0" lang="en-US" altLang="en-US" sz="1400" b="1" i="0" u="none" strike="noStrike" cap="none" normalizeH="0" baseline="0" dirty="0">
+                <a:ln>
+                  <a:noFill/>
+                </a:ln>
+                <a:solidFill>
+                  <a:srgbClr val="008080"/>
+                </a:solidFill>
+                <a:effectLst/>
+                <a:latin typeface="JetBrains Mono"/>
+              </a:rPr>
+              <a:t>"salary cannot be 0"</a:t>
+            </a:r>
+            <a:r>
+              <a:rPr kumimoji="0" lang="en-US" altLang="en-US" sz="1400" b="0" i="0" u="none" strike="noStrike" cap="none" normalizeH="0" baseline="0" dirty="0">
+                <a:ln>
+                  <a:noFill/>
+                </a:ln>
+                <a:solidFill>
+                  <a:srgbClr val="080808"/>
+                </a:solidFill>
+                <a:effectLst/>
+                <a:latin typeface="JetBrains Mono"/>
+              </a:rPr>
+              <a:t>)</a:t>
+            </a:r>
+            <a:br>
+              <a:rPr kumimoji="0" lang="en-US" altLang="en-US" sz="1400" b="0" i="0" u="none" strike="noStrike" cap="none" normalizeH="0" baseline="0" dirty="0">
+                <a:ln>
+                  <a:noFill/>
+                </a:ln>
+                <a:solidFill>
+                  <a:srgbClr val="080808"/>
+                </a:solidFill>
+                <a:effectLst/>
+                <a:latin typeface="JetBrains Mono"/>
+              </a:rPr>
+            </a:br>
+            <a:r>
+              <a:rPr kumimoji="0" lang="en-US" altLang="en-US" sz="1400" b="0" i="0" u="none" strike="noStrike" cap="none" normalizeH="0" baseline="0" dirty="0">
+                <a:ln>
+                  <a:noFill/>
+                </a:ln>
+                <a:solidFill>
+                  <a:srgbClr val="000080"/>
+                </a:solidFill>
+                <a:effectLst/>
+                <a:latin typeface="JetBrains Mono"/>
+              </a:rPr>
+              <a:t>print</a:t>
+            </a:r>
+            <a:r>
+              <a:rPr kumimoji="0" lang="en-US" altLang="en-US" sz="1400" b="0" i="0" u="none" strike="noStrike" cap="none" normalizeH="0" baseline="0" dirty="0">
+                <a:ln>
+                  <a:noFill/>
+                </a:ln>
+                <a:solidFill>
+                  <a:srgbClr val="080808"/>
+                </a:solidFill>
+                <a:effectLst/>
+                <a:latin typeface="JetBrains Mono"/>
+              </a:rPr>
+              <a:t>(</a:t>
+            </a:r>
+            <a:r>
+              <a:rPr kumimoji="0" lang="en-US" altLang="en-US" sz="1400" b="1" i="0" u="none" strike="noStrike" cap="none" normalizeH="0" baseline="0" dirty="0" err="1">
+                <a:ln>
+                  <a:noFill/>
+                </a:ln>
+                <a:solidFill>
+                  <a:srgbClr val="008080"/>
+                </a:solidFill>
+                <a:effectLst/>
+                <a:latin typeface="JetBrains Mono"/>
+              </a:rPr>
+              <a:t>f"Hello</a:t>
+            </a:r>
+            <a:r>
+              <a:rPr kumimoji="0" lang="en-US" altLang="en-US" sz="1400" b="1" i="0" u="none" strike="noStrike" cap="none" normalizeH="0" baseline="0" dirty="0">
+                <a:ln>
+                  <a:noFill/>
+                </a:ln>
+                <a:solidFill>
+                  <a:srgbClr val="008080"/>
+                </a:solidFill>
+                <a:effectLst/>
+                <a:latin typeface="JetBrains Mono"/>
+              </a:rPr>
+              <a:t>, </a:t>
+            </a:r>
+            <a:r>
+              <a:rPr kumimoji="0" lang="en-US" altLang="en-US" sz="1400" b="0" i="0" u="none" strike="noStrike" cap="none" normalizeH="0" baseline="0" dirty="0">
+                <a:ln>
+                  <a:noFill/>
+                </a:ln>
+                <a:solidFill>
+                  <a:srgbClr val="0037A6"/>
+                </a:solidFill>
+                <a:effectLst/>
+                <a:latin typeface="JetBrains Mono"/>
+              </a:rPr>
+              <a:t>{</a:t>
+            </a:r>
+            <a:r>
+              <a:rPr kumimoji="0" lang="en-US" altLang="en-US" sz="1400" b="0" i="0" u="none" strike="noStrike" cap="none" normalizeH="0" baseline="0" dirty="0">
+                <a:ln>
+                  <a:noFill/>
+                </a:ln>
+                <a:solidFill>
+                  <a:srgbClr val="080808"/>
+                </a:solidFill>
+                <a:effectLst/>
+                <a:latin typeface="JetBrains Mono"/>
+              </a:rPr>
+              <a:t>a</a:t>
+            </a:r>
+            <a:r>
+              <a:rPr kumimoji="0" lang="en-US" altLang="en-US" sz="1400" b="0" i="0" u="none" strike="noStrike" cap="none" normalizeH="0" baseline="0" dirty="0">
+                <a:ln>
+                  <a:noFill/>
+                </a:ln>
+                <a:solidFill>
+                  <a:srgbClr val="0037A6"/>
+                </a:solidFill>
+                <a:effectLst/>
+                <a:latin typeface="JetBrains Mono"/>
+              </a:rPr>
+              <a:t>}</a:t>
+            </a:r>
+            <a:r>
+              <a:rPr kumimoji="0" lang="en-US" altLang="en-US" sz="1400" b="1" i="0" u="none" strike="noStrike" cap="none" normalizeH="0" baseline="0" dirty="0">
+                <a:ln>
+                  <a:noFill/>
+                </a:ln>
+                <a:solidFill>
+                  <a:srgbClr val="008080"/>
+                </a:solidFill>
+                <a:effectLst/>
+                <a:latin typeface="JetBrains Mono"/>
+              </a:rPr>
+              <a:t>"</a:t>
+            </a:r>
+            <a:r>
+              <a:rPr kumimoji="0" lang="en-US" altLang="en-US" sz="1400" b="0" i="0" u="none" strike="noStrike" cap="none" normalizeH="0" baseline="0" dirty="0">
+                <a:ln>
+                  <a:noFill/>
+                </a:ln>
+                <a:solidFill>
+                  <a:srgbClr val="080808"/>
+                </a:solidFill>
+                <a:effectLst/>
+                <a:latin typeface="JetBrains Mono"/>
+              </a:rPr>
+              <a:t>)</a:t>
+            </a:r>
+            <a:br>
+              <a:rPr kumimoji="0" lang="en-US" altLang="en-US" sz="1400" b="0" i="0" u="none" strike="noStrike" cap="none" normalizeH="0" baseline="0" dirty="0">
+                <a:ln>
+                  <a:noFill/>
+                </a:ln>
+                <a:solidFill>
+                  <a:srgbClr val="080808"/>
+                </a:solidFill>
+                <a:effectLst/>
+                <a:latin typeface="JetBrains Mono"/>
+              </a:rPr>
+            </a:br>
+            <a:br>
+              <a:rPr kumimoji="0" lang="en-US" altLang="en-US" sz="1400" b="0" i="0" u="none" strike="noStrike" cap="none" normalizeH="0" baseline="0" dirty="0">
+                <a:ln>
+                  <a:noFill/>
+                </a:ln>
+                <a:solidFill>
+                  <a:srgbClr val="080808"/>
+                </a:solidFill>
+                <a:effectLst/>
+                <a:latin typeface="JetBrains Mono"/>
+              </a:rPr>
+            </a:br>
+            <a:r>
+              <a:rPr kumimoji="0" lang="en-US" altLang="en-US" sz="1400" b="0" i="1" u="none" strike="noStrike" cap="none" normalizeH="0" baseline="0" dirty="0">
+                <a:ln>
+                  <a:noFill/>
+                </a:ln>
+                <a:solidFill>
+                  <a:srgbClr val="8C8C8C"/>
+                </a:solidFill>
+                <a:effectLst/>
+                <a:latin typeface="JetBrains Mono"/>
+              </a:rPr>
+              <a:t>#Example</a:t>
+            </a:r>
+            <a:br>
+              <a:rPr kumimoji="0" lang="en-US" altLang="en-US" sz="1400" b="0" i="1" u="none" strike="noStrike" cap="none" normalizeH="0" baseline="0" dirty="0">
+                <a:ln>
+                  <a:noFill/>
+                </a:ln>
+                <a:solidFill>
+                  <a:srgbClr val="8C8C8C"/>
+                </a:solidFill>
+                <a:effectLst/>
+                <a:latin typeface="JetBrains Mono"/>
+              </a:rPr>
+            </a:br>
+            <a:r>
+              <a:rPr kumimoji="0" lang="en-US" altLang="en-US" sz="1400" b="0" i="0" u="none" strike="noStrike" cap="none" normalizeH="0" baseline="0" dirty="0">
+                <a:ln>
+                  <a:noFill/>
+                </a:ln>
+                <a:solidFill>
+                  <a:srgbClr val="080808"/>
+                </a:solidFill>
+                <a:effectLst/>
+                <a:latin typeface="JetBrains Mono"/>
+              </a:rPr>
+              <a:t>c=</a:t>
+            </a:r>
+            <a:r>
+              <a:rPr kumimoji="0" lang="en-US" altLang="en-US" sz="1400" b="0" i="0" u="none" strike="noStrike" cap="none" normalizeH="0" baseline="0" dirty="0">
+                <a:ln>
+                  <a:noFill/>
+                </a:ln>
+                <a:solidFill>
+                  <a:srgbClr val="000080"/>
+                </a:solidFill>
+                <a:effectLst/>
+                <a:latin typeface="JetBrains Mono"/>
+              </a:rPr>
+              <a:t>input</a:t>
+            </a:r>
+            <a:r>
+              <a:rPr kumimoji="0" lang="en-US" altLang="en-US" sz="1400" b="0" i="0" u="none" strike="noStrike" cap="none" normalizeH="0" baseline="0" dirty="0">
+                <a:ln>
+                  <a:noFill/>
+                </a:ln>
+                <a:solidFill>
+                  <a:srgbClr val="080808"/>
+                </a:solidFill>
+                <a:effectLst/>
+                <a:latin typeface="JetBrains Mono"/>
+              </a:rPr>
+              <a:t>(</a:t>
+            </a:r>
+            <a:r>
+              <a:rPr kumimoji="0" lang="en-US" altLang="en-US" sz="1400" b="1" i="0" u="none" strike="noStrike" cap="none" normalizeH="0" baseline="0" dirty="0">
+                <a:ln>
+                  <a:noFill/>
+                </a:ln>
+                <a:solidFill>
+                  <a:srgbClr val="008080"/>
+                </a:solidFill>
+                <a:effectLst/>
+                <a:latin typeface="JetBrains Mono"/>
+              </a:rPr>
+              <a:t>"enter name:"</a:t>
+            </a:r>
+            <a:r>
+              <a:rPr kumimoji="0" lang="en-US" altLang="en-US" sz="1400" b="0" i="0" u="none" strike="noStrike" cap="none" normalizeH="0" baseline="0" dirty="0">
+                <a:ln>
+                  <a:noFill/>
+                </a:ln>
+                <a:solidFill>
+                  <a:srgbClr val="080808"/>
+                </a:solidFill>
+                <a:effectLst/>
+                <a:latin typeface="JetBrains Mono"/>
+              </a:rPr>
+              <a:t>)</a:t>
+            </a:r>
+            <a:br>
+              <a:rPr kumimoji="0" lang="en-US" altLang="en-US" sz="1400" b="0" i="0" u="none" strike="noStrike" cap="none" normalizeH="0" baseline="0" dirty="0">
+                <a:ln>
+                  <a:noFill/>
+                </a:ln>
+                <a:solidFill>
+                  <a:srgbClr val="080808"/>
+                </a:solidFill>
+                <a:effectLst/>
+                <a:latin typeface="JetBrains Mono"/>
+              </a:rPr>
+            </a:br>
+            <a:r>
+              <a:rPr kumimoji="0" lang="en-US" altLang="en-US" sz="1400" b="0" i="0" u="none" strike="noStrike" cap="none" normalizeH="0" baseline="0" dirty="0">
+                <a:ln>
+                  <a:noFill/>
+                </a:ln>
+                <a:solidFill>
+                  <a:srgbClr val="0033B3"/>
+                </a:solidFill>
+                <a:effectLst/>
+                <a:latin typeface="JetBrains Mono"/>
+              </a:rPr>
+              <a:t>try</a:t>
+            </a:r>
+            <a:r>
+              <a:rPr kumimoji="0" lang="en-US" altLang="en-US" sz="1400" b="0" i="0" u="none" strike="noStrike" cap="none" normalizeH="0" baseline="0" dirty="0">
+                <a:ln>
+                  <a:noFill/>
+                </a:ln>
+                <a:solidFill>
+                  <a:srgbClr val="080808"/>
+                </a:solidFill>
+                <a:effectLst/>
+                <a:latin typeface="JetBrains Mono"/>
+              </a:rPr>
+              <a:t>:</a:t>
+            </a:r>
+            <a:br>
+              <a:rPr kumimoji="0" lang="en-US" altLang="en-US" sz="1400" b="0" i="0" u="none" strike="noStrike" cap="none" normalizeH="0" baseline="0" dirty="0">
+                <a:ln>
+                  <a:noFill/>
+                </a:ln>
+                <a:solidFill>
+                  <a:srgbClr val="080808"/>
+                </a:solidFill>
+                <a:effectLst/>
+                <a:latin typeface="JetBrains Mono"/>
+              </a:rPr>
+            </a:br>
+            <a:r>
+              <a:rPr kumimoji="0" lang="en-US" altLang="en-US" sz="1400" b="0" i="0" u="none" strike="noStrike" cap="none" normalizeH="0" baseline="0" dirty="0">
+                <a:ln>
+                  <a:noFill/>
+                </a:ln>
+                <a:solidFill>
+                  <a:srgbClr val="080808"/>
+                </a:solidFill>
+                <a:effectLst/>
+                <a:latin typeface="JetBrains Mono"/>
+              </a:rPr>
+              <a:t>    </a:t>
+            </a:r>
+            <a:r>
+              <a:rPr kumimoji="0" lang="en-US" altLang="en-US" sz="1400" b="0" i="0" u="none" strike="noStrike" cap="none" normalizeH="0" baseline="0" dirty="0">
+                <a:ln>
+                  <a:noFill/>
+                </a:ln>
+                <a:solidFill>
+                  <a:srgbClr val="000080"/>
+                </a:solidFill>
+                <a:effectLst/>
+                <a:latin typeface="JetBrains Mono"/>
+              </a:rPr>
+              <a:t>print</a:t>
+            </a:r>
+            <a:r>
+              <a:rPr kumimoji="0" lang="en-US" altLang="en-US" sz="1400" b="0" i="0" u="none" strike="noStrike" cap="none" normalizeH="0" baseline="0" dirty="0">
+                <a:ln>
+                  <a:noFill/>
+                </a:ln>
+                <a:solidFill>
+                  <a:srgbClr val="080808"/>
+                </a:solidFill>
+                <a:effectLst/>
+                <a:latin typeface="JetBrains Mono"/>
+              </a:rPr>
+              <a:t>(a)</a:t>
+            </a:r>
+            <a:br>
+              <a:rPr kumimoji="0" lang="en-US" altLang="en-US" sz="1400" b="0" i="0" u="none" strike="noStrike" cap="none" normalizeH="0" baseline="0" dirty="0">
+                <a:ln>
+                  <a:noFill/>
+                </a:ln>
+                <a:solidFill>
+                  <a:srgbClr val="080808"/>
+                </a:solidFill>
+                <a:effectLst/>
+                <a:latin typeface="JetBrains Mono"/>
+              </a:rPr>
+            </a:br>
+            <a:r>
+              <a:rPr kumimoji="0" lang="en-US" altLang="en-US" sz="1400" b="0" i="0" u="none" strike="noStrike" cap="none" normalizeH="0" baseline="0" dirty="0">
+                <a:ln>
+                  <a:noFill/>
+                </a:ln>
+                <a:solidFill>
+                  <a:srgbClr val="0033B3"/>
+                </a:solidFill>
+                <a:effectLst/>
+                <a:latin typeface="JetBrains Mono"/>
+              </a:rPr>
+              <a:t>except </a:t>
+            </a:r>
+            <a:r>
+              <a:rPr kumimoji="0" lang="en-US" altLang="en-US" sz="1400" b="0" i="0" u="none" strike="noStrike" cap="none" normalizeH="0" baseline="0" dirty="0">
+                <a:ln>
+                  <a:noFill/>
+                </a:ln>
+                <a:solidFill>
+                  <a:srgbClr val="000080"/>
+                </a:solidFill>
+                <a:effectLst/>
+                <a:latin typeface="JetBrains Mono"/>
+              </a:rPr>
+              <a:t>Exception </a:t>
+            </a:r>
+            <a:r>
+              <a:rPr kumimoji="0" lang="en-US" altLang="en-US" sz="1400" b="0" i="0" u="none" strike="noStrike" cap="none" normalizeH="0" baseline="0" dirty="0">
+                <a:ln>
+                  <a:noFill/>
+                </a:ln>
+                <a:solidFill>
+                  <a:srgbClr val="0033B3"/>
+                </a:solidFill>
+                <a:effectLst/>
+                <a:latin typeface="JetBrains Mono"/>
+              </a:rPr>
+              <a:t>as </a:t>
+            </a:r>
+            <a:r>
+              <a:rPr kumimoji="0" lang="en-US" altLang="en-US" sz="1400" b="0" i="0" u="none" strike="noStrike" cap="none" normalizeH="0" baseline="0" dirty="0">
+                <a:ln>
+                  <a:noFill/>
+                </a:ln>
+                <a:solidFill>
+                  <a:srgbClr val="080808"/>
+                </a:solidFill>
+                <a:effectLst/>
+                <a:latin typeface="JetBrains Mono"/>
+              </a:rPr>
+              <a:t>e:</a:t>
+            </a:r>
+            <a:br>
+              <a:rPr kumimoji="0" lang="en-US" altLang="en-US" sz="1400" b="0" i="0" u="none" strike="noStrike" cap="none" normalizeH="0" baseline="0" dirty="0">
+                <a:ln>
+                  <a:noFill/>
+                </a:ln>
+                <a:solidFill>
+                  <a:srgbClr val="080808"/>
+                </a:solidFill>
+                <a:effectLst/>
+                <a:latin typeface="JetBrains Mono"/>
+              </a:rPr>
+            </a:br>
+            <a:r>
+              <a:rPr kumimoji="0" lang="en-US" altLang="en-US" sz="1400" b="0" i="0" u="none" strike="noStrike" cap="none" normalizeH="0" baseline="0" dirty="0">
+                <a:ln>
+                  <a:noFill/>
+                </a:ln>
+                <a:solidFill>
+                  <a:srgbClr val="080808"/>
+                </a:solidFill>
+                <a:effectLst/>
+                <a:latin typeface="JetBrains Mono"/>
+              </a:rPr>
+              <a:t>    </a:t>
+            </a:r>
+            <a:r>
+              <a:rPr kumimoji="0" lang="en-US" altLang="en-US" sz="1400" b="0" i="0" u="none" strike="noStrike" cap="none" normalizeH="0" baseline="0" dirty="0">
+                <a:ln>
+                  <a:noFill/>
+                </a:ln>
+                <a:solidFill>
+                  <a:srgbClr val="0033B3"/>
+                </a:solidFill>
+                <a:effectLst/>
+                <a:latin typeface="JetBrains Mono"/>
+              </a:rPr>
+              <a:t>if </a:t>
+            </a:r>
+            <a:r>
+              <a:rPr kumimoji="0" lang="en-US" altLang="en-US" sz="1400" b="0" i="0" u="none" strike="noStrike" cap="none" normalizeH="0" baseline="0" dirty="0">
+                <a:ln>
+                  <a:noFill/>
+                </a:ln>
+                <a:solidFill>
+                  <a:srgbClr val="080808"/>
+                </a:solidFill>
+                <a:effectLst/>
+                <a:latin typeface="JetBrains Mono"/>
+              </a:rPr>
+              <a:t>b==</a:t>
+            </a:r>
+            <a:r>
+              <a:rPr kumimoji="0" lang="en-US" altLang="en-US" sz="1400" b="1" i="0" u="none" strike="noStrike" cap="none" normalizeH="0" baseline="0" dirty="0">
+                <a:ln>
+                  <a:noFill/>
+                </a:ln>
+                <a:solidFill>
+                  <a:srgbClr val="008080"/>
+                </a:solidFill>
+                <a:effectLst/>
+                <a:latin typeface="JetBrains Mono"/>
+              </a:rPr>
+              <a:t>"harry"</a:t>
+            </a:r>
+            <a:r>
+              <a:rPr kumimoji="0" lang="en-US" altLang="en-US" sz="1400" b="0" i="0" u="none" strike="noStrike" cap="none" normalizeH="0" baseline="0" dirty="0">
+                <a:ln>
+                  <a:noFill/>
+                </a:ln>
+                <a:solidFill>
+                  <a:srgbClr val="080808"/>
+                </a:solidFill>
+                <a:effectLst/>
+                <a:latin typeface="JetBrains Mono"/>
+              </a:rPr>
+              <a:t>:</a:t>
+            </a:r>
+            <a:br>
+              <a:rPr kumimoji="0" lang="en-US" altLang="en-US" sz="1400" b="0" i="0" u="none" strike="noStrike" cap="none" normalizeH="0" baseline="0" dirty="0">
+                <a:ln>
+                  <a:noFill/>
+                </a:ln>
+                <a:solidFill>
+                  <a:srgbClr val="080808"/>
+                </a:solidFill>
+                <a:effectLst/>
+                <a:latin typeface="JetBrains Mono"/>
+              </a:rPr>
+            </a:br>
+            <a:r>
+              <a:rPr kumimoji="0" lang="en-US" altLang="en-US" sz="1400" b="0" i="0" u="none" strike="noStrike" cap="none" normalizeH="0" baseline="0" dirty="0">
+                <a:ln>
+                  <a:noFill/>
+                </a:ln>
+                <a:solidFill>
+                  <a:srgbClr val="080808"/>
+                </a:solidFill>
+                <a:effectLst/>
+                <a:latin typeface="JetBrains Mono"/>
+              </a:rPr>
+              <a:t>        </a:t>
+            </a:r>
+            <a:r>
+              <a:rPr kumimoji="0" lang="en-US" altLang="en-US" sz="1400" b="0" i="0" u="none" strike="noStrike" cap="none" normalizeH="0" baseline="0" dirty="0">
+                <a:ln>
+                  <a:noFill/>
+                </a:ln>
+                <a:solidFill>
+                  <a:srgbClr val="0033B3"/>
+                </a:solidFill>
+                <a:effectLst/>
+                <a:latin typeface="JetBrains Mono"/>
+              </a:rPr>
+              <a:t>raise </a:t>
+            </a:r>
+            <a:r>
+              <a:rPr kumimoji="0" lang="en-US" altLang="en-US" sz="1400" b="0" i="0" u="none" strike="noStrike" cap="none" normalizeH="0" baseline="0" dirty="0" err="1">
+                <a:ln>
+                  <a:noFill/>
+                </a:ln>
+                <a:solidFill>
+                  <a:srgbClr val="000080"/>
+                </a:solidFill>
+                <a:effectLst/>
+                <a:latin typeface="JetBrains Mono"/>
+              </a:rPr>
+              <a:t>ValueError</a:t>
+            </a:r>
+            <a:r>
+              <a:rPr kumimoji="0" lang="en-US" altLang="en-US" sz="1400" b="0" i="0" u="none" strike="noStrike" cap="none" normalizeH="0" baseline="0" dirty="0">
+                <a:ln>
+                  <a:noFill/>
+                </a:ln>
+                <a:solidFill>
+                  <a:srgbClr val="080808"/>
+                </a:solidFill>
+                <a:effectLst/>
+                <a:latin typeface="JetBrains Mono"/>
+              </a:rPr>
+              <a:t>(</a:t>
+            </a:r>
+            <a:r>
+              <a:rPr kumimoji="0" lang="en-US" altLang="en-US" sz="1400" b="1" i="0" u="none" strike="noStrike" cap="none" normalizeH="0" baseline="0" dirty="0">
+                <a:ln>
+                  <a:noFill/>
+                </a:ln>
+                <a:solidFill>
+                  <a:srgbClr val="008080"/>
+                </a:solidFill>
+                <a:effectLst/>
+                <a:latin typeface="JetBrains Mono"/>
+              </a:rPr>
+              <a:t>"Harry is banned"</a:t>
+            </a:r>
+            <a:r>
+              <a:rPr kumimoji="0" lang="en-US" altLang="en-US" sz="1400" b="0" i="0" u="none" strike="noStrike" cap="none" normalizeH="0" baseline="0" dirty="0">
+                <a:ln>
+                  <a:noFill/>
+                </a:ln>
+                <a:solidFill>
+                  <a:srgbClr val="080808"/>
+                </a:solidFill>
+                <a:effectLst/>
+                <a:latin typeface="JetBrains Mono"/>
+              </a:rPr>
+              <a:t>)</a:t>
+            </a:r>
+            <a:br>
+              <a:rPr kumimoji="0" lang="en-US" altLang="en-US" sz="1400" b="0" i="0" u="none" strike="noStrike" cap="none" normalizeH="0" baseline="0" dirty="0">
+                <a:ln>
+                  <a:noFill/>
+                </a:ln>
+                <a:solidFill>
+                  <a:srgbClr val="080808"/>
+                </a:solidFill>
+                <a:effectLst/>
+                <a:latin typeface="JetBrains Mono"/>
+              </a:rPr>
+            </a:br>
+            <a:r>
+              <a:rPr kumimoji="0" lang="en-US" altLang="en-US" sz="1400" b="0" i="0" u="none" strike="noStrike" cap="none" normalizeH="0" baseline="0" dirty="0">
+                <a:ln>
+                  <a:noFill/>
+                </a:ln>
+                <a:solidFill>
+                  <a:srgbClr val="080808"/>
+                </a:solidFill>
+                <a:effectLst/>
+                <a:latin typeface="JetBrains Mono"/>
+              </a:rPr>
+              <a:t>    </a:t>
+            </a:r>
+            <a:r>
+              <a:rPr kumimoji="0" lang="en-US" altLang="en-US" sz="1400" b="0" i="0" u="none" strike="noStrike" cap="none" normalizeH="0" baseline="0" dirty="0">
+                <a:ln>
+                  <a:noFill/>
+                </a:ln>
+                <a:solidFill>
+                  <a:srgbClr val="000080"/>
+                </a:solidFill>
+                <a:effectLst/>
+                <a:latin typeface="JetBrains Mono"/>
+              </a:rPr>
+              <a:t>print</a:t>
+            </a:r>
+            <a:r>
+              <a:rPr kumimoji="0" lang="en-US" altLang="en-US" sz="1400" b="0" i="0" u="none" strike="noStrike" cap="none" normalizeH="0" baseline="0" dirty="0">
+                <a:ln>
+                  <a:noFill/>
+                </a:ln>
+                <a:solidFill>
+                  <a:srgbClr val="080808"/>
+                </a:solidFill>
+                <a:effectLst/>
+                <a:latin typeface="JetBrains Mono"/>
+              </a:rPr>
+              <a:t>(</a:t>
+            </a:r>
+            <a:r>
+              <a:rPr kumimoji="0" lang="en-US" altLang="en-US" sz="1400" b="1" i="0" u="none" strike="noStrike" cap="none" normalizeH="0" baseline="0" dirty="0">
+                <a:ln>
+                  <a:noFill/>
+                </a:ln>
+                <a:solidFill>
+                  <a:srgbClr val="008080"/>
+                </a:solidFill>
+                <a:effectLst/>
+                <a:latin typeface="JetBrains Mono"/>
+              </a:rPr>
+              <a:t>"variable is not defined"</a:t>
+            </a:r>
+            <a:r>
+              <a:rPr kumimoji="0" lang="en-US" altLang="en-US" sz="1400" b="0" i="0" u="none" strike="noStrike" cap="none" normalizeH="0" baseline="0" dirty="0">
+                <a:ln>
+                  <a:noFill/>
+                </a:ln>
+                <a:solidFill>
+                  <a:srgbClr val="080808"/>
+                </a:solidFill>
+                <a:effectLst/>
+                <a:latin typeface="JetBrains Mono"/>
+              </a:rPr>
+              <a:t>)</a:t>
+            </a:r>
+            <a:endParaRPr kumimoji="0" lang="en-US" altLang="en-US" sz="1400" b="0" i="0" u="none" strike="noStrike" cap="none" normalizeH="0" baseline="0" dirty="0">
+              <a:ln>
+                <a:noFill/>
+              </a:ln>
+              <a:solidFill>
+                <a:schemeClr val="tx1"/>
+              </a:solidFill>
+              <a:effectLst/>
+              <a:latin typeface="Arial" panose="020B0604020202020204" pitchFamily="34" charset="0"/>
+            </a:endParaRPr>
+          </a:p>
+        </p:txBody>
+      </p:sp>
+      <p:cxnSp>
+        <p:nvCxnSpPr>
+          <p:cNvPr id="6" name="Straight Connector 5">
+            <a:extLst>
+              <a:ext uri="{FF2B5EF4-FFF2-40B4-BE49-F238E27FC236}">
+                <a16:creationId xmlns:a16="http://schemas.microsoft.com/office/drawing/2014/main" id="{0FF53803-7914-43C0-8F05-4E294F989A3F}"/>
+              </a:ext>
+            </a:extLst>
+          </p:cNvPr>
+          <p:cNvCxnSpPr/>
+          <p:nvPr/>
+        </p:nvCxnSpPr>
+        <p:spPr>
+          <a:xfrm>
+            <a:off x="6471821" y="62144"/>
+            <a:ext cx="0" cy="6795856"/>
+          </a:xfrm>
+          <a:prstGeom prst="line">
+            <a:avLst/>
+          </a:prstGeom>
+        </p:spPr>
+        <p:style>
+          <a:lnRef idx="1">
+            <a:schemeClr val="dk1"/>
+          </a:lnRef>
+          <a:fillRef idx="0">
+            <a:schemeClr val="dk1"/>
+          </a:fillRef>
+          <a:effectRef idx="0">
+            <a:schemeClr val="dk1"/>
+          </a:effectRef>
+          <a:fontRef idx="minor">
+            <a:schemeClr val="tx1"/>
+          </a:fontRef>
+        </p:style>
+      </p:cxnSp>
+    </p:spTree>
+    <p:extLst>
+      <p:ext uri="{BB962C8B-B14F-4D97-AF65-F5344CB8AC3E}">
+        <p14:creationId xmlns:p14="http://schemas.microsoft.com/office/powerpoint/2010/main" val="1495148098"/>
+      </p:ext>
+    </p:extLst>
+  </p:cSld>
+  <p:clrMapOvr>
+    <a:masterClrMapping/>
+  </p:clrMapOvr>
+</p:sld>
+</file>
+
+<file path=ppt/slides/slide13.xml><?xml version="1.0" encoding="utf-8"?>
 <p:sld xmlns:a="http://schemas.openxmlformats.org/drawingml/2006/main" xmlns:r="http://schemas.openxmlformats.org/officeDocument/2006/relationships" xmlns:p="http://schemas.openxmlformats.org/presentationml/2006/main">
   <p:cSld>
     <p:spTree>
@@ -3939,7 +6474,7 @@
               <a:buNone/>
             </a:pPr>
             <a:r>
-              <a:rPr lang="en-US" sz="2000" dirty="0"/>
+              <a:rPr lang="en-US" sz="2000" b="1" dirty="0"/>
               <a:t>#mymath.py</a:t>
             </a:r>
           </a:p>
@@ -4007,7 +6542,7 @@
         </p:nvSpPr>
         <p:spPr>
           <a:xfrm>
-            <a:off x="6232124" y="1359654"/>
+            <a:off x="6303145" y="1295506"/>
             <a:ext cx="3684233" cy="1200329"/>
           </a:xfrm>
           <a:prstGeom prst="rect">
@@ -4022,7 +6557,7 @@
           <a:lstStyle/>
           <a:p>
             <a:r>
-              <a:rPr lang="en-US" dirty="0"/>
+              <a:rPr lang="en-US" b="1" dirty="0"/>
               <a:t>#test.py</a:t>
             </a:r>
           </a:p>
@@ -4046,14 +6581,26 @@
               <a:t> print(</a:t>
             </a:r>
             <a:r>
-              <a:rPr lang="en-US" dirty="0" err="1"/>
+              <a:rPr lang="en-US" dirty="0" err="1">
+                <a:highlight>
+                  <a:srgbClr val="FFFF00"/>
+                </a:highlight>
+              </a:rPr>
               <a:t>mymath.add</a:t>
             </a:r>
             <a:r>
-              <a:rPr lang="en-US" dirty="0"/>
+              <a:rPr lang="en-US" dirty="0">
+                <a:highlight>
+                  <a:srgbClr val="FFFF00"/>
+                </a:highlight>
+              </a:rPr>
               <a:t>(40,50))</a:t>
             </a:r>
-            <a:endParaRPr lang="en-IN" dirty="0"/>
+            <a:endParaRPr lang="en-IN" dirty="0">
+              <a:highlight>
+                <a:srgbClr val="FFFF00"/>
+              </a:highlight>
+            </a:endParaRPr>
           </a:p>
         </p:txBody>
       </p:sp>
@@ -4086,8 +6633,16 @@
           <a:lstStyle/>
           <a:p>
             <a:r>
-              <a:rPr lang="en-US" dirty="0"/>
-              <a:t>Output: 30</a:t>
+              <a:rPr lang="en-US" dirty="0">
+                <a:solidFill>
+                  <a:srgbClr val="FF0000"/>
+                </a:solidFill>
+              </a:rPr>
+              <a:t>Output:</a:t>
+            </a:r>
+            <a:r>
+              <a:rPr lang="en-US" dirty="0"/>
+              <a:t> 30</a:t>
             </a:r>
           </a:p>
           <a:p>
@@ -4176,7 +6731,7 @@
           </a:p>
           <a:p>
             <a:r>
-              <a:rPr lang="en-US" dirty="0"/>
+              <a:rPr lang="en-US" b="1" dirty="0"/>
               <a:t>#mymath.py</a:t>
             </a:r>
           </a:p>
@@ -4221,6 +6776,98 @@
               <a:rPr lang="en-IN" dirty="0"/>
               <a:t>      print(add(10,20))</a:t>
             </a:r>
+          </a:p>
+        </p:txBody>
+      </p:sp>
+      <p:sp>
+        <p:nvSpPr>
+          <p:cNvPr id="8" name="Arrow: Left 7">
+            <a:extLst>
+              <a:ext uri="{FF2B5EF4-FFF2-40B4-BE49-F238E27FC236}">
+                <a16:creationId xmlns:a16="http://schemas.microsoft.com/office/drawing/2014/main" id="{DD54B96A-1DAD-4E6E-90FD-A60414690CD8}"/>
+              </a:ext>
+            </a:extLst>
+          </p:cNvPr>
+          <p:cNvSpPr/>
+          <p:nvPr/>
+        </p:nvSpPr>
+        <p:spPr>
+          <a:xfrm>
+            <a:off x="2885243" y="1828800"/>
+            <a:ext cx="2565646" cy="328474"/>
+          </a:xfrm>
+          <a:prstGeom prst="leftArrow">
+            <a:avLst/>
+          </a:prstGeom>
+        </p:spPr>
+        <p:style>
+          <a:lnRef idx="2">
+            <a:schemeClr val="dk1">
+              <a:shade val="50000"/>
+            </a:schemeClr>
+          </a:lnRef>
+          <a:fillRef idx="1">
+            <a:schemeClr val="dk1"/>
+          </a:fillRef>
+          <a:effectRef idx="0">
+            <a:schemeClr val="dk1"/>
+          </a:effectRef>
+          <a:fontRef idx="minor">
+            <a:schemeClr val="lt1"/>
+          </a:fontRef>
+        </p:style>
+        <p:txBody>
+          <a:bodyPr rtlCol="0" anchor="ctr"/>
+          <a:lstStyle/>
+          <a:p>
+            <a:pPr algn="ctr"/>
+            <a:endParaRPr lang="en-IN"/>
+          </a:p>
+        </p:txBody>
+      </p:sp>
+      <p:sp>
+        <p:nvSpPr>
+          <p:cNvPr id="9" name="Arrow: Right 8">
+            <a:extLst>
+              <a:ext uri="{FF2B5EF4-FFF2-40B4-BE49-F238E27FC236}">
+                <a16:creationId xmlns:a16="http://schemas.microsoft.com/office/drawing/2014/main" id="{22EB5C73-29F0-446D-9566-FA94FA6199FC}"/>
+              </a:ext>
+            </a:extLst>
+          </p:cNvPr>
+          <p:cNvSpPr/>
+          <p:nvPr/>
+        </p:nvSpPr>
+        <p:spPr>
+          <a:xfrm>
+            <a:off x="3027284" y="2290439"/>
+            <a:ext cx="3275861" cy="205396"/>
+          </a:xfrm>
+          <a:prstGeom prst="rightArrow">
+            <a:avLst/>
+          </a:prstGeom>
+        </p:spPr>
+        <p:style>
+          <a:lnRef idx="2">
+            <a:schemeClr val="dk1">
+              <a:shade val="50000"/>
+            </a:schemeClr>
+          </a:lnRef>
+          <a:fillRef idx="1">
+            <a:schemeClr val="dk1"/>
+          </a:fillRef>
+          <a:effectRef idx="0">
+            <a:schemeClr val="dk1"/>
+          </a:effectRef>
+          <a:fontRef idx="minor">
+            <a:schemeClr val="lt1"/>
+          </a:fontRef>
+        </p:style>
+        <p:txBody>
+          <a:bodyPr rtlCol="0" anchor="ctr"/>
+          <a:lstStyle/>
+          <a:p>
+            <a:pPr algn="ctr"/>
+            <a:endParaRPr lang="en-IN"/>
           </a:p>
         </p:txBody>
       </p:sp>
@@ -4237,7 +6884,7 @@
 </p:sld>
 </file>
 
-<file path=ppt/slides/slide12.xml><?xml version="1.0" encoding="utf-8"?>
+<file path=ppt/slides/slide14.xml><?xml version="1.0" encoding="utf-8"?>
 <p:sld xmlns:a="http://schemas.openxmlformats.org/drawingml/2006/main" xmlns:r="http://schemas.openxmlformats.org/officeDocument/2006/relationships" xmlns:p="http://schemas.openxmlformats.org/presentationml/2006/main">
   <p:cSld>
     <p:spTree>
@@ -4495,7 +7142,11 @@
               <a:buAutoNum type="arabicPlain" startAt="3344"/>
             </a:pPr>
             <a:r>
-              <a:rPr lang="en-IN" sz="1800" dirty="0"/>
+              <a:rPr lang="en-IN" sz="1800" dirty="0">
+                <a:solidFill>
+                  <a:srgbClr val="FF0000"/>
+                </a:solidFill>
+              </a:rPr>
               <a:t>#----------------Incorrect output</a:t>
             </a:r>
           </a:p>
@@ -4749,7 +7400,7 @@
 </p:sld>
 </file>
 
-<file path=ppt/slides/slide13.xml><?xml version="1.0" encoding="utf-8"?>
+<file path=ppt/slides/slide15.xml><?xml version="1.0" encoding="utf-8"?>
 <p:sld xmlns:a="http://schemas.openxmlformats.org/drawingml/2006/main" xmlns:r="http://schemas.openxmlformats.org/officeDocument/2006/relationships" xmlns:p="http://schemas.openxmlformats.org/presentationml/2006/main">
   <p:cSld>
     <p:spTree>
@@ -4841,13 +7492,29 @@
             </a:pPr>
             <a:r>
               <a:rPr lang="en-US" sz="2800" dirty="0"/>
-              <a:t> import </a:t>
-            </a:r>
-            <a:r>
-              <a:rPr lang="en-US" sz="2800" dirty="0" err="1"/>
+              <a:t> </a:t>
+            </a:r>
+            <a:r>
+              <a:rPr lang="en-US" sz="2800" dirty="0">
+                <a:highlight>
+                  <a:srgbClr val="FFFF00"/>
+                </a:highlight>
+              </a:rPr>
+              <a:t>import </a:t>
+            </a:r>
+            <a:r>
+              <a:rPr lang="en-US" sz="2800" dirty="0" err="1">
+                <a:highlight>
+                  <a:srgbClr val="FFFF00"/>
+                </a:highlight>
+              </a:rPr>
               <a:t>pdb</a:t>
             </a:r>
-            <a:endParaRPr lang="en-US" sz="2800" dirty="0"/>
+            <a:endParaRPr lang="en-US" sz="2800" dirty="0">
+              <a:highlight>
+                <a:srgbClr val="FFFF00"/>
+              </a:highlight>
+            </a:endParaRPr>
           </a:p>
           <a:p>
             <a:pPr marL="0" indent="0">
@@ -4925,11 +7592,19 @@
               <a:t>        </a:t>
             </a:r>
             <a:r>
-              <a:rPr lang="en-US" sz="2800" dirty="0" err="1"/>
+              <a:rPr lang="en-US" sz="2800" dirty="0" err="1">
+                <a:highlight>
+                  <a:srgbClr val="FFFF00"/>
+                </a:highlight>
+              </a:rPr>
               <a:t>pdb.set_trace</a:t>
             </a:r>
             <a:r>
-              <a:rPr lang="en-US" sz="2800" dirty="0"/>
+              <a:rPr lang="en-US" sz="2800" dirty="0">
+                <a:highlight>
+                  <a:srgbClr val="FFFF00"/>
+                </a:highlight>
+              </a:rPr>
               <a:t>()</a:t>
             </a:r>
           </a:p>
@@ -5031,7 +7706,7 @@
 </p:sld>
 </file>
 
-<file path=ppt/slides/slide14.xml><?xml version="1.0" encoding="utf-8"?>
+<file path=ppt/slides/slide16.xml><?xml version="1.0" encoding="utf-8"?>
 <p:sld xmlns:a="http://schemas.openxmlformats.org/drawingml/2006/main" xmlns:r="http://schemas.openxmlformats.org/officeDocument/2006/relationships" xmlns:p="http://schemas.openxmlformats.org/presentationml/2006/main">
   <p:cSld>
     <p:spTree>
@@ -5534,6 +8209,183 @@
           <p:cNvPr id="2" name="Title 1">
             <a:extLst>
               <a:ext uri="{FF2B5EF4-FFF2-40B4-BE49-F238E27FC236}">
+                <a16:creationId xmlns:a16="http://schemas.microsoft.com/office/drawing/2014/main" id="{427EC48C-4239-478A-AD97-3F00AE9A746C}"/>
+              </a:ext>
+            </a:extLst>
+          </p:cNvPr>
+          <p:cNvSpPr>
+            <a:spLocks noGrp="1"/>
+          </p:cNvSpPr>
+          <p:nvPr>
+            <p:ph type="title"/>
+          </p:nvPr>
+        </p:nvSpPr>
+        <p:spPr>
+          <a:xfrm>
+            <a:off x="838200" y="365125"/>
+            <a:ext cx="10515600" cy="433865"/>
+          </a:xfrm>
+        </p:spPr>
+        <p:txBody>
+          <a:bodyPr>
+            <a:normAutofit fontScale="90000"/>
+          </a:bodyPr>
+          <a:lstStyle/>
+          <a:p>
+            <a:r>
+              <a:rPr lang="en-US" dirty="0"/>
+              <a:t>Example</a:t>
+            </a:r>
+            <a:endParaRPr lang="en-IN" dirty="0"/>
+          </a:p>
+        </p:txBody>
+      </p:sp>
+      <p:sp>
+        <p:nvSpPr>
+          <p:cNvPr id="3" name="Content Placeholder 2">
+            <a:extLst>
+              <a:ext uri="{FF2B5EF4-FFF2-40B4-BE49-F238E27FC236}">
+                <a16:creationId xmlns:a16="http://schemas.microsoft.com/office/drawing/2014/main" id="{C2272E66-DFE0-4BCC-B53D-C405F32D8E8E}"/>
+              </a:ext>
+            </a:extLst>
+          </p:cNvPr>
+          <p:cNvSpPr>
+            <a:spLocks noGrp="1"/>
+          </p:cNvSpPr>
+          <p:nvPr>
+            <p:ph idx="1"/>
+          </p:nvPr>
+        </p:nvSpPr>
+        <p:spPr>
+          <a:xfrm>
+            <a:off x="962487" y="1443376"/>
+            <a:ext cx="10515600" cy="5049499"/>
+          </a:xfrm>
+        </p:spPr>
+        <p:txBody>
+          <a:bodyPr>
+            <a:normAutofit/>
+          </a:bodyPr>
+          <a:lstStyle/>
+          <a:p>
+            <a:pPr marL="0" indent="0">
+              <a:buNone/>
+            </a:pPr>
+            <a:r>
+              <a:rPr lang="en-US" sz="1800" dirty="0"/>
+              <a:t>&gt;&gt;print(“Enter the number 1:”)</a:t>
+            </a:r>
+          </a:p>
+          <a:p>
+            <a:pPr marL="0" indent="0">
+              <a:buNone/>
+            </a:pPr>
+            <a:r>
+              <a:rPr lang="en-US" sz="1800" dirty="0"/>
+              <a:t>&gt;&gt;a=input()</a:t>
+            </a:r>
+          </a:p>
+          <a:p>
+            <a:pPr marL="0" indent="0">
+              <a:buNone/>
+            </a:pPr>
+            <a:r>
+              <a:rPr lang="en-US" sz="1800" dirty="0"/>
+              <a:t>&gt;&gt;print(“Enter the number 2:”)</a:t>
+            </a:r>
+          </a:p>
+          <a:p>
+            <a:pPr marL="0" indent="0">
+              <a:buNone/>
+            </a:pPr>
+            <a:r>
+              <a:rPr lang="en-US" sz="1800" dirty="0"/>
+              <a:t>&gt;&gt;b=input()</a:t>
+            </a:r>
+          </a:p>
+          <a:p>
+            <a:pPr marL="0" indent="0">
+              <a:buNone/>
+            </a:pPr>
+            <a:r>
+              <a:rPr lang="en-US" sz="1800" dirty="0"/>
+              <a:t>&gt;&gt;try:</a:t>
+            </a:r>
+          </a:p>
+          <a:p>
+            <a:pPr marL="0" indent="0">
+              <a:buNone/>
+            </a:pPr>
+            <a:r>
+              <a:rPr lang="en-US" sz="1800" dirty="0"/>
+              <a:t>       print(“The Sum of these two numbers is :”,int(a)+int(b))</a:t>
+            </a:r>
+          </a:p>
+          <a:p>
+            <a:pPr marL="0" indent="0">
+              <a:buNone/>
+            </a:pPr>
+            <a:r>
+              <a:rPr lang="en-US" sz="1800" dirty="0"/>
+              <a:t>&gt;&gt;except Exception as e:</a:t>
+            </a:r>
+          </a:p>
+          <a:p>
+            <a:pPr marL="0" indent="0">
+              <a:buNone/>
+            </a:pPr>
+            <a:r>
+              <a:rPr lang="en-US" sz="1800" dirty="0"/>
+              <a:t>       print(e)</a:t>
+            </a:r>
+          </a:p>
+          <a:p>
+            <a:pPr marL="0" indent="0">
+              <a:buNone/>
+            </a:pPr>
+            <a:r>
+              <a:rPr lang="en-US" sz="1800" dirty="0"/>
+              <a:t>&gt;&gt;print(“This line is important”)</a:t>
+            </a:r>
+            <a:endParaRPr lang="en-IN" sz="1800" dirty="0"/>
+          </a:p>
+        </p:txBody>
+      </p:sp>
+    </p:spTree>
+    <p:extLst>
+      <p:ext uri="{BB962C8B-B14F-4D97-AF65-F5344CB8AC3E}">
+        <p14:creationId xmlns:p14="http://schemas.microsoft.com/office/powerpoint/2010/main" val="1320447483"/>
+      </p:ext>
+    </p:extLst>
+  </p:cSld>
+  <p:clrMapOvr>
+    <a:masterClrMapping/>
+  </p:clrMapOvr>
+</p:sld>
+</file>
+
+<file path=ppt/slides/slide3.xml><?xml version="1.0" encoding="utf-8"?>
+<p:sld xmlns:a="http://schemas.openxmlformats.org/drawingml/2006/main" xmlns:r="http://schemas.openxmlformats.org/officeDocument/2006/relationships" xmlns:p="http://schemas.openxmlformats.org/presentationml/2006/main">
+  <p:cSld>
+    <p:spTree>
+      <p:nvGrpSpPr>
+        <p:cNvPr id="1" name=""/>
+        <p:cNvGrpSpPr/>
+        <p:nvPr/>
+      </p:nvGrpSpPr>
+      <p:grpSpPr>
+        <a:xfrm>
+          <a:off x="0" y="0"/>
+          <a:ext cx="0" cy="0"/>
+          <a:chOff x="0" y="0"/>
+          <a:chExt cx="0" cy="0"/>
+        </a:xfrm>
+      </p:grpSpPr>
+      <p:sp>
+        <p:nvSpPr>
+          <p:cNvPr id="2" name="Title 1">
+            <a:extLst>
+              <a:ext uri="{FF2B5EF4-FFF2-40B4-BE49-F238E27FC236}">
                 <a16:creationId xmlns:a16="http://schemas.microsoft.com/office/drawing/2014/main" id="{0D761302-09D4-490F-A469-04DDAC7AE172}"/>
               </a:ext>
             </a:extLst>
@@ -5583,34 +8435,36 @@
         </p:nvSpPr>
         <p:spPr>
           <a:xfrm>
-            <a:off x="838200" y="1216241"/>
-            <a:ext cx="10515600" cy="4960722"/>
+            <a:off x="1065320" y="1447059"/>
+            <a:ext cx="10288480" cy="4729903"/>
           </a:xfrm>
         </p:spPr>
         <p:txBody>
-          <a:bodyPr/>
+          <a:bodyPr>
+            <a:normAutofit/>
+          </a:bodyPr>
           <a:lstStyle/>
           <a:p>
             <a:pPr marL="0" indent="0">
               <a:buNone/>
             </a:pPr>
             <a:r>
-              <a:rPr lang="en-US" dirty="0"/>
+              <a:rPr lang="en-US" sz="2400" dirty="0"/>
               <a:t>10/0 --</a:t>
             </a:r>
             <a:r>
-              <a:rPr lang="en-US" dirty="0">
+              <a:rPr lang="en-US" sz="2400" dirty="0">
                 <a:sym typeface="Wingdings" panose="05000000000000000000" pitchFamily="2" charset="2"/>
               </a:rPr>
               <a:t></a:t>
             </a:r>
             <a:r>
-              <a:rPr lang="en-US" dirty="0" err="1">
+              <a:rPr lang="en-US" sz="2400" dirty="0" err="1">
                 <a:sym typeface="Wingdings" panose="05000000000000000000" pitchFamily="2" charset="2"/>
               </a:rPr>
               <a:t>ZeroDivisionError</a:t>
             </a:r>
-            <a:endParaRPr lang="en-US" dirty="0">
+            <a:endParaRPr lang="en-US" sz="2400" dirty="0">
               <a:sym typeface="Wingdings" panose="05000000000000000000" pitchFamily="2" charset="2"/>
             </a:endParaRPr>
           </a:p>
@@ -5619,18 +8473,18 @@
               <a:buNone/>
             </a:pPr>
             <a:r>
-              <a:rPr lang="en-US" dirty="0">
+              <a:rPr lang="en-US" sz="2400" dirty="0">
                 <a:sym typeface="Wingdings" panose="05000000000000000000" pitchFamily="2" charset="2"/>
               </a:rPr>
               <a:t>10 + ‘10’ -</a:t>
             </a:r>
             <a:r>
-              <a:rPr lang="en-US" dirty="0" err="1">
+              <a:rPr lang="en-US" sz="2400" dirty="0" err="1">
                 <a:sym typeface="Wingdings" panose="05000000000000000000" pitchFamily="2" charset="2"/>
               </a:rPr>
               <a:t>TypeError</a:t>
             </a:r>
-            <a:endParaRPr lang="en-US" dirty="0">
+            <a:endParaRPr lang="en-US" sz="2400" dirty="0">
               <a:sym typeface="Wingdings" panose="05000000000000000000" pitchFamily="2" charset="2"/>
             </a:endParaRPr>
           </a:p>
@@ -5639,24 +8493,24 @@
               <a:buNone/>
             </a:pPr>
             <a:r>
-              <a:rPr lang="en-US" dirty="0" err="1">
+              <a:rPr lang="en-US" sz="2400" dirty="0" err="1">
                 <a:sym typeface="Wingdings" panose="05000000000000000000" pitchFamily="2" charset="2"/>
               </a:rPr>
               <a:t>Abc</a:t>
             </a:r>
             <a:r>
-              <a:rPr lang="en-US" dirty="0">
+              <a:rPr lang="en-US" sz="2400" dirty="0">
                 <a:sym typeface="Wingdings" panose="05000000000000000000" pitchFamily="2" charset="2"/>
               </a:rPr>
               <a:t> -- </a:t>
             </a:r>
             <a:r>
-              <a:rPr lang="en-US" dirty="0" err="1">
+              <a:rPr lang="en-US" sz="2400" dirty="0" err="1">
                 <a:sym typeface="Wingdings" panose="05000000000000000000" pitchFamily="2" charset="2"/>
               </a:rPr>
               <a:t>NameError</a:t>
             </a:r>
-            <a:endParaRPr lang="en-US" dirty="0">
+            <a:endParaRPr lang="en-US" sz="2400" dirty="0">
               <a:sym typeface="Wingdings" panose="05000000000000000000" pitchFamily="2" charset="2"/>
             </a:endParaRPr>
           </a:p>
@@ -5665,7 +8519,7 @@
               <a:buNone/>
             </a:pPr>
             <a:r>
-              <a:rPr lang="en-US" dirty="0">
+              <a:rPr lang="en-US" sz="2400" dirty="0">
                 <a:sym typeface="Wingdings" panose="05000000000000000000" pitchFamily="2" charset="2"/>
               </a:rPr>
               <a:t>X=(1,2)</a:t>
@@ -5676,24 +8530,24 @@
               <a:buNone/>
             </a:pPr>
             <a:r>
-              <a:rPr lang="en-US" dirty="0" err="1">
+              <a:rPr lang="en-US" sz="2400" dirty="0" err="1">
                 <a:sym typeface="Wingdings" panose="05000000000000000000" pitchFamily="2" charset="2"/>
               </a:rPr>
               <a:t>x.Asdssd</a:t>
             </a:r>
             <a:r>
-              <a:rPr lang="en-US" dirty="0">
+              <a:rPr lang="en-US" sz="2400" dirty="0">
                 <a:sym typeface="Wingdings" panose="05000000000000000000" pitchFamily="2" charset="2"/>
               </a:rPr>
               <a:t> -</a:t>
             </a:r>
             <a:r>
-              <a:rPr lang="en-US" dirty="0" err="1">
+              <a:rPr lang="en-US" sz="2400" dirty="0" err="1">
                 <a:sym typeface="Wingdings" panose="05000000000000000000" pitchFamily="2" charset="2"/>
               </a:rPr>
               <a:t>AttributeError</a:t>
             </a:r>
-            <a:endParaRPr lang="en-US" dirty="0">
+            <a:endParaRPr lang="en-US" sz="2400" dirty="0">
               <a:sym typeface="Wingdings" panose="05000000000000000000" pitchFamily="2" charset="2"/>
             </a:endParaRPr>
           </a:p>
@@ -5702,29 +8556,47 @@
               <a:buNone/>
             </a:pPr>
             <a:r>
-              <a:rPr lang="en-US" dirty="0">
+              <a:rPr lang="en-US" sz="2400" dirty="0">
                 <a:sym typeface="Wingdings" panose="05000000000000000000" pitchFamily="2" charset="2"/>
               </a:rPr>
-              <a:t> #to check other list of exceptions</a:t>
-            </a:r>
-          </a:p>
-          <a:p>
-            <a:pPr marL="0" indent="0">
-              <a:buNone/>
-            </a:pPr>
-            <a:r>
-              <a:rPr lang="en-US" dirty="0">
+              <a:t> </a:t>
+            </a:r>
+            <a:r>
+              <a:rPr lang="en-US" sz="2400" b="1" dirty="0">
                 <a:sym typeface="Wingdings" panose="05000000000000000000" pitchFamily="2" charset="2"/>
               </a:rPr>
+              <a:t>#to </a:t>
+            </a:r>
+            <a:r>
+              <a:rPr lang="en-US" sz="2400" b="1">
+                <a:sym typeface="Wingdings" panose="05000000000000000000" pitchFamily="2" charset="2"/>
+              </a:rPr>
+              <a:t>check other standard  </a:t>
+            </a:r>
+            <a:r>
+              <a:rPr lang="en-US" sz="2400" b="1" dirty="0">
+                <a:sym typeface="Wingdings" panose="05000000000000000000" pitchFamily="2" charset="2"/>
+              </a:rPr>
+              <a:t>list of exceptions in python</a:t>
+            </a:r>
+          </a:p>
+          <a:p>
+            <a:pPr marL="0" indent="0">
+              <a:buNone/>
+            </a:pPr>
+            <a:r>
+              <a:rPr lang="en-US" sz="2400" dirty="0">
+                <a:sym typeface="Wingdings" panose="05000000000000000000" pitchFamily="2" charset="2"/>
+              </a:rPr>
               <a:t> import </a:t>
             </a:r>
             <a:r>
-              <a:rPr lang="en-US" dirty="0" err="1">
+              <a:rPr lang="en-US" sz="2400" dirty="0" err="1">
                 <a:sym typeface="Wingdings" panose="05000000000000000000" pitchFamily="2" charset="2"/>
               </a:rPr>
               <a:t>builtins</a:t>
             </a:r>
-            <a:endParaRPr lang="en-US" dirty="0">
+            <a:endParaRPr lang="en-US" sz="2400" dirty="0">
               <a:sym typeface="Wingdings" panose="05000000000000000000" pitchFamily="2" charset="2"/>
             </a:endParaRPr>
           </a:p>
@@ -5733,24 +8605,24 @@
               <a:buNone/>
             </a:pPr>
             <a:r>
-              <a:rPr lang="en-US" dirty="0">
+              <a:rPr lang="en-US" sz="2400" dirty="0">
                 <a:sym typeface="Wingdings" panose="05000000000000000000" pitchFamily="2" charset="2"/>
               </a:rPr>
               <a:t> help(</a:t>
             </a:r>
             <a:r>
-              <a:rPr lang="en-US" dirty="0" err="1">
+              <a:rPr lang="en-US" sz="2400" dirty="0" err="1">
                 <a:sym typeface="Wingdings" panose="05000000000000000000" pitchFamily="2" charset="2"/>
               </a:rPr>
               <a:t>builtins</a:t>
             </a:r>
             <a:r>
-              <a:rPr lang="en-US" dirty="0">
+              <a:rPr lang="en-US" sz="2400" dirty="0">
                 <a:sym typeface="Wingdings" panose="05000000000000000000" pitchFamily="2" charset="2"/>
               </a:rPr>
               <a:t>)</a:t>
             </a:r>
-            <a:endParaRPr lang="en-IN" dirty="0"/>
+            <a:endParaRPr lang="en-IN" sz="2400" dirty="0"/>
           </a:p>
         </p:txBody>
       </p:sp>
@@ -5767,7 +8639,7 @@
 </p:sld>
 </file>
 
-<file path=ppt/slides/slide3.xml><?xml version="1.0" encoding="utf-8"?>
+<file path=ppt/slides/slide4.xml><?xml version="1.0" encoding="utf-8"?>
 <p:sld xmlns:a="http://schemas.openxmlformats.org/drawingml/2006/main" xmlns:r="http://schemas.openxmlformats.org/officeDocument/2006/relationships" xmlns:p="http://schemas.openxmlformats.org/presentationml/2006/main">
   <p:cSld>
     <p:spTree>
@@ -5844,11 +8716,11 @@
         </p:spPr>
         <p:txBody>
           <a:bodyPr>
-            <a:normAutofit lnSpcReduction="10000"/>
+            <a:normAutofit/>
           </a:bodyPr>
           <a:lstStyle/>
           <a:p>
-            <a:pPr marL="0" indent="0">
+            <a:pPr marL="457200" lvl="1" indent="0">
               <a:buNone/>
             </a:pPr>
             <a:r>
@@ -5857,7 +8729,7 @@
             </a:r>
           </a:p>
           <a:p>
-            <a:pPr marL="0" indent="0">
+            <a:pPr marL="457200" lvl="1" indent="0">
               <a:buNone/>
             </a:pPr>
             <a:r>
@@ -5866,7 +8738,7 @@
             </a:r>
           </a:p>
           <a:p>
-            <a:pPr marL="0" indent="0">
+            <a:pPr marL="457200" lvl="1" indent="0">
               <a:buNone/>
             </a:pPr>
             <a:r>
@@ -5875,7 +8747,7 @@
             </a:r>
           </a:p>
           <a:p>
-            <a:pPr marL="0" indent="0">
+            <a:pPr marL="457200" lvl="1" indent="0">
               <a:buNone/>
             </a:pPr>
             <a:r>
@@ -5884,7 +8756,7 @@
             </a:r>
           </a:p>
           <a:p>
-            <a:pPr marL="0" indent="0">
+            <a:pPr marL="457200" lvl="1" indent="0">
               <a:buNone/>
             </a:pPr>
             <a:r>
@@ -5893,22 +8765,34 @@
             </a:r>
           </a:p>
           <a:p>
-            <a:pPr marL="0" indent="0">
+            <a:pPr marL="457200" lvl="1" indent="0">
               <a:buNone/>
             </a:pPr>
             <a:endParaRPr lang="en-US" dirty="0"/>
           </a:p>
           <a:p>
-            <a:pPr marL="0" indent="0">
-              <a:buNone/>
-            </a:pPr>
-            <a:r>
-              <a:rPr lang="en-US" dirty="0"/>
-              <a:t>#Output:</a:t>
-            </a:r>
-          </a:p>
-          <a:p>
-            <a:pPr marL="0" indent="0">
+            <a:pPr marL="457200" lvl="1" indent="0">
+              <a:buNone/>
+            </a:pPr>
+            <a:r>
+              <a:rPr lang="en-US" dirty="0"/>
+              <a:t>#</a:t>
+            </a:r>
+            <a:r>
+              <a:rPr lang="en-US" dirty="0">
+                <a:solidFill>
+                  <a:srgbClr val="FF0000"/>
+                </a:solidFill>
+              </a:rPr>
+              <a:t>Output</a:t>
+            </a:r>
+            <a:r>
+              <a:rPr lang="en-US" dirty="0"/>
+              <a:t>:</a:t>
+            </a:r>
+          </a:p>
+          <a:p>
+            <a:pPr marL="457200" lvl="1" indent="0">
               <a:buNone/>
             </a:pPr>
             <a:r>
@@ -5917,7 +8801,7 @@
             </a:r>
           </a:p>
           <a:p>
-            <a:pPr marL="0" indent="0">
+            <a:pPr marL="457200" lvl="1" indent="0">
               <a:buNone/>
             </a:pPr>
             <a:r>
@@ -5926,7 +8810,7 @@
             </a:r>
           </a:p>
           <a:p>
-            <a:pPr marL="0" indent="0">
+            <a:pPr marL="457200" lvl="1" indent="0">
               <a:buNone/>
             </a:pPr>
             <a:r>
@@ -5958,7 +8842,7 @@
 </p:sld>
 </file>
 
-<file path=ppt/slides/slide4.xml><?xml version="1.0" encoding="utf-8"?>
+<file path=ppt/slides/slide5.xml><?xml version="1.0" encoding="utf-8"?>
 <p:sld xmlns:a="http://schemas.openxmlformats.org/drawingml/2006/main" xmlns:r="http://schemas.openxmlformats.org/officeDocument/2006/relationships" xmlns:p="http://schemas.openxmlformats.org/presentationml/2006/main">
   <p:cSld>
     <p:spTree>
@@ -6206,227 +9090,6 @@
     <p:extLst>
       <p:ext uri="{BB962C8B-B14F-4D97-AF65-F5344CB8AC3E}">
         <p14:creationId xmlns:p14="http://schemas.microsoft.com/office/powerpoint/2010/main" val="4099388773"/>
-      </p:ext>
-    </p:extLst>
-  </p:cSld>
-  <p:clrMapOvr>
-    <a:masterClrMapping/>
-  </p:clrMapOvr>
-</p:sld>
-</file>
-
-<file path=ppt/slides/slide5.xml><?xml version="1.0" encoding="utf-8"?>
-<p:sld xmlns:a="http://schemas.openxmlformats.org/drawingml/2006/main" xmlns:r="http://schemas.openxmlformats.org/officeDocument/2006/relationships" xmlns:p="http://schemas.openxmlformats.org/presentationml/2006/main">
-  <p:cSld>
-    <p:spTree>
-      <p:nvGrpSpPr>
-        <p:cNvPr id="1" name=""/>
-        <p:cNvGrpSpPr/>
-        <p:nvPr/>
-      </p:nvGrpSpPr>
-      <p:grpSpPr>
-        <a:xfrm>
-          <a:off x="0" y="0"/>
-          <a:ext cx="0" cy="0"/>
-          <a:chOff x="0" y="0"/>
-          <a:chExt cx="0" cy="0"/>
-        </a:xfrm>
-      </p:grpSpPr>
-      <p:sp>
-        <p:nvSpPr>
-          <p:cNvPr id="3" name="Content Placeholder 2">
-            <a:extLst>
-              <a:ext uri="{FF2B5EF4-FFF2-40B4-BE49-F238E27FC236}">
-                <a16:creationId xmlns:a16="http://schemas.microsoft.com/office/drawing/2014/main" id="{58EBA918-115F-41F5-BEE5-DF1363161E38}"/>
-              </a:ext>
-            </a:extLst>
-          </p:cNvPr>
-          <p:cNvSpPr>
-            <a:spLocks noGrp="1"/>
-          </p:cNvSpPr>
-          <p:nvPr>
-            <p:ph idx="1"/>
-          </p:nvPr>
-        </p:nvSpPr>
-        <p:spPr>
-          <a:xfrm>
-            <a:off x="838200" y="825624"/>
-            <a:ext cx="10515600" cy="5351340"/>
-          </a:xfrm>
-        </p:spPr>
-        <p:txBody>
-          <a:bodyPr>
-            <a:normAutofit fontScale="70000" lnSpcReduction="20000"/>
-          </a:bodyPr>
-          <a:lstStyle/>
-          <a:p>
-            <a:pPr marL="0" indent="0">
-              <a:buNone/>
-            </a:pPr>
-            <a:r>
-              <a:rPr lang="en-US" sz="4500" dirty="0"/>
-              <a:t>#Example:</a:t>
-            </a:r>
-          </a:p>
-          <a:p>
-            <a:pPr marL="0" indent="0">
-              <a:buNone/>
-            </a:pPr>
-            <a:r>
-              <a:rPr lang="en-US" dirty="0"/>
-              <a:t>result=None</a:t>
-            </a:r>
-          </a:p>
-          <a:p>
-            <a:pPr marL="0" indent="0">
-              <a:buNone/>
-            </a:pPr>
-            <a:r>
-              <a:rPr lang="en-US" dirty="0"/>
-              <a:t> a=float(input(“Number 1:”))</a:t>
-            </a:r>
-          </a:p>
-          <a:p>
-            <a:pPr marL="0" indent="0">
-              <a:buNone/>
-            </a:pPr>
-            <a:r>
-              <a:rPr lang="en-US" dirty="0"/>
-              <a:t> b=float(input(“Number 2:”))</a:t>
-            </a:r>
-          </a:p>
-          <a:p>
-            <a:pPr marL="0" indent="0">
-              <a:buNone/>
-            </a:pPr>
-            <a:r>
-              <a:rPr lang="en-US" dirty="0"/>
-              <a:t> </a:t>
-            </a:r>
-            <a:r>
-              <a:rPr lang="en-US" dirty="0">
-                <a:solidFill>
-                  <a:srgbClr val="FF0000"/>
-                </a:solidFill>
-              </a:rPr>
-              <a:t>try: </a:t>
-            </a:r>
-          </a:p>
-          <a:p>
-            <a:pPr marL="0" indent="0">
-              <a:buNone/>
-            </a:pPr>
-            <a:r>
-              <a:rPr lang="en-US" dirty="0">
-                <a:solidFill>
-                  <a:srgbClr val="FF0000"/>
-                </a:solidFill>
-              </a:rPr>
-              <a:t>   result=a/b</a:t>
-            </a:r>
-          </a:p>
-          <a:p>
-            <a:pPr marL="0" indent="0">
-              <a:buNone/>
-            </a:pPr>
-            <a:r>
-              <a:rPr lang="en-US" dirty="0">
-                <a:solidFill>
-                  <a:srgbClr val="FF0000"/>
-                </a:solidFill>
-              </a:rPr>
-              <a:t> except Exception as e:</a:t>
-            </a:r>
-          </a:p>
-          <a:p>
-            <a:pPr marL="0" indent="0">
-              <a:buNone/>
-            </a:pPr>
-            <a:r>
-              <a:rPr lang="en-US" dirty="0"/>
-              <a:t>   </a:t>
-            </a:r>
-            <a:r>
-              <a:rPr lang="en-US" dirty="0">
-                <a:solidFill>
-                  <a:srgbClr val="FF0000"/>
-                </a:solidFill>
-              </a:rPr>
-              <a:t>print(“Error=”,e) or print(“Error=“,type(e ))</a:t>
-            </a:r>
-          </a:p>
-          <a:p>
-            <a:pPr marL="0" indent="0">
-              <a:buNone/>
-            </a:pPr>
-            <a:r>
-              <a:rPr lang="en-US" dirty="0"/>
-              <a:t> print(“Result=“,result)</a:t>
-            </a:r>
-          </a:p>
-          <a:p>
-            <a:pPr marL="0" indent="0">
-              <a:buNone/>
-            </a:pPr>
-            <a:endParaRPr lang="en-US" dirty="0"/>
-          </a:p>
-          <a:p>
-            <a:pPr marL="0" indent="0">
-              <a:buNone/>
-            </a:pPr>
-            <a:r>
-              <a:rPr lang="en-US" dirty="0"/>
-              <a:t>#Output:</a:t>
-            </a:r>
-          </a:p>
-          <a:p>
-            <a:pPr marL="0" indent="0">
-              <a:buNone/>
-            </a:pPr>
-            <a:r>
-              <a:rPr lang="en-US" dirty="0"/>
-              <a:t> Number 1:10</a:t>
-            </a:r>
-          </a:p>
-          <a:p>
-            <a:pPr marL="0" indent="0">
-              <a:buNone/>
-            </a:pPr>
-            <a:r>
-              <a:rPr lang="en-US" dirty="0"/>
-              <a:t>Number 2:0</a:t>
-            </a:r>
-          </a:p>
-          <a:p>
-            <a:pPr marL="0" indent="0">
-              <a:buNone/>
-            </a:pPr>
-            <a:r>
-              <a:rPr lang="en-US" dirty="0"/>
-              <a:t> Error=float division by zero</a:t>
-            </a:r>
-          </a:p>
-          <a:p>
-            <a:pPr marL="0" indent="0">
-              <a:buNone/>
-            </a:pPr>
-            <a:r>
-              <a:rPr lang="en-US" dirty="0"/>
-              <a:t>Result=None</a:t>
-            </a:r>
-          </a:p>
-          <a:p>
-            <a:pPr marL="0" indent="0">
-              <a:buNone/>
-            </a:pPr>
-            <a:endParaRPr lang="en-IN" dirty="0"/>
-          </a:p>
-        </p:txBody>
-      </p:sp>
-    </p:spTree>
-    <p:extLst>
-      <p:ext uri="{BB962C8B-B14F-4D97-AF65-F5344CB8AC3E}">
-        <p14:creationId xmlns:p14="http://schemas.microsoft.com/office/powerpoint/2010/main" val="2874063554"/>
       </p:ext>
     </p:extLst>
   </p:cSld>
@@ -6471,6 +9134,239 @@
         </p:nvSpPr>
         <p:spPr>
           <a:xfrm>
+            <a:off x="1042386" y="753330"/>
+            <a:ext cx="10515600" cy="5351340"/>
+          </a:xfrm>
+        </p:spPr>
+        <p:txBody>
+          <a:bodyPr>
+            <a:normAutofit fontScale="70000" lnSpcReduction="20000"/>
+          </a:bodyPr>
+          <a:lstStyle/>
+          <a:p>
+            <a:pPr marL="0" indent="0">
+              <a:buNone/>
+            </a:pPr>
+            <a:r>
+              <a:rPr lang="en-US" sz="4500" dirty="0"/>
+              <a:t>#Example:</a:t>
+            </a:r>
+          </a:p>
+          <a:p>
+            <a:pPr marL="0" indent="0">
+              <a:buNone/>
+            </a:pPr>
+            <a:r>
+              <a:rPr lang="en-US" dirty="0"/>
+              <a:t>result=None</a:t>
+            </a:r>
+          </a:p>
+          <a:p>
+            <a:pPr marL="0" indent="0">
+              <a:buNone/>
+            </a:pPr>
+            <a:r>
+              <a:rPr lang="en-US" dirty="0"/>
+              <a:t> a=float(input(“Number 1:”))</a:t>
+            </a:r>
+          </a:p>
+          <a:p>
+            <a:pPr marL="0" indent="0">
+              <a:buNone/>
+            </a:pPr>
+            <a:r>
+              <a:rPr lang="en-US" dirty="0"/>
+              <a:t> b=float(input(“Number 2:”))</a:t>
+            </a:r>
+          </a:p>
+          <a:p>
+            <a:pPr marL="0" indent="0">
+              <a:buNone/>
+            </a:pPr>
+            <a:r>
+              <a:rPr lang="en-US" dirty="0"/>
+              <a:t> </a:t>
+            </a:r>
+            <a:r>
+              <a:rPr lang="en-US" dirty="0">
+                <a:solidFill>
+                  <a:srgbClr val="FF0000"/>
+                </a:solidFill>
+              </a:rPr>
+              <a:t>try: </a:t>
+            </a:r>
+          </a:p>
+          <a:p>
+            <a:pPr marL="0" indent="0">
+              <a:buNone/>
+            </a:pPr>
+            <a:r>
+              <a:rPr lang="en-US" dirty="0">
+                <a:solidFill>
+                  <a:srgbClr val="FF0000"/>
+                </a:solidFill>
+              </a:rPr>
+              <a:t>   result=a/b</a:t>
+            </a:r>
+          </a:p>
+          <a:p>
+            <a:pPr marL="0" indent="0">
+              <a:buNone/>
+            </a:pPr>
+            <a:r>
+              <a:rPr lang="en-US" dirty="0">
+                <a:solidFill>
+                  <a:srgbClr val="FF0000"/>
+                </a:solidFill>
+              </a:rPr>
+              <a:t> except Exception as e:</a:t>
+            </a:r>
+          </a:p>
+          <a:p>
+            <a:pPr marL="0" indent="0">
+              <a:buNone/>
+            </a:pPr>
+            <a:r>
+              <a:rPr lang="en-US" dirty="0"/>
+              <a:t>   </a:t>
+            </a:r>
+            <a:r>
+              <a:rPr lang="en-US" dirty="0">
+                <a:solidFill>
+                  <a:srgbClr val="FF0000"/>
+                </a:solidFill>
+              </a:rPr>
+              <a:t>print(“Error=”,e) or print(“Error=“,type(e ))</a:t>
+            </a:r>
+          </a:p>
+          <a:p>
+            <a:pPr marL="0" indent="0">
+              <a:buNone/>
+            </a:pPr>
+            <a:r>
+              <a:rPr lang="en-US" dirty="0"/>
+              <a:t> print(“Result=“,result)</a:t>
+            </a:r>
+          </a:p>
+          <a:p>
+            <a:pPr marL="0" indent="0">
+              <a:buNone/>
+            </a:pPr>
+            <a:endParaRPr lang="en-US" dirty="0"/>
+          </a:p>
+          <a:p>
+            <a:pPr marL="0" indent="0">
+              <a:buNone/>
+            </a:pPr>
+            <a:r>
+              <a:rPr lang="en-US" dirty="0"/>
+              <a:t>#</a:t>
+            </a:r>
+            <a:r>
+              <a:rPr lang="en-US" dirty="0">
+                <a:solidFill>
+                  <a:srgbClr val="FF0000"/>
+                </a:solidFill>
+              </a:rPr>
+              <a:t>Output</a:t>
+            </a:r>
+            <a:r>
+              <a:rPr lang="en-US" dirty="0"/>
+              <a:t>:</a:t>
+            </a:r>
+          </a:p>
+          <a:p>
+            <a:pPr marL="0" indent="0">
+              <a:buNone/>
+            </a:pPr>
+            <a:r>
+              <a:rPr lang="en-US" dirty="0"/>
+              <a:t> Number 1:10</a:t>
+            </a:r>
+          </a:p>
+          <a:p>
+            <a:pPr marL="0" indent="0">
+              <a:buNone/>
+            </a:pPr>
+            <a:r>
+              <a:rPr lang="en-US" dirty="0"/>
+              <a:t>Number 2:0</a:t>
+            </a:r>
+          </a:p>
+          <a:p>
+            <a:pPr marL="0" indent="0">
+              <a:buNone/>
+            </a:pPr>
+            <a:r>
+              <a:rPr lang="en-US" dirty="0"/>
+              <a:t> Error=float division by zero</a:t>
+            </a:r>
+          </a:p>
+          <a:p>
+            <a:pPr marL="0" indent="0">
+              <a:buNone/>
+            </a:pPr>
+            <a:r>
+              <a:rPr lang="en-US" dirty="0"/>
+              <a:t>Result=None</a:t>
+            </a:r>
+          </a:p>
+          <a:p>
+            <a:pPr marL="0" indent="0">
+              <a:buNone/>
+            </a:pPr>
+            <a:endParaRPr lang="en-IN" dirty="0"/>
+          </a:p>
+        </p:txBody>
+      </p:sp>
+    </p:spTree>
+    <p:extLst>
+      <p:ext uri="{BB962C8B-B14F-4D97-AF65-F5344CB8AC3E}">
+        <p14:creationId xmlns:p14="http://schemas.microsoft.com/office/powerpoint/2010/main" val="2874063554"/>
+      </p:ext>
+    </p:extLst>
+  </p:cSld>
+  <p:clrMapOvr>
+    <a:masterClrMapping/>
+  </p:clrMapOvr>
+</p:sld>
+</file>
+
+<file path=ppt/slides/slide7.xml><?xml version="1.0" encoding="utf-8"?>
+<p:sld xmlns:a="http://schemas.openxmlformats.org/drawingml/2006/main" xmlns:r="http://schemas.openxmlformats.org/officeDocument/2006/relationships" xmlns:p="http://schemas.openxmlformats.org/presentationml/2006/main">
+  <p:cSld>
+    <p:spTree>
+      <p:nvGrpSpPr>
+        <p:cNvPr id="1" name=""/>
+        <p:cNvGrpSpPr/>
+        <p:nvPr/>
+      </p:nvGrpSpPr>
+      <p:grpSpPr>
+        <a:xfrm>
+          <a:off x="0" y="0"/>
+          <a:ext cx="0" cy="0"/>
+          <a:chOff x="0" y="0"/>
+          <a:chExt cx="0" cy="0"/>
+        </a:xfrm>
+      </p:grpSpPr>
+      <p:sp>
+        <p:nvSpPr>
+          <p:cNvPr id="3" name="Content Placeholder 2">
+            <a:extLst>
+              <a:ext uri="{FF2B5EF4-FFF2-40B4-BE49-F238E27FC236}">
+                <a16:creationId xmlns:a16="http://schemas.microsoft.com/office/drawing/2014/main" id="{58EBA918-115F-41F5-BEE5-DF1363161E38}"/>
+              </a:ext>
+            </a:extLst>
+          </p:cNvPr>
+          <p:cNvSpPr>
+            <a:spLocks noGrp="1"/>
+          </p:cNvSpPr>
+          <p:nvPr>
+            <p:ph idx="1"/>
+          </p:nvPr>
+        </p:nvSpPr>
+        <p:spPr>
+          <a:xfrm>
             <a:off x="838200" y="825624"/>
             <a:ext cx="10515600" cy="5841506"/>
           </a:xfrm>
@@ -6736,7 +9632,7 @@
 </p:sld>
 </file>
 
-<file path=ppt/slides/slide7.xml><?xml version="1.0" encoding="utf-8"?>
+<file path=ppt/slides/slide8.xml><?xml version="1.0" encoding="utf-8"?>
 <p:sld xmlns:a="http://schemas.openxmlformats.org/drawingml/2006/main" xmlns:r="http://schemas.openxmlformats.org/officeDocument/2006/relationships" xmlns:p="http://schemas.openxmlformats.org/presentationml/2006/main">
   <p:cSld>
     <p:spTree>
@@ -7068,7 +9964,7 @@
 </p:sld>
 </file>
 
-<file path=ppt/slides/slide8.xml><?xml version="1.0" encoding="utf-8"?>
+<file path=ppt/slides/slide9.xml><?xml version="1.0" encoding="utf-8"?>
 <p:sld xmlns:a="http://schemas.openxmlformats.org/drawingml/2006/main" xmlns:r="http://schemas.openxmlformats.org/officeDocument/2006/relationships" xmlns:p="http://schemas.openxmlformats.org/presentationml/2006/main">
   <p:cSld>
     <p:spTree>
@@ -7143,8 +10039,8 @@
         </p:nvSpPr>
         <p:spPr>
           <a:xfrm>
-            <a:off x="838200" y="1313895"/>
-            <a:ext cx="10515600" cy="4863068"/>
+            <a:off x="509726" y="1136341"/>
+            <a:ext cx="3547369" cy="4863068"/>
           </a:xfrm>
         </p:spPr>
         <p:txBody>
@@ -7157,7 +10053,7 @@
               <a:buNone/>
             </a:pPr>
             <a:r>
-              <a:rPr lang="en-US" dirty="0"/>
+              <a:rPr lang="en-US" b="1" dirty="0"/>
               <a:t>#Example</a:t>
             </a:r>
           </a:p>
@@ -7167,15 +10063,19 @@
             </a:pPr>
             <a:r>
               <a:rPr lang="en-US" dirty="0"/>
-              <a:t> result=None</a:t>
-            </a:r>
-          </a:p>
-          <a:p>
-            <a:pPr marL="0" indent="0">
-              <a:buNone/>
-            </a:pPr>
-            <a:r>
-              <a:rPr lang="en-US" dirty="0"/>
+              <a:t> </a:t>
+            </a:r>
+            <a:r>
+              <a:rPr lang="en-US" sz="1600" dirty="0"/>
+              <a:t>result=None</a:t>
+            </a:r>
+          </a:p>
+          <a:p>
+            <a:pPr marL="0" indent="0">
+              <a:buNone/>
+            </a:pPr>
+            <a:r>
+              <a:rPr lang="en-US" sz="1600" dirty="0"/>
               <a:t> a=input(“Number 1:”)</a:t>
             </a:r>
           </a:p>
@@ -7184,7 +10084,7 @@
               <a:buNone/>
             </a:pPr>
             <a:r>
-              <a:rPr lang="en-US" dirty="0"/>
+              <a:rPr lang="en-US" sz="1600" dirty="0"/>
               <a:t> b=float(input(“Number 2:”))</a:t>
             </a:r>
           </a:p>
@@ -7193,11 +10093,11 @@
               <a:buNone/>
             </a:pPr>
             <a:r>
-              <a:rPr lang="en-US" dirty="0"/>
+              <a:rPr lang="en-US" sz="1600" dirty="0"/>
               <a:t> </a:t>
             </a:r>
             <a:r>
-              <a:rPr lang="en-US" dirty="0">
+              <a:rPr lang="en-US" sz="1600" dirty="0">
                 <a:solidFill>
                   <a:srgbClr val="FF0000"/>
                 </a:solidFill>
@@ -7210,7 +10110,7 @@
               <a:buNone/>
             </a:pPr>
             <a:r>
-              <a:rPr lang="en-US" dirty="0">
+              <a:rPr lang="en-US" sz="1600" dirty="0">
                 <a:solidFill>
                   <a:srgbClr val="FF0000"/>
                 </a:solidFill>
@@ -7223,11 +10123,29 @@
               <a:buNone/>
             </a:pPr>
             <a:r>
-              <a:rPr lang="en-US" b="1" dirty="0"/>
+              <a:rPr lang="en-US" sz="1600" dirty="0"/>
+              <a:t>#finally </a:t>
+            </a:r>
+            <a:r>
+              <a:rPr lang="en-US" sz="1600" dirty="0" err="1"/>
+              <a:t>stmt</a:t>
+            </a:r>
+            <a:r>
+              <a:rPr lang="en-US" sz="1600" dirty="0"/>
+              <a:t> guaranteed to be executed</a:t>
+            </a:r>
+            <a:endParaRPr lang="en-US" sz="1600" b="1" dirty="0"/>
+          </a:p>
+          <a:p>
+            <a:pPr marL="0" indent="0">
+              <a:buNone/>
+            </a:pPr>
+            <a:r>
+              <a:rPr lang="en-US" sz="1600" b="1" dirty="0"/>
               <a:t>finally</a:t>
             </a:r>
             <a:r>
-              <a:rPr lang="en-US" dirty="0"/>
+              <a:rPr lang="en-US" sz="1600" dirty="0"/>
               <a:t>:</a:t>
             </a:r>
           </a:p>
@@ -7236,24 +10154,16 @@
               <a:buNone/>
             </a:pPr>
             <a:r>
-              <a:rPr lang="en-US" dirty="0"/>
-              <a:t>    print(‘__finally__’) #finally </a:t>
-            </a:r>
-            <a:r>
-              <a:rPr lang="en-US" dirty="0" err="1"/>
-              <a:t>stmt</a:t>
-            </a:r>
-            <a:r>
-              <a:rPr lang="en-US" dirty="0"/>
-              <a:t> guaranteed to be executed</a:t>
-            </a:r>
-          </a:p>
-          <a:p>
-            <a:pPr marL="0" indent="0">
-              <a:buNone/>
-            </a:pPr>
-            <a:r>
-              <a:rPr lang="en-US" dirty="0"/>
+              <a:rPr lang="en-US" sz="1600" dirty="0"/>
+              <a:t>    print(‘__finally__’)</a:t>
+            </a:r>
+          </a:p>
+          <a:p>
+            <a:pPr marL="0" indent="0">
+              <a:buNone/>
+            </a:pPr>
+            <a:r>
+              <a:rPr lang="en-US" sz="1600" dirty="0"/>
               <a:t> print(“Result=“,result)</a:t>
             </a:r>
           </a:p>
@@ -7265,337 +10175,2725 @@
           </a:p>
         </p:txBody>
       </p:sp>
+      <p:sp>
+        <p:nvSpPr>
+          <p:cNvPr id="4" name="Rectangle 1">
+            <a:extLst>
+              <a:ext uri="{FF2B5EF4-FFF2-40B4-BE49-F238E27FC236}">
+                <a16:creationId xmlns:a16="http://schemas.microsoft.com/office/drawing/2014/main" id="{DBE3B10B-24A6-4480-B141-18C837ADAEE0}"/>
+              </a:ext>
+            </a:extLst>
+          </p:cNvPr>
+          <p:cNvSpPr>
+            <a:spLocks noChangeArrowheads="1"/>
+          </p:cNvSpPr>
+          <p:nvPr/>
+        </p:nvSpPr>
+        <p:spPr bwMode="auto">
+          <a:xfrm>
+            <a:off x="4725140" y="932156"/>
+            <a:ext cx="2184642" cy="3293209"/>
+          </a:xfrm>
+          <a:prstGeom prst="rect">
+            <a:avLst/>
+          </a:prstGeom>
+          <a:solidFill>
+            <a:srgbClr val="FFFFFF"/>
+          </a:solidFill>
+          <a:ln>
+            <a:noFill/>
+          </a:ln>
+          <a:effectLst/>
+          <a:extLst>
+            <a:ext uri="{91240B29-F687-4F45-9708-019B960494DF}">
+              <a14:hiddenLine xmlns:a14="http://schemas.microsoft.com/office/drawing/2010/main" w="9525">
+                <a:solidFill>
+                  <a:schemeClr val="tx1"/>
+                </a:solidFill>
+                <a:miter lim="800000"/>
+                <a:headEnd/>
+                <a:tailEnd/>
+              </a14:hiddenLine>
+            </a:ext>
+            <a:ext uri="{AF507438-7753-43E0-B8FC-AC1667EBCBE1}">
+              <a14:hiddenEffects xmlns:a14="http://schemas.microsoft.com/office/drawing/2010/main">
+                <a:effectLst>
+                  <a:outerShdw dist="35921" dir="2700000" algn="ctr" rotWithShape="0">
+                    <a:schemeClr val="bg2"/>
+                  </a:outerShdw>
+                </a:effectLst>
+              </a14:hiddenEffects>
+            </a:ext>
+          </a:extLst>
+        </p:spPr>
+        <p:txBody>
+          <a:bodyPr vert="horz" wrap="square" lIns="91440" tIns="45720" rIns="91440" bIns="45720" numCol="1" anchor="ctr" anchorCtr="0" compatLnSpc="1">
+            <a:prstTxWarp prst="textNoShape">
+              <a:avLst/>
+            </a:prstTxWarp>
+            <a:spAutoFit/>
+          </a:bodyPr>
+          <a:lstStyle/>
+          <a:p>
+            <a:pPr marL="0" marR="0" lvl="0" indent="0" algn="l" defTabSz="914400" rtl="0" eaLnBrk="0" fontAlgn="base" latinLnBrk="0" hangingPunct="0">
+              <a:lnSpc>
+                <a:spcPct val="100000"/>
+              </a:lnSpc>
+              <a:spcBef>
+                <a:spcPct val="0"/>
+              </a:spcBef>
+              <a:spcAft>
+                <a:spcPct val="0"/>
+              </a:spcAft>
+              <a:buClrTx/>
+              <a:buSzTx/>
+              <a:buFontTx/>
+              <a:buNone/>
+              <a:tabLst/>
+            </a:pPr>
+            <a:r>
+              <a:rPr kumimoji="0" lang="en-US" altLang="en-US" sz="1600" b="0" i="1" u="none" strike="noStrike" cap="none" normalizeH="0" baseline="0" dirty="0">
+                <a:ln>
+                  <a:noFill/>
+                </a:ln>
+                <a:solidFill>
+                  <a:srgbClr val="8C8C8C"/>
+                </a:solidFill>
+                <a:effectLst/>
+                <a:latin typeface="JetBrains Mono"/>
+              </a:rPr>
+              <a:t>#try,except,else,finally</a:t>
+            </a:r>
+            <a:br>
+              <a:rPr kumimoji="0" lang="en-US" altLang="en-US" sz="1600" b="0" i="1" u="none" strike="noStrike" cap="none" normalizeH="0" baseline="0" dirty="0">
+                <a:ln>
+                  <a:noFill/>
+                </a:ln>
+                <a:solidFill>
+                  <a:srgbClr val="8C8C8C"/>
+                </a:solidFill>
+                <a:effectLst/>
+                <a:latin typeface="JetBrains Mono"/>
+              </a:rPr>
+            </a:br>
+            <a:r>
+              <a:rPr kumimoji="0" lang="en-US" altLang="en-US" sz="1600" b="0" i="0" u="none" strike="noStrike" cap="none" normalizeH="0" baseline="0" dirty="0">
+                <a:ln>
+                  <a:noFill/>
+                </a:ln>
+                <a:solidFill>
+                  <a:srgbClr val="080808"/>
+                </a:solidFill>
+                <a:effectLst/>
+                <a:latin typeface="JetBrains Mono"/>
+              </a:rPr>
+              <a:t>f1=</a:t>
+            </a:r>
+            <a:r>
+              <a:rPr kumimoji="0" lang="en-US" altLang="en-US" sz="1600" b="0" i="0" u="none" strike="noStrike" cap="none" normalizeH="0" baseline="0" dirty="0">
+                <a:ln>
+                  <a:noFill/>
+                </a:ln>
+                <a:solidFill>
+                  <a:srgbClr val="000080"/>
+                </a:solidFill>
+                <a:effectLst/>
+                <a:latin typeface="JetBrains Mono"/>
+              </a:rPr>
+              <a:t>open</a:t>
+            </a:r>
+            <a:r>
+              <a:rPr kumimoji="0" lang="en-US" altLang="en-US" sz="1600" b="0" i="0" u="none" strike="noStrike" cap="none" normalizeH="0" baseline="0" dirty="0">
+                <a:ln>
+                  <a:noFill/>
+                </a:ln>
+                <a:solidFill>
+                  <a:srgbClr val="080808"/>
+                </a:solidFill>
+                <a:effectLst/>
+                <a:latin typeface="JetBrains Mono"/>
+              </a:rPr>
+              <a:t>(</a:t>
+            </a:r>
+            <a:r>
+              <a:rPr kumimoji="0" lang="en-US" altLang="en-US" sz="1600" b="1" i="0" u="none" strike="noStrike" cap="none" normalizeH="0" baseline="0" dirty="0">
+                <a:ln>
+                  <a:noFill/>
+                </a:ln>
+                <a:solidFill>
+                  <a:srgbClr val="008080"/>
+                </a:solidFill>
+                <a:effectLst/>
+                <a:latin typeface="JetBrains Mono"/>
+              </a:rPr>
+              <a:t>"Pari-ex.txt"</a:t>
+            </a:r>
+            <a:r>
+              <a:rPr kumimoji="0" lang="en-US" altLang="en-US" sz="1600" b="0" i="0" u="none" strike="noStrike" cap="none" normalizeH="0" baseline="0" dirty="0">
+                <a:ln>
+                  <a:noFill/>
+                </a:ln>
+                <a:solidFill>
+                  <a:srgbClr val="080808"/>
+                </a:solidFill>
+                <a:effectLst/>
+                <a:latin typeface="JetBrains Mono"/>
+              </a:rPr>
+              <a:t>)</a:t>
+            </a:r>
+            <a:br>
+              <a:rPr kumimoji="0" lang="en-US" altLang="en-US" sz="1600" b="0" i="0" u="none" strike="noStrike" cap="none" normalizeH="0" baseline="0" dirty="0">
+                <a:ln>
+                  <a:noFill/>
+                </a:ln>
+                <a:solidFill>
+                  <a:srgbClr val="080808"/>
+                </a:solidFill>
+                <a:effectLst/>
+                <a:latin typeface="JetBrains Mono"/>
+              </a:rPr>
+            </a:br>
+            <a:r>
+              <a:rPr kumimoji="0" lang="en-US" altLang="en-US" sz="1600" b="0" i="0" u="none" strike="noStrike" cap="none" normalizeH="0" baseline="0" dirty="0">
+                <a:ln>
+                  <a:noFill/>
+                </a:ln>
+                <a:solidFill>
+                  <a:srgbClr val="0033B3"/>
+                </a:solidFill>
+                <a:effectLst/>
+                <a:latin typeface="JetBrains Mono"/>
+              </a:rPr>
+              <a:t>try</a:t>
+            </a:r>
+            <a:r>
+              <a:rPr kumimoji="0" lang="en-US" altLang="en-US" sz="1600" b="0" i="0" u="none" strike="noStrike" cap="none" normalizeH="0" baseline="0" dirty="0">
+                <a:ln>
+                  <a:noFill/>
+                </a:ln>
+                <a:solidFill>
+                  <a:srgbClr val="080808"/>
+                </a:solidFill>
+                <a:effectLst/>
+                <a:latin typeface="JetBrains Mono"/>
+              </a:rPr>
+              <a:t>:</a:t>
+            </a:r>
+            <a:br>
+              <a:rPr kumimoji="0" lang="en-US" altLang="en-US" sz="1600" b="0" i="0" u="none" strike="noStrike" cap="none" normalizeH="0" baseline="0" dirty="0">
+                <a:ln>
+                  <a:noFill/>
+                </a:ln>
+                <a:solidFill>
+                  <a:srgbClr val="080808"/>
+                </a:solidFill>
+                <a:effectLst/>
+                <a:latin typeface="JetBrains Mono"/>
+              </a:rPr>
+            </a:br>
+            <a:r>
+              <a:rPr kumimoji="0" lang="en-US" altLang="en-US" sz="1600" b="0" i="0" u="none" strike="noStrike" cap="none" normalizeH="0" baseline="0" dirty="0">
+                <a:ln>
+                  <a:noFill/>
+                </a:ln>
+                <a:solidFill>
+                  <a:srgbClr val="080808"/>
+                </a:solidFill>
+                <a:effectLst/>
+                <a:latin typeface="JetBrains Mono"/>
+              </a:rPr>
+              <a:t>    f=</a:t>
+            </a:r>
+            <a:r>
+              <a:rPr kumimoji="0" lang="en-US" altLang="en-US" sz="1600" b="0" i="0" u="none" strike="noStrike" cap="none" normalizeH="0" baseline="0" dirty="0">
+                <a:ln>
+                  <a:noFill/>
+                </a:ln>
+                <a:solidFill>
+                  <a:srgbClr val="000080"/>
+                </a:solidFill>
+                <a:effectLst/>
+                <a:latin typeface="JetBrains Mono"/>
+              </a:rPr>
+              <a:t>open</a:t>
+            </a:r>
+            <a:r>
+              <a:rPr kumimoji="0" lang="en-US" altLang="en-US" sz="1600" b="0" i="0" u="none" strike="noStrike" cap="none" normalizeH="0" baseline="0" dirty="0">
+                <a:ln>
+                  <a:noFill/>
+                </a:ln>
+                <a:solidFill>
+                  <a:srgbClr val="080808"/>
+                </a:solidFill>
+                <a:effectLst/>
+                <a:latin typeface="JetBrains Mono"/>
+              </a:rPr>
+              <a:t>(</a:t>
+            </a:r>
+            <a:r>
+              <a:rPr kumimoji="0" lang="en-US" altLang="en-US" sz="1600" b="1" i="0" u="none" strike="noStrike" cap="none" normalizeH="0" baseline="0" dirty="0">
+                <a:ln>
+                  <a:noFill/>
+                </a:ln>
+                <a:solidFill>
+                  <a:srgbClr val="008080"/>
+                </a:solidFill>
+                <a:effectLst/>
+                <a:latin typeface="JetBrains Mono"/>
+              </a:rPr>
+              <a:t>"does.txt"</a:t>
+            </a:r>
+            <a:r>
+              <a:rPr kumimoji="0" lang="en-US" altLang="en-US" sz="1600" b="0" i="0" u="none" strike="noStrike" cap="none" normalizeH="0" baseline="0" dirty="0">
+                <a:ln>
+                  <a:noFill/>
+                </a:ln>
+                <a:solidFill>
+                  <a:srgbClr val="080808"/>
+                </a:solidFill>
+                <a:effectLst/>
+                <a:latin typeface="JetBrains Mono"/>
+              </a:rPr>
+              <a:t>)</a:t>
+            </a:r>
+            <a:br>
+              <a:rPr kumimoji="0" lang="en-US" altLang="en-US" sz="1600" b="0" i="0" u="none" strike="noStrike" cap="none" normalizeH="0" baseline="0" dirty="0">
+                <a:ln>
+                  <a:noFill/>
+                </a:ln>
+                <a:solidFill>
+                  <a:srgbClr val="080808"/>
+                </a:solidFill>
+                <a:effectLst/>
+                <a:latin typeface="JetBrains Mono"/>
+              </a:rPr>
+            </a:br>
+            <a:r>
+              <a:rPr kumimoji="0" lang="en-US" altLang="en-US" sz="1600" b="0" i="0" u="none" strike="noStrike" cap="none" normalizeH="0" baseline="0" dirty="0">
+                <a:ln>
+                  <a:noFill/>
+                </a:ln>
+                <a:solidFill>
+                  <a:srgbClr val="0033B3"/>
+                </a:solidFill>
+                <a:effectLst/>
+                <a:latin typeface="JetBrains Mono"/>
+              </a:rPr>
+              <a:t>except </a:t>
+            </a:r>
+            <a:r>
+              <a:rPr kumimoji="0" lang="en-US" altLang="en-US" sz="1600" b="0" i="0" u="none" strike="noStrike" cap="none" normalizeH="0" baseline="0" dirty="0">
+                <a:ln>
+                  <a:noFill/>
+                </a:ln>
+                <a:solidFill>
+                  <a:srgbClr val="000080"/>
+                </a:solidFill>
+                <a:effectLst/>
+                <a:latin typeface="JetBrains Mono"/>
+              </a:rPr>
+              <a:t>Exception </a:t>
+            </a:r>
+            <a:r>
+              <a:rPr kumimoji="0" lang="en-US" altLang="en-US" sz="1600" b="0" i="0" u="none" strike="noStrike" cap="none" normalizeH="0" baseline="0" dirty="0">
+                <a:ln>
+                  <a:noFill/>
+                </a:ln>
+                <a:solidFill>
+                  <a:srgbClr val="0033B3"/>
+                </a:solidFill>
+                <a:effectLst/>
+                <a:latin typeface="JetBrains Mono"/>
+              </a:rPr>
+              <a:t>as </a:t>
+            </a:r>
+            <a:r>
+              <a:rPr kumimoji="0" lang="en-US" altLang="en-US" sz="1600" b="0" i="0" u="none" strike="noStrike" cap="none" normalizeH="0" baseline="0" dirty="0">
+                <a:ln>
+                  <a:noFill/>
+                </a:ln>
+                <a:solidFill>
+                  <a:srgbClr val="080808"/>
+                </a:solidFill>
+                <a:effectLst/>
+                <a:latin typeface="JetBrains Mono"/>
+              </a:rPr>
+              <a:t>e:</a:t>
+            </a:r>
+            <a:br>
+              <a:rPr kumimoji="0" lang="en-US" altLang="en-US" sz="1600" b="0" i="0" u="none" strike="noStrike" cap="none" normalizeH="0" baseline="0" dirty="0">
+                <a:ln>
+                  <a:noFill/>
+                </a:ln>
+                <a:solidFill>
+                  <a:srgbClr val="080808"/>
+                </a:solidFill>
+                <a:effectLst/>
+                <a:latin typeface="JetBrains Mono"/>
+              </a:rPr>
+            </a:br>
+            <a:r>
+              <a:rPr kumimoji="0" lang="en-US" altLang="en-US" sz="1600" b="0" i="0" u="none" strike="noStrike" cap="none" normalizeH="0" baseline="0" dirty="0">
+                <a:ln>
+                  <a:noFill/>
+                </a:ln>
+                <a:solidFill>
+                  <a:srgbClr val="080808"/>
+                </a:solidFill>
+                <a:effectLst/>
+                <a:latin typeface="JetBrains Mono"/>
+              </a:rPr>
+              <a:t>    </a:t>
+            </a:r>
+            <a:r>
+              <a:rPr kumimoji="0" lang="en-US" altLang="en-US" sz="1600" b="0" i="0" u="none" strike="noStrike" cap="none" normalizeH="0" baseline="0" dirty="0">
+                <a:ln>
+                  <a:noFill/>
+                </a:ln>
+                <a:solidFill>
+                  <a:srgbClr val="000080"/>
+                </a:solidFill>
+                <a:effectLst/>
+                <a:latin typeface="JetBrains Mono"/>
+              </a:rPr>
+              <a:t>print</a:t>
+            </a:r>
+            <a:r>
+              <a:rPr kumimoji="0" lang="en-US" altLang="en-US" sz="1600" b="0" i="0" u="none" strike="noStrike" cap="none" normalizeH="0" baseline="0" dirty="0">
+                <a:ln>
+                  <a:noFill/>
+                </a:ln>
+                <a:solidFill>
+                  <a:srgbClr val="080808"/>
+                </a:solidFill>
+                <a:effectLst/>
+                <a:latin typeface="JetBrains Mono"/>
+              </a:rPr>
+              <a:t>(e)</a:t>
+            </a:r>
+            <a:br>
+              <a:rPr kumimoji="0" lang="en-US" altLang="en-US" sz="1600" b="0" i="0" u="none" strike="noStrike" cap="none" normalizeH="0" baseline="0" dirty="0">
+                <a:ln>
+                  <a:noFill/>
+                </a:ln>
+                <a:solidFill>
+                  <a:srgbClr val="080808"/>
+                </a:solidFill>
+                <a:effectLst/>
+                <a:latin typeface="JetBrains Mono"/>
+              </a:rPr>
+            </a:br>
+            <a:br>
+              <a:rPr kumimoji="0" lang="en-US" altLang="en-US" sz="1600" b="0" i="0" u="none" strike="noStrike" cap="none" normalizeH="0" baseline="0" dirty="0">
+                <a:ln>
+                  <a:noFill/>
+                </a:ln>
+                <a:solidFill>
+                  <a:srgbClr val="080808"/>
+                </a:solidFill>
+                <a:effectLst/>
+                <a:latin typeface="JetBrains Mono"/>
+              </a:rPr>
+            </a:br>
+            <a:r>
+              <a:rPr kumimoji="0" lang="en-US" altLang="en-US" sz="1600" b="0" i="0" u="none" strike="noStrike" cap="none" normalizeH="0" baseline="0" dirty="0">
+                <a:ln>
+                  <a:noFill/>
+                </a:ln>
+                <a:solidFill>
+                  <a:srgbClr val="0033B3"/>
+                </a:solidFill>
+                <a:effectLst/>
+                <a:latin typeface="JetBrains Mono"/>
+              </a:rPr>
+              <a:t>finally</a:t>
+            </a:r>
+            <a:r>
+              <a:rPr kumimoji="0" lang="en-US" altLang="en-US" sz="1600" b="0" i="0" u="none" strike="noStrike" cap="none" normalizeH="0" baseline="0" dirty="0">
+                <a:ln>
+                  <a:noFill/>
+                </a:ln>
+                <a:solidFill>
+                  <a:srgbClr val="080808"/>
+                </a:solidFill>
+                <a:effectLst/>
+                <a:latin typeface="JetBrains Mono"/>
+              </a:rPr>
+              <a:t>:</a:t>
+            </a:r>
+            <a:br>
+              <a:rPr kumimoji="0" lang="en-US" altLang="en-US" sz="1600" b="0" i="0" u="none" strike="noStrike" cap="none" normalizeH="0" baseline="0" dirty="0">
+                <a:ln>
+                  <a:noFill/>
+                </a:ln>
+                <a:solidFill>
+                  <a:srgbClr val="080808"/>
+                </a:solidFill>
+                <a:effectLst/>
+                <a:latin typeface="JetBrains Mono"/>
+              </a:rPr>
+            </a:br>
+            <a:r>
+              <a:rPr kumimoji="0" lang="en-US" altLang="en-US" sz="1600" b="0" i="0" u="none" strike="noStrike" cap="none" normalizeH="0" baseline="0" dirty="0">
+                <a:ln>
+                  <a:noFill/>
+                </a:ln>
+                <a:solidFill>
+                  <a:srgbClr val="080808"/>
+                </a:solidFill>
+                <a:effectLst/>
+                <a:latin typeface="JetBrains Mono"/>
+              </a:rPr>
+              <a:t>    </a:t>
+            </a:r>
+            <a:r>
+              <a:rPr kumimoji="0" lang="en-US" altLang="en-US" sz="1600" b="0" i="0" u="none" strike="noStrike" cap="none" normalizeH="0" baseline="0" dirty="0">
+                <a:ln>
+                  <a:noFill/>
+                </a:ln>
+                <a:solidFill>
+                  <a:srgbClr val="000080"/>
+                </a:solidFill>
+                <a:effectLst/>
+                <a:latin typeface="JetBrains Mono"/>
+              </a:rPr>
+              <a:t>print</a:t>
+            </a:r>
+            <a:r>
+              <a:rPr kumimoji="0" lang="en-US" altLang="en-US" sz="1600" b="0" i="0" u="none" strike="noStrike" cap="none" normalizeH="0" baseline="0" dirty="0">
+                <a:ln>
+                  <a:noFill/>
+                </a:ln>
+                <a:solidFill>
+                  <a:srgbClr val="080808"/>
+                </a:solidFill>
+                <a:effectLst/>
+                <a:latin typeface="JetBrains Mono"/>
+              </a:rPr>
+              <a:t>(</a:t>
+            </a:r>
+            <a:r>
+              <a:rPr kumimoji="0" lang="en-US" altLang="en-US" sz="1600" b="1" i="0" u="none" strike="noStrike" cap="none" normalizeH="0" baseline="0" dirty="0">
+                <a:ln>
+                  <a:noFill/>
+                </a:ln>
+                <a:solidFill>
+                  <a:srgbClr val="008080"/>
+                </a:solidFill>
+                <a:effectLst/>
+                <a:latin typeface="JetBrains Mono"/>
+              </a:rPr>
+              <a:t>"Run this anyway"</a:t>
+            </a:r>
+            <a:r>
+              <a:rPr kumimoji="0" lang="en-US" altLang="en-US" sz="1600" b="0" i="0" u="none" strike="noStrike" cap="none" normalizeH="0" baseline="0" dirty="0">
+                <a:ln>
+                  <a:noFill/>
+                </a:ln>
+                <a:solidFill>
+                  <a:srgbClr val="080808"/>
+                </a:solidFill>
+                <a:effectLst/>
+                <a:latin typeface="JetBrains Mono"/>
+              </a:rPr>
+              <a:t>)</a:t>
+            </a:r>
+            <a:br>
+              <a:rPr kumimoji="0" lang="en-US" altLang="en-US" sz="1600" b="0" i="0" u="none" strike="noStrike" cap="none" normalizeH="0" baseline="0" dirty="0">
+                <a:ln>
+                  <a:noFill/>
+                </a:ln>
+                <a:solidFill>
+                  <a:srgbClr val="080808"/>
+                </a:solidFill>
+                <a:effectLst/>
+                <a:latin typeface="JetBrains Mono"/>
+              </a:rPr>
+            </a:br>
+            <a:r>
+              <a:rPr kumimoji="0" lang="en-US" altLang="en-US" sz="1600" b="0" i="0" u="none" strike="noStrike" cap="none" normalizeH="0" baseline="0" dirty="0">
+                <a:ln>
+                  <a:noFill/>
+                </a:ln>
+                <a:solidFill>
+                  <a:srgbClr val="080808"/>
+                </a:solidFill>
+                <a:effectLst/>
+                <a:latin typeface="JetBrains Mono"/>
+              </a:rPr>
+              <a:t>    </a:t>
+            </a:r>
+            <a:r>
+              <a:rPr kumimoji="0" lang="en-US" altLang="en-US" sz="1600" b="0" i="1" u="none" strike="noStrike" cap="none" normalizeH="0" baseline="0" dirty="0">
+                <a:ln>
+                  <a:noFill/>
+                </a:ln>
+                <a:solidFill>
+                  <a:srgbClr val="8C8C8C"/>
+                </a:solidFill>
+                <a:effectLst/>
+                <a:latin typeface="JetBrains Mono"/>
+              </a:rPr>
+              <a:t># </a:t>
+            </a:r>
+            <a:r>
+              <a:rPr kumimoji="0" lang="en-US" altLang="en-US" sz="1600" b="0" i="1" u="none" strike="noStrike" cap="none" normalizeH="0" baseline="0" dirty="0" err="1">
+                <a:ln>
+                  <a:noFill/>
+                </a:ln>
+                <a:solidFill>
+                  <a:srgbClr val="8C8C8C"/>
+                </a:solidFill>
+                <a:effectLst/>
+                <a:latin typeface="JetBrains Mono"/>
+              </a:rPr>
+              <a:t>f.close</a:t>
+            </a:r>
+            <a:r>
+              <a:rPr kumimoji="0" lang="en-US" altLang="en-US" sz="1600" b="0" i="1" u="none" strike="noStrike" cap="none" normalizeH="0" baseline="0" dirty="0">
+                <a:ln>
+                  <a:noFill/>
+                </a:ln>
+                <a:solidFill>
+                  <a:srgbClr val="8C8C8C"/>
+                </a:solidFill>
+                <a:effectLst/>
+                <a:latin typeface="JetBrains Mono"/>
+              </a:rPr>
+              <a:t>()</a:t>
+            </a:r>
+            <a:br>
+              <a:rPr kumimoji="0" lang="en-US" altLang="en-US" sz="1600" b="0" i="1" u="none" strike="noStrike" cap="none" normalizeH="0" baseline="0" dirty="0">
+                <a:ln>
+                  <a:noFill/>
+                </a:ln>
+                <a:solidFill>
+                  <a:srgbClr val="8C8C8C"/>
+                </a:solidFill>
+                <a:effectLst/>
+                <a:latin typeface="JetBrains Mono"/>
+              </a:rPr>
+            </a:br>
+            <a:r>
+              <a:rPr kumimoji="0" lang="en-US" altLang="en-US" sz="1600" b="0" i="1" u="none" strike="noStrike" cap="none" normalizeH="0" baseline="0" dirty="0">
+                <a:ln>
+                  <a:noFill/>
+                </a:ln>
+                <a:solidFill>
+                  <a:srgbClr val="8C8C8C"/>
+                </a:solidFill>
+                <a:effectLst/>
+                <a:latin typeface="JetBrains Mono"/>
+              </a:rPr>
+              <a:t>    </a:t>
+            </a:r>
+            <a:r>
+              <a:rPr kumimoji="0" lang="en-US" altLang="en-US" sz="1600" b="0" i="0" u="none" strike="noStrike" cap="none" normalizeH="0" baseline="0" dirty="0">
+                <a:ln>
+                  <a:noFill/>
+                </a:ln>
+                <a:solidFill>
+                  <a:srgbClr val="080808"/>
+                </a:solidFill>
+                <a:effectLst/>
+                <a:latin typeface="JetBrains Mono"/>
+              </a:rPr>
+              <a:t>f1.close()</a:t>
+            </a:r>
+            <a:br>
+              <a:rPr kumimoji="0" lang="en-US" altLang="en-US" sz="1600" b="0" i="0" u="none" strike="noStrike" cap="none" normalizeH="0" baseline="0" dirty="0">
+                <a:ln>
+                  <a:noFill/>
+                </a:ln>
+                <a:solidFill>
+                  <a:srgbClr val="080808"/>
+                </a:solidFill>
+                <a:effectLst/>
+                <a:latin typeface="JetBrains Mono"/>
+              </a:rPr>
+            </a:br>
+            <a:r>
+              <a:rPr kumimoji="0" lang="en-US" altLang="en-US" sz="1600" b="0" i="0" u="none" strike="noStrike" cap="none" normalizeH="0" baseline="0" dirty="0">
+                <a:ln>
+                  <a:noFill/>
+                </a:ln>
+                <a:solidFill>
+                  <a:srgbClr val="000080"/>
+                </a:solidFill>
+                <a:effectLst/>
+                <a:latin typeface="JetBrains Mono"/>
+              </a:rPr>
+              <a:t>print</a:t>
+            </a:r>
+            <a:r>
+              <a:rPr kumimoji="0" lang="en-US" altLang="en-US" sz="1600" b="0" i="0" u="none" strike="noStrike" cap="none" normalizeH="0" baseline="0" dirty="0">
+                <a:ln>
+                  <a:noFill/>
+                </a:ln>
+                <a:solidFill>
+                  <a:srgbClr val="080808"/>
+                </a:solidFill>
+                <a:effectLst/>
+                <a:latin typeface="JetBrains Mono"/>
+              </a:rPr>
+              <a:t>(</a:t>
+            </a:r>
+            <a:r>
+              <a:rPr kumimoji="0" lang="en-US" altLang="en-US" sz="1600" b="1" i="0" u="none" strike="noStrike" cap="none" normalizeH="0" baseline="0" dirty="0">
+                <a:ln>
+                  <a:noFill/>
+                </a:ln>
+                <a:solidFill>
+                  <a:srgbClr val="008080"/>
+                </a:solidFill>
+                <a:effectLst/>
+                <a:latin typeface="JetBrains Mono"/>
+              </a:rPr>
+              <a:t>"Hello"</a:t>
+            </a:r>
+            <a:r>
+              <a:rPr kumimoji="0" lang="en-US" altLang="en-US" sz="1600" b="0" i="0" u="none" strike="noStrike" cap="none" normalizeH="0" baseline="0" dirty="0">
+                <a:ln>
+                  <a:noFill/>
+                </a:ln>
+                <a:solidFill>
+                  <a:srgbClr val="080808"/>
+                </a:solidFill>
+                <a:effectLst/>
+                <a:latin typeface="JetBrains Mono"/>
+              </a:rPr>
+              <a:t>)</a:t>
+            </a:r>
+            <a:endParaRPr kumimoji="0" lang="en-US" altLang="en-US" sz="1600" b="0" i="0" u="none" strike="noStrike" cap="none" normalizeH="0" baseline="0" dirty="0">
+              <a:ln>
+                <a:noFill/>
+              </a:ln>
+              <a:solidFill>
+                <a:schemeClr val="tx1"/>
+              </a:solidFill>
+              <a:effectLst/>
+              <a:latin typeface="Arial" panose="020B0604020202020204" pitchFamily="34" charset="0"/>
+            </a:endParaRPr>
+          </a:p>
+        </p:txBody>
+      </p:sp>
+      <p:cxnSp>
+        <p:nvCxnSpPr>
+          <p:cNvPr id="6" name="Straight Connector 5">
+            <a:extLst>
+              <a:ext uri="{FF2B5EF4-FFF2-40B4-BE49-F238E27FC236}">
+                <a16:creationId xmlns:a16="http://schemas.microsoft.com/office/drawing/2014/main" id="{8A15AE23-392F-45E0-9A59-90BB1BD9E13A}"/>
+              </a:ext>
+            </a:extLst>
+          </p:cNvPr>
+          <p:cNvCxnSpPr/>
+          <p:nvPr/>
+        </p:nvCxnSpPr>
+        <p:spPr>
+          <a:xfrm>
+            <a:off x="7510509" y="0"/>
+            <a:ext cx="0" cy="6747029"/>
+          </a:xfrm>
+          <a:prstGeom prst="line">
+            <a:avLst/>
+          </a:prstGeom>
+        </p:spPr>
+        <p:style>
+          <a:lnRef idx="1">
+            <a:schemeClr val="dk1"/>
+          </a:lnRef>
+          <a:fillRef idx="0">
+            <a:schemeClr val="dk1"/>
+          </a:fillRef>
+          <a:effectRef idx="0">
+            <a:schemeClr val="dk1"/>
+          </a:effectRef>
+          <a:fontRef idx="minor">
+            <a:schemeClr val="tx1"/>
+          </a:fontRef>
+        </p:style>
+      </p:cxnSp>
+      <p:cxnSp>
+        <p:nvCxnSpPr>
+          <p:cNvPr id="7" name="Straight Connector 6">
+            <a:extLst>
+              <a:ext uri="{FF2B5EF4-FFF2-40B4-BE49-F238E27FC236}">
+                <a16:creationId xmlns:a16="http://schemas.microsoft.com/office/drawing/2014/main" id="{774F2426-62A3-490D-A0D1-969C73342D27}"/>
+              </a:ext>
+            </a:extLst>
+          </p:cNvPr>
+          <p:cNvCxnSpPr/>
+          <p:nvPr/>
+        </p:nvCxnSpPr>
+        <p:spPr>
+          <a:xfrm>
+            <a:off x="4546847" y="110971"/>
+            <a:ext cx="0" cy="6747029"/>
+          </a:xfrm>
+          <a:prstGeom prst="line">
+            <a:avLst/>
+          </a:prstGeom>
+        </p:spPr>
+        <p:style>
+          <a:lnRef idx="1">
+            <a:schemeClr val="dk1"/>
+          </a:lnRef>
+          <a:fillRef idx="0">
+            <a:schemeClr val="dk1"/>
+          </a:fillRef>
+          <a:effectRef idx="0">
+            <a:schemeClr val="dk1"/>
+          </a:effectRef>
+          <a:fontRef idx="minor">
+            <a:schemeClr val="tx1"/>
+          </a:fontRef>
+        </p:style>
+      </p:cxnSp>
+      <p:sp>
+        <p:nvSpPr>
+          <p:cNvPr id="8" name="Rectangle 2">
+            <a:extLst>
+              <a:ext uri="{FF2B5EF4-FFF2-40B4-BE49-F238E27FC236}">
+                <a16:creationId xmlns:a16="http://schemas.microsoft.com/office/drawing/2014/main" id="{D8614852-3023-4DCB-AF8E-57B01DD1C721}"/>
+              </a:ext>
+            </a:extLst>
+          </p:cNvPr>
+          <p:cNvSpPr>
+            <a:spLocks noChangeArrowheads="1"/>
+          </p:cNvSpPr>
+          <p:nvPr/>
+        </p:nvSpPr>
+        <p:spPr bwMode="auto">
+          <a:xfrm>
+            <a:off x="7621844" y="79899"/>
+            <a:ext cx="4503198" cy="3293209"/>
+          </a:xfrm>
+          <a:prstGeom prst="rect">
+            <a:avLst/>
+          </a:prstGeom>
+          <a:solidFill>
+            <a:srgbClr val="FFFFFF"/>
+          </a:solidFill>
+          <a:ln>
+            <a:noFill/>
+          </a:ln>
+          <a:effectLst/>
+          <a:extLst>
+            <a:ext uri="{91240B29-F687-4F45-9708-019B960494DF}">
+              <a14:hiddenLine xmlns:a14="http://schemas.microsoft.com/office/drawing/2010/main" w="9525">
+                <a:solidFill>
+                  <a:schemeClr val="tx1"/>
+                </a:solidFill>
+                <a:miter lim="800000"/>
+                <a:headEnd/>
+                <a:tailEnd/>
+              </a14:hiddenLine>
+            </a:ext>
+            <a:ext uri="{AF507438-7753-43E0-B8FC-AC1667EBCBE1}">
+              <a14:hiddenEffects xmlns:a14="http://schemas.microsoft.com/office/drawing/2010/main">
+                <a:effectLst>
+                  <a:outerShdw dist="35921" dir="2700000" algn="ctr" rotWithShape="0">
+                    <a:schemeClr val="bg2"/>
+                  </a:outerShdw>
+                </a:effectLst>
+              </a14:hiddenEffects>
+            </a:ext>
+          </a:extLst>
+        </p:spPr>
+        <p:txBody>
+          <a:bodyPr vert="horz" wrap="square" lIns="91440" tIns="45720" rIns="91440" bIns="45720" numCol="1" anchor="ctr" anchorCtr="0" compatLnSpc="1">
+            <a:prstTxWarp prst="textNoShape">
+              <a:avLst/>
+            </a:prstTxWarp>
+            <a:spAutoFit/>
+          </a:bodyPr>
+          <a:lstStyle/>
+          <a:p>
+            <a:pPr marL="0" marR="0" lvl="0" indent="0" algn="l" defTabSz="914400" rtl="0" eaLnBrk="0" fontAlgn="base" latinLnBrk="0" hangingPunct="0">
+              <a:lnSpc>
+                <a:spcPct val="100000"/>
+              </a:lnSpc>
+              <a:spcBef>
+                <a:spcPct val="0"/>
+              </a:spcBef>
+              <a:spcAft>
+                <a:spcPct val="0"/>
+              </a:spcAft>
+              <a:buClrTx/>
+              <a:buSzTx/>
+              <a:buFontTx/>
+              <a:buNone/>
+              <a:tabLst/>
+            </a:pPr>
+            <a:r>
+              <a:rPr kumimoji="0" lang="en-US" altLang="en-US" sz="1600" b="0" i="1" u="none" strike="noStrike" cap="none" normalizeH="0" baseline="0" dirty="0">
+                <a:ln>
+                  <a:noFill/>
+                </a:ln>
+                <a:solidFill>
+                  <a:srgbClr val="8C8C8C"/>
+                </a:solidFill>
+                <a:effectLst/>
+                <a:latin typeface="JetBrains Mono"/>
+              </a:rPr>
+              <a:t>#try,except,else,finally</a:t>
+            </a:r>
+            <a:br>
+              <a:rPr kumimoji="0" lang="en-US" altLang="en-US" sz="1600" b="0" i="1" u="none" strike="noStrike" cap="none" normalizeH="0" baseline="0" dirty="0">
+                <a:ln>
+                  <a:noFill/>
+                </a:ln>
+                <a:solidFill>
+                  <a:srgbClr val="8C8C8C"/>
+                </a:solidFill>
+                <a:effectLst/>
+                <a:latin typeface="JetBrains Mono"/>
+              </a:rPr>
+            </a:br>
+            <a:r>
+              <a:rPr kumimoji="0" lang="en-US" altLang="en-US" sz="1600" b="0" i="0" u="none" strike="noStrike" cap="none" normalizeH="0" baseline="0" dirty="0">
+                <a:ln>
+                  <a:noFill/>
+                </a:ln>
+                <a:solidFill>
+                  <a:srgbClr val="080808"/>
+                </a:solidFill>
+                <a:effectLst/>
+                <a:latin typeface="JetBrains Mono"/>
+              </a:rPr>
+              <a:t>f1=</a:t>
+            </a:r>
+            <a:r>
+              <a:rPr kumimoji="0" lang="en-US" altLang="en-US" sz="1600" b="0" i="0" u="none" strike="noStrike" cap="none" normalizeH="0" baseline="0" dirty="0">
+                <a:ln>
+                  <a:noFill/>
+                </a:ln>
+                <a:solidFill>
+                  <a:srgbClr val="000080"/>
+                </a:solidFill>
+                <a:effectLst/>
+                <a:latin typeface="JetBrains Mono"/>
+              </a:rPr>
+              <a:t>open</a:t>
+            </a:r>
+            <a:r>
+              <a:rPr kumimoji="0" lang="en-US" altLang="en-US" sz="1600" b="0" i="0" u="none" strike="noStrike" cap="none" normalizeH="0" baseline="0" dirty="0">
+                <a:ln>
+                  <a:noFill/>
+                </a:ln>
+                <a:solidFill>
+                  <a:srgbClr val="080808"/>
+                </a:solidFill>
+                <a:effectLst/>
+                <a:latin typeface="JetBrains Mono"/>
+              </a:rPr>
+              <a:t>(</a:t>
+            </a:r>
+            <a:r>
+              <a:rPr kumimoji="0" lang="en-US" altLang="en-US" sz="1600" b="1" i="0" u="none" strike="noStrike" cap="none" normalizeH="0" baseline="0" dirty="0">
+                <a:ln>
+                  <a:noFill/>
+                </a:ln>
+                <a:solidFill>
+                  <a:srgbClr val="008080"/>
+                </a:solidFill>
+                <a:effectLst/>
+                <a:latin typeface="JetBrains Mono"/>
+              </a:rPr>
+              <a:t>"Pari-ex.txt"</a:t>
+            </a:r>
+            <a:r>
+              <a:rPr kumimoji="0" lang="en-US" altLang="en-US" sz="1600" b="0" i="0" u="none" strike="noStrike" cap="none" normalizeH="0" baseline="0" dirty="0">
+                <a:ln>
+                  <a:noFill/>
+                </a:ln>
+                <a:solidFill>
+                  <a:srgbClr val="080808"/>
+                </a:solidFill>
+                <a:effectLst/>
+                <a:latin typeface="JetBrains Mono"/>
+              </a:rPr>
+              <a:t>)</a:t>
+            </a:r>
+            <a:br>
+              <a:rPr kumimoji="0" lang="en-US" altLang="en-US" sz="1600" b="0" i="0" u="none" strike="noStrike" cap="none" normalizeH="0" baseline="0" dirty="0">
+                <a:ln>
+                  <a:noFill/>
+                </a:ln>
+                <a:solidFill>
+                  <a:srgbClr val="080808"/>
+                </a:solidFill>
+                <a:effectLst/>
+                <a:latin typeface="JetBrains Mono"/>
+              </a:rPr>
+            </a:br>
+            <a:r>
+              <a:rPr kumimoji="0" lang="en-US" altLang="en-US" sz="1600" b="0" i="0" u="none" strike="noStrike" cap="none" normalizeH="0" baseline="0" dirty="0">
+                <a:ln>
+                  <a:noFill/>
+                </a:ln>
+                <a:solidFill>
+                  <a:srgbClr val="0033B3"/>
+                </a:solidFill>
+                <a:effectLst/>
+                <a:latin typeface="JetBrains Mono"/>
+              </a:rPr>
+              <a:t>try</a:t>
+            </a:r>
+            <a:r>
+              <a:rPr kumimoji="0" lang="en-US" altLang="en-US" sz="1600" b="0" i="0" u="none" strike="noStrike" cap="none" normalizeH="0" baseline="0" dirty="0">
+                <a:ln>
+                  <a:noFill/>
+                </a:ln>
+                <a:solidFill>
+                  <a:srgbClr val="080808"/>
+                </a:solidFill>
+                <a:effectLst/>
+                <a:latin typeface="JetBrains Mono"/>
+              </a:rPr>
+              <a:t>:</a:t>
+            </a:r>
+            <a:br>
+              <a:rPr kumimoji="0" lang="en-US" altLang="en-US" sz="1600" b="0" i="0" u="none" strike="noStrike" cap="none" normalizeH="0" baseline="0" dirty="0">
+                <a:ln>
+                  <a:noFill/>
+                </a:ln>
+                <a:solidFill>
+                  <a:srgbClr val="080808"/>
+                </a:solidFill>
+                <a:effectLst/>
+                <a:latin typeface="JetBrains Mono"/>
+              </a:rPr>
+            </a:br>
+            <a:r>
+              <a:rPr kumimoji="0" lang="en-US" altLang="en-US" sz="1600" b="0" i="0" u="none" strike="noStrike" cap="none" normalizeH="0" baseline="0" dirty="0">
+                <a:ln>
+                  <a:noFill/>
+                </a:ln>
+                <a:solidFill>
+                  <a:srgbClr val="080808"/>
+                </a:solidFill>
+                <a:effectLst/>
+                <a:latin typeface="JetBrains Mono"/>
+              </a:rPr>
+              <a:t>    f=</a:t>
+            </a:r>
+            <a:r>
+              <a:rPr kumimoji="0" lang="en-US" altLang="en-US" sz="1600" b="0" i="0" u="none" strike="noStrike" cap="none" normalizeH="0" baseline="0" dirty="0">
+                <a:ln>
+                  <a:noFill/>
+                </a:ln>
+                <a:solidFill>
+                  <a:srgbClr val="000080"/>
+                </a:solidFill>
+                <a:effectLst/>
+                <a:latin typeface="JetBrains Mono"/>
+              </a:rPr>
+              <a:t>open</a:t>
+            </a:r>
+            <a:r>
+              <a:rPr kumimoji="0" lang="en-US" altLang="en-US" sz="1600" b="0" i="0" u="none" strike="noStrike" cap="none" normalizeH="0" baseline="0" dirty="0">
+                <a:ln>
+                  <a:noFill/>
+                </a:ln>
+                <a:solidFill>
+                  <a:srgbClr val="080808"/>
+                </a:solidFill>
+                <a:effectLst/>
+                <a:latin typeface="JetBrains Mono"/>
+              </a:rPr>
+              <a:t>(</a:t>
+            </a:r>
+            <a:r>
+              <a:rPr kumimoji="0" lang="en-US" altLang="en-US" sz="1600" b="1" i="0" u="none" strike="noStrike" cap="none" normalizeH="0" baseline="0" dirty="0">
+                <a:ln>
+                  <a:noFill/>
+                </a:ln>
+                <a:solidFill>
+                  <a:srgbClr val="008080"/>
+                </a:solidFill>
+                <a:effectLst/>
+                <a:latin typeface="JetBrains Mono"/>
+              </a:rPr>
+              <a:t>"Pari-food.txt"</a:t>
+            </a:r>
+            <a:r>
+              <a:rPr kumimoji="0" lang="en-US" altLang="en-US" sz="1600" b="0" i="0" u="none" strike="noStrike" cap="none" normalizeH="0" baseline="0" dirty="0">
+                <a:ln>
+                  <a:noFill/>
+                </a:ln>
+                <a:solidFill>
+                  <a:srgbClr val="080808"/>
+                </a:solidFill>
+                <a:effectLst/>
+                <a:latin typeface="JetBrains Mono"/>
+              </a:rPr>
+              <a:t>)</a:t>
+            </a:r>
+            <a:br>
+              <a:rPr kumimoji="0" lang="en-US" altLang="en-US" sz="1600" b="0" i="0" u="none" strike="noStrike" cap="none" normalizeH="0" baseline="0" dirty="0">
+                <a:ln>
+                  <a:noFill/>
+                </a:ln>
+                <a:solidFill>
+                  <a:srgbClr val="080808"/>
+                </a:solidFill>
+                <a:effectLst/>
+                <a:latin typeface="JetBrains Mono"/>
+              </a:rPr>
+            </a:br>
+            <a:r>
+              <a:rPr kumimoji="0" lang="en-US" altLang="en-US" sz="1600" b="0" i="0" u="none" strike="noStrike" cap="none" normalizeH="0" baseline="0" dirty="0">
+                <a:ln>
+                  <a:noFill/>
+                </a:ln>
+                <a:solidFill>
+                  <a:srgbClr val="0033B3"/>
+                </a:solidFill>
+                <a:effectLst/>
+                <a:latin typeface="JetBrains Mono"/>
+              </a:rPr>
+              <a:t>except </a:t>
+            </a:r>
+            <a:r>
+              <a:rPr kumimoji="0" lang="en-US" altLang="en-US" sz="1600" b="0" i="0" u="none" strike="noStrike" cap="none" normalizeH="0" baseline="0" dirty="0">
+                <a:ln>
+                  <a:noFill/>
+                </a:ln>
+                <a:solidFill>
+                  <a:srgbClr val="000080"/>
+                </a:solidFill>
+                <a:effectLst/>
+                <a:latin typeface="JetBrains Mono"/>
+              </a:rPr>
+              <a:t>Exception </a:t>
+            </a:r>
+            <a:r>
+              <a:rPr kumimoji="0" lang="en-US" altLang="en-US" sz="1600" b="0" i="0" u="none" strike="noStrike" cap="none" normalizeH="0" baseline="0" dirty="0">
+                <a:ln>
+                  <a:noFill/>
+                </a:ln>
+                <a:solidFill>
+                  <a:srgbClr val="0033B3"/>
+                </a:solidFill>
+                <a:effectLst/>
+                <a:latin typeface="JetBrains Mono"/>
+              </a:rPr>
+              <a:t>as </a:t>
+            </a:r>
+            <a:r>
+              <a:rPr kumimoji="0" lang="en-US" altLang="en-US" sz="1600" b="0" i="0" u="none" strike="noStrike" cap="none" normalizeH="0" baseline="0" dirty="0">
+                <a:ln>
+                  <a:noFill/>
+                </a:ln>
+                <a:solidFill>
+                  <a:srgbClr val="080808"/>
+                </a:solidFill>
+                <a:effectLst/>
+                <a:latin typeface="JetBrains Mono"/>
+              </a:rPr>
+              <a:t>e:</a:t>
+            </a:r>
+            <a:br>
+              <a:rPr kumimoji="0" lang="en-US" altLang="en-US" sz="1600" b="0" i="0" u="none" strike="noStrike" cap="none" normalizeH="0" baseline="0" dirty="0">
+                <a:ln>
+                  <a:noFill/>
+                </a:ln>
+                <a:solidFill>
+                  <a:srgbClr val="080808"/>
+                </a:solidFill>
+                <a:effectLst/>
+                <a:latin typeface="JetBrains Mono"/>
+              </a:rPr>
+            </a:br>
+            <a:r>
+              <a:rPr kumimoji="0" lang="en-US" altLang="en-US" sz="1600" b="0" i="0" u="none" strike="noStrike" cap="none" normalizeH="0" baseline="0" dirty="0">
+                <a:ln>
+                  <a:noFill/>
+                </a:ln>
+                <a:solidFill>
+                  <a:srgbClr val="080808"/>
+                </a:solidFill>
+                <a:effectLst/>
+                <a:latin typeface="JetBrains Mono"/>
+              </a:rPr>
+              <a:t>    </a:t>
+            </a:r>
+            <a:r>
+              <a:rPr kumimoji="0" lang="en-US" altLang="en-US" sz="1600" b="0" i="0" u="none" strike="noStrike" cap="none" normalizeH="0" baseline="0" dirty="0">
+                <a:ln>
+                  <a:noFill/>
+                </a:ln>
+                <a:solidFill>
+                  <a:srgbClr val="000080"/>
+                </a:solidFill>
+                <a:effectLst/>
+                <a:latin typeface="JetBrains Mono"/>
+              </a:rPr>
+              <a:t>print</a:t>
+            </a:r>
+            <a:r>
+              <a:rPr kumimoji="0" lang="en-US" altLang="en-US" sz="1600" b="0" i="0" u="none" strike="noStrike" cap="none" normalizeH="0" baseline="0" dirty="0">
+                <a:ln>
+                  <a:noFill/>
+                </a:ln>
+                <a:solidFill>
+                  <a:srgbClr val="080808"/>
+                </a:solidFill>
+                <a:effectLst/>
+                <a:latin typeface="JetBrains Mono"/>
+              </a:rPr>
+              <a:t>(e)</a:t>
+            </a:r>
+            <a:br>
+              <a:rPr kumimoji="0" lang="en-US" altLang="en-US" sz="1600" b="0" i="0" u="none" strike="noStrike" cap="none" normalizeH="0" baseline="0" dirty="0">
+                <a:ln>
+                  <a:noFill/>
+                </a:ln>
+                <a:solidFill>
+                  <a:srgbClr val="080808"/>
+                </a:solidFill>
+                <a:effectLst/>
+                <a:latin typeface="JetBrains Mono"/>
+              </a:rPr>
+            </a:br>
+            <a:r>
+              <a:rPr kumimoji="0" lang="en-US" altLang="en-US" sz="1600" b="0" i="0" u="none" strike="noStrike" cap="none" normalizeH="0" baseline="0" dirty="0">
+                <a:ln>
+                  <a:noFill/>
+                </a:ln>
+                <a:solidFill>
+                  <a:srgbClr val="0033B3"/>
+                </a:solidFill>
+                <a:effectLst/>
+                <a:latin typeface="JetBrains Mono"/>
+              </a:rPr>
+              <a:t>else</a:t>
+            </a:r>
+            <a:r>
+              <a:rPr kumimoji="0" lang="en-US" altLang="en-US" sz="1600" b="0" i="0" u="none" strike="noStrike" cap="none" normalizeH="0" baseline="0" dirty="0">
+                <a:ln>
+                  <a:noFill/>
+                </a:ln>
+                <a:solidFill>
+                  <a:srgbClr val="080808"/>
+                </a:solidFill>
+                <a:effectLst/>
+                <a:latin typeface="JetBrains Mono"/>
+              </a:rPr>
+              <a:t>:</a:t>
+            </a:r>
+            <a:br>
+              <a:rPr kumimoji="0" lang="en-US" altLang="en-US" sz="1600" b="0" i="0" u="none" strike="noStrike" cap="none" normalizeH="0" baseline="0" dirty="0">
+                <a:ln>
+                  <a:noFill/>
+                </a:ln>
+                <a:solidFill>
+                  <a:srgbClr val="080808"/>
+                </a:solidFill>
+                <a:effectLst/>
+                <a:latin typeface="JetBrains Mono"/>
+              </a:rPr>
+            </a:br>
+            <a:r>
+              <a:rPr kumimoji="0" lang="en-US" altLang="en-US" sz="1600" b="0" i="0" u="none" strike="noStrike" cap="none" normalizeH="0" baseline="0" dirty="0">
+                <a:ln>
+                  <a:noFill/>
+                </a:ln>
+                <a:solidFill>
+                  <a:srgbClr val="080808"/>
+                </a:solidFill>
+                <a:effectLst/>
+                <a:latin typeface="JetBrains Mono"/>
+              </a:rPr>
+              <a:t>    </a:t>
+            </a:r>
+            <a:r>
+              <a:rPr kumimoji="0" lang="en-US" altLang="en-US" sz="1600" b="0" i="0" u="none" strike="noStrike" cap="none" normalizeH="0" baseline="0" dirty="0">
+                <a:ln>
+                  <a:noFill/>
+                </a:ln>
+                <a:solidFill>
+                  <a:srgbClr val="000080"/>
+                </a:solidFill>
+                <a:effectLst/>
+                <a:latin typeface="JetBrains Mono"/>
+              </a:rPr>
+              <a:t>print</a:t>
+            </a:r>
+            <a:r>
+              <a:rPr kumimoji="0" lang="en-US" altLang="en-US" sz="1600" b="0" i="0" u="none" strike="noStrike" cap="none" normalizeH="0" baseline="0" dirty="0">
+                <a:ln>
+                  <a:noFill/>
+                </a:ln>
+                <a:solidFill>
+                  <a:srgbClr val="080808"/>
+                </a:solidFill>
+                <a:effectLst/>
+                <a:latin typeface="JetBrains Mono"/>
+              </a:rPr>
+              <a:t>(</a:t>
+            </a:r>
+            <a:r>
+              <a:rPr kumimoji="0" lang="en-US" altLang="en-US" sz="1600" b="1" i="0" u="none" strike="noStrike" cap="none" normalizeH="0" baseline="0" dirty="0">
+                <a:ln>
+                  <a:noFill/>
+                </a:ln>
+                <a:solidFill>
+                  <a:srgbClr val="008080"/>
+                </a:solidFill>
+                <a:effectLst/>
+                <a:latin typeface="JetBrains Mono"/>
+              </a:rPr>
+              <a:t>"This will run only if except is not running"</a:t>
+            </a:r>
+            <a:r>
+              <a:rPr kumimoji="0" lang="en-US" altLang="en-US" sz="1600" b="0" i="0" u="none" strike="noStrike" cap="none" normalizeH="0" baseline="0" dirty="0">
+                <a:ln>
+                  <a:noFill/>
+                </a:ln>
+                <a:solidFill>
+                  <a:srgbClr val="080808"/>
+                </a:solidFill>
+                <a:effectLst/>
+                <a:latin typeface="JetBrains Mono"/>
+              </a:rPr>
+              <a:t>)</a:t>
+            </a:r>
+            <a:br>
+              <a:rPr kumimoji="0" lang="en-US" altLang="en-US" sz="1600" b="0" i="0" u="none" strike="noStrike" cap="none" normalizeH="0" baseline="0" dirty="0">
+                <a:ln>
+                  <a:noFill/>
+                </a:ln>
+                <a:solidFill>
+                  <a:srgbClr val="080808"/>
+                </a:solidFill>
+                <a:effectLst/>
+                <a:latin typeface="JetBrains Mono"/>
+              </a:rPr>
+            </a:br>
+            <a:r>
+              <a:rPr kumimoji="0" lang="en-US" altLang="en-US" sz="1600" b="0" i="0" u="none" strike="noStrike" cap="none" normalizeH="0" baseline="0" dirty="0">
+                <a:ln>
+                  <a:noFill/>
+                </a:ln>
+                <a:solidFill>
+                  <a:srgbClr val="0033B3"/>
+                </a:solidFill>
+                <a:effectLst/>
+                <a:latin typeface="JetBrains Mono"/>
+              </a:rPr>
+              <a:t>finally</a:t>
+            </a:r>
+            <a:r>
+              <a:rPr kumimoji="0" lang="en-US" altLang="en-US" sz="1600" b="0" i="0" u="none" strike="noStrike" cap="none" normalizeH="0" baseline="0" dirty="0">
+                <a:ln>
+                  <a:noFill/>
+                </a:ln>
+                <a:solidFill>
+                  <a:srgbClr val="080808"/>
+                </a:solidFill>
+                <a:effectLst/>
+                <a:latin typeface="JetBrains Mono"/>
+              </a:rPr>
+              <a:t>:</a:t>
+            </a:r>
+            <a:br>
+              <a:rPr kumimoji="0" lang="en-US" altLang="en-US" sz="1600" b="0" i="0" u="none" strike="noStrike" cap="none" normalizeH="0" baseline="0" dirty="0">
+                <a:ln>
+                  <a:noFill/>
+                </a:ln>
+                <a:solidFill>
+                  <a:srgbClr val="080808"/>
+                </a:solidFill>
+                <a:effectLst/>
+                <a:latin typeface="JetBrains Mono"/>
+              </a:rPr>
+            </a:br>
+            <a:r>
+              <a:rPr kumimoji="0" lang="en-US" altLang="en-US" sz="1600" b="0" i="0" u="none" strike="noStrike" cap="none" normalizeH="0" baseline="0" dirty="0">
+                <a:ln>
+                  <a:noFill/>
+                </a:ln>
+                <a:solidFill>
+                  <a:srgbClr val="080808"/>
+                </a:solidFill>
+                <a:effectLst/>
+                <a:latin typeface="JetBrains Mono"/>
+              </a:rPr>
+              <a:t>    </a:t>
+            </a:r>
+            <a:r>
+              <a:rPr kumimoji="0" lang="en-US" altLang="en-US" sz="1600" b="0" i="0" u="none" strike="noStrike" cap="none" normalizeH="0" baseline="0" dirty="0">
+                <a:ln>
+                  <a:noFill/>
+                </a:ln>
+                <a:solidFill>
+                  <a:srgbClr val="000080"/>
+                </a:solidFill>
+                <a:effectLst/>
+                <a:latin typeface="JetBrains Mono"/>
+              </a:rPr>
+              <a:t>print</a:t>
+            </a:r>
+            <a:r>
+              <a:rPr kumimoji="0" lang="en-US" altLang="en-US" sz="1600" b="0" i="0" u="none" strike="noStrike" cap="none" normalizeH="0" baseline="0" dirty="0">
+                <a:ln>
+                  <a:noFill/>
+                </a:ln>
+                <a:solidFill>
+                  <a:srgbClr val="080808"/>
+                </a:solidFill>
+                <a:effectLst/>
+                <a:latin typeface="JetBrains Mono"/>
+              </a:rPr>
+              <a:t>(</a:t>
+            </a:r>
+            <a:r>
+              <a:rPr kumimoji="0" lang="en-US" altLang="en-US" sz="1600" b="1" i="0" u="none" strike="noStrike" cap="none" normalizeH="0" baseline="0" dirty="0">
+                <a:ln>
+                  <a:noFill/>
+                </a:ln>
+                <a:solidFill>
+                  <a:srgbClr val="008080"/>
+                </a:solidFill>
+                <a:effectLst/>
+                <a:latin typeface="JetBrains Mono"/>
+              </a:rPr>
+              <a:t>"Run this anyway"</a:t>
+            </a:r>
+            <a:r>
+              <a:rPr kumimoji="0" lang="en-US" altLang="en-US" sz="1600" b="0" i="0" u="none" strike="noStrike" cap="none" normalizeH="0" baseline="0" dirty="0">
+                <a:ln>
+                  <a:noFill/>
+                </a:ln>
+                <a:solidFill>
+                  <a:srgbClr val="080808"/>
+                </a:solidFill>
+                <a:effectLst/>
+                <a:latin typeface="JetBrains Mono"/>
+              </a:rPr>
+              <a:t>)</a:t>
+            </a:r>
+            <a:br>
+              <a:rPr kumimoji="0" lang="en-US" altLang="en-US" sz="1600" b="0" i="0" u="none" strike="noStrike" cap="none" normalizeH="0" baseline="0" dirty="0">
+                <a:ln>
+                  <a:noFill/>
+                </a:ln>
+                <a:solidFill>
+                  <a:srgbClr val="080808"/>
+                </a:solidFill>
+                <a:effectLst/>
+                <a:latin typeface="JetBrains Mono"/>
+              </a:rPr>
+            </a:br>
+            <a:r>
+              <a:rPr kumimoji="0" lang="en-US" altLang="en-US" sz="1600" b="0" i="0" u="none" strike="noStrike" cap="none" normalizeH="0" baseline="0" dirty="0">
+                <a:ln>
+                  <a:noFill/>
+                </a:ln>
+                <a:solidFill>
+                  <a:srgbClr val="080808"/>
+                </a:solidFill>
+                <a:effectLst/>
+                <a:latin typeface="JetBrains Mono"/>
+              </a:rPr>
+              <a:t>    </a:t>
+            </a:r>
+            <a:r>
+              <a:rPr kumimoji="0" lang="en-US" altLang="en-US" sz="1600" b="0" i="1" u="none" strike="noStrike" cap="none" normalizeH="0" baseline="0" dirty="0">
+                <a:ln>
+                  <a:noFill/>
+                </a:ln>
+                <a:solidFill>
+                  <a:srgbClr val="8C8C8C"/>
+                </a:solidFill>
+                <a:effectLst/>
+                <a:latin typeface="JetBrains Mono"/>
+              </a:rPr>
+              <a:t># </a:t>
+            </a:r>
+            <a:r>
+              <a:rPr kumimoji="0" lang="en-US" altLang="en-US" sz="1600" b="0" i="1" u="none" strike="noStrike" cap="none" normalizeH="0" baseline="0" dirty="0" err="1">
+                <a:ln>
+                  <a:noFill/>
+                </a:ln>
+                <a:solidFill>
+                  <a:srgbClr val="8C8C8C"/>
+                </a:solidFill>
+                <a:effectLst/>
+                <a:latin typeface="JetBrains Mono"/>
+              </a:rPr>
+              <a:t>f.close</a:t>
+            </a:r>
+            <a:r>
+              <a:rPr kumimoji="0" lang="en-US" altLang="en-US" sz="1600" b="0" i="1" u="none" strike="noStrike" cap="none" normalizeH="0" baseline="0" dirty="0">
+                <a:ln>
+                  <a:noFill/>
+                </a:ln>
+                <a:solidFill>
+                  <a:srgbClr val="8C8C8C"/>
+                </a:solidFill>
+                <a:effectLst/>
+                <a:latin typeface="JetBrains Mono"/>
+              </a:rPr>
+              <a:t>()</a:t>
+            </a:r>
+            <a:br>
+              <a:rPr kumimoji="0" lang="en-US" altLang="en-US" sz="1600" b="0" i="1" u="none" strike="noStrike" cap="none" normalizeH="0" baseline="0" dirty="0">
+                <a:ln>
+                  <a:noFill/>
+                </a:ln>
+                <a:solidFill>
+                  <a:srgbClr val="8C8C8C"/>
+                </a:solidFill>
+                <a:effectLst/>
+                <a:latin typeface="JetBrains Mono"/>
+              </a:rPr>
+            </a:br>
+            <a:r>
+              <a:rPr kumimoji="0" lang="en-US" altLang="en-US" sz="1600" b="0" i="1" u="none" strike="noStrike" cap="none" normalizeH="0" baseline="0" dirty="0">
+                <a:ln>
+                  <a:noFill/>
+                </a:ln>
+                <a:solidFill>
+                  <a:srgbClr val="8C8C8C"/>
+                </a:solidFill>
+                <a:effectLst/>
+                <a:latin typeface="JetBrains Mono"/>
+              </a:rPr>
+              <a:t>    </a:t>
+            </a:r>
+            <a:r>
+              <a:rPr kumimoji="0" lang="en-US" altLang="en-US" sz="1600" b="0" i="0" u="none" strike="noStrike" cap="none" normalizeH="0" baseline="0" dirty="0">
+                <a:ln>
+                  <a:noFill/>
+                </a:ln>
+                <a:solidFill>
+                  <a:srgbClr val="080808"/>
+                </a:solidFill>
+                <a:effectLst/>
+                <a:latin typeface="JetBrains Mono"/>
+              </a:rPr>
+              <a:t>f1.close()</a:t>
+            </a:r>
+            <a:br>
+              <a:rPr kumimoji="0" lang="en-US" altLang="en-US" sz="1600" b="0" i="0" u="none" strike="noStrike" cap="none" normalizeH="0" baseline="0" dirty="0">
+                <a:ln>
+                  <a:noFill/>
+                </a:ln>
+                <a:solidFill>
+                  <a:srgbClr val="080808"/>
+                </a:solidFill>
+                <a:effectLst/>
+                <a:latin typeface="JetBrains Mono"/>
+              </a:rPr>
+            </a:br>
+            <a:r>
+              <a:rPr kumimoji="0" lang="en-US" altLang="en-US" sz="1600" b="0" i="0" u="none" strike="noStrike" cap="none" normalizeH="0" baseline="0" dirty="0">
+                <a:ln>
+                  <a:noFill/>
+                </a:ln>
+                <a:solidFill>
+                  <a:srgbClr val="000080"/>
+                </a:solidFill>
+                <a:effectLst/>
+                <a:latin typeface="JetBrains Mono"/>
+              </a:rPr>
+              <a:t>print</a:t>
+            </a:r>
+            <a:r>
+              <a:rPr kumimoji="0" lang="en-US" altLang="en-US" sz="1600" b="0" i="0" u="none" strike="noStrike" cap="none" normalizeH="0" baseline="0" dirty="0">
+                <a:ln>
+                  <a:noFill/>
+                </a:ln>
+                <a:solidFill>
+                  <a:srgbClr val="080808"/>
+                </a:solidFill>
+                <a:effectLst/>
+                <a:latin typeface="JetBrains Mono"/>
+              </a:rPr>
+              <a:t>(</a:t>
+            </a:r>
+            <a:r>
+              <a:rPr kumimoji="0" lang="en-US" altLang="en-US" sz="1600" b="1" i="0" u="none" strike="noStrike" cap="none" normalizeH="0" baseline="0" dirty="0">
+                <a:ln>
+                  <a:noFill/>
+                </a:ln>
+                <a:solidFill>
+                  <a:srgbClr val="008080"/>
+                </a:solidFill>
+                <a:effectLst/>
+                <a:latin typeface="JetBrains Mono"/>
+              </a:rPr>
+              <a:t>"Hello"</a:t>
+            </a:r>
+            <a:r>
+              <a:rPr kumimoji="0" lang="en-US" altLang="en-US" sz="1600" b="0" i="0" u="none" strike="noStrike" cap="none" normalizeH="0" baseline="0" dirty="0">
+                <a:ln>
+                  <a:noFill/>
+                </a:ln>
+                <a:solidFill>
+                  <a:srgbClr val="080808"/>
+                </a:solidFill>
+                <a:effectLst/>
+                <a:latin typeface="JetBrains Mono"/>
+              </a:rPr>
+              <a:t>)</a:t>
+            </a:r>
+            <a:endParaRPr kumimoji="0" lang="en-US" altLang="en-US" sz="1600" b="0" i="0" u="none" strike="noStrike" cap="none" normalizeH="0" baseline="0" dirty="0">
+              <a:ln>
+                <a:noFill/>
+              </a:ln>
+              <a:solidFill>
+                <a:schemeClr val="tx1"/>
+              </a:solidFill>
+              <a:effectLst/>
+              <a:latin typeface="Arial" panose="020B0604020202020204" pitchFamily="34" charset="0"/>
+            </a:endParaRPr>
+          </a:p>
+        </p:txBody>
+      </p:sp>
+      <p:sp>
+        <p:nvSpPr>
+          <p:cNvPr id="9" name="Rectangle 3">
+            <a:extLst>
+              <a:ext uri="{FF2B5EF4-FFF2-40B4-BE49-F238E27FC236}">
+                <a16:creationId xmlns:a16="http://schemas.microsoft.com/office/drawing/2014/main" id="{3883A038-C468-47D6-A4F6-B4632B89878E}"/>
+              </a:ext>
+            </a:extLst>
+          </p:cNvPr>
+          <p:cNvSpPr>
+            <a:spLocks noChangeArrowheads="1"/>
+          </p:cNvSpPr>
+          <p:nvPr/>
+        </p:nvSpPr>
+        <p:spPr bwMode="auto">
+          <a:xfrm>
+            <a:off x="7621844" y="3441680"/>
+            <a:ext cx="2743200" cy="3416320"/>
+          </a:xfrm>
+          <a:prstGeom prst="rect">
+            <a:avLst/>
+          </a:prstGeom>
+          <a:solidFill>
+            <a:srgbClr val="FFFFFF"/>
+          </a:solidFill>
+          <a:ln>
+            <a:noFill/>
+          </a:ln>
+          <a:effectLst/>
+          <a:extLst>
+            <a:ext uri="{91240B29-F687-4F45-9708-019B960494DF}">
+              <a14:hiddenLine xmlns:a14="http://schemas.microsoft.com/office/drawing/2010/main" w="9525">
+                <a:solidFill>
+                  <a:schemeClr val="tx1"/>
+                </a:solidFill>
+                <a:miter lim="800000"/>
+                <a:headEnd/>
+                <a:tailEnd/>
+              </a14:hiddenLine>
+            </a:ext>
+            <a:ext uri="{AF507438-7753-43E0-B8FC-AC1667EBCBE1}">
+              <a14:hiddenEffects xmlns:a14="http://schemas.microsoft.com/office/drawing/2010/main">
+                <a:effectLst>
+                  <a:outerShdw dist="35921" dir="2700000" algn="ctr" rotWithShape="0">
+                    <a:schemeClr val="bg2"/>
+                  </a:outerShdw>
+                </a:effectLst>
+              </a14:hiddenEffects>
+            </a:ext>
+          </a:extLst>
+        </p:spPr>
+        <p:txBody>
+          <a:bodyPr vert="horz" wrap="square" lIns="91440" tIns="45720" rIns="91440" bIns="45720" numCol="1" anchor="ctr" anchorCtr="0" compatLnSpc="1">
+            <a:prstTxWarp prst="textNoShape">
+              <a:avLst/>
+            </a:prstTxWarp>
+            <a:spAutoFit/>
+          </a:bodyPr>
+          <a:lstStyle/>
+          <a:p>
+            <a:pPr marL="0" marR="0" lvl="0" indent="0" algn="l" defTabSz="914400" rtl="0" eaLnBrk="0" fontAlgn="base" latinLnBrk="0" hangingPunct="0">
+              <a:lnSpc>
+                <a:spcPct val="100000"/>
+              </a:lnSpc>
+              <a:spcBef>
+                <a:spcPct val="0"/>
+              </a:spcBef>
+              <a:spcAft>
+                <a:spcPct val="0"/>
+              </a:spcAft>
+              <a:buClrTx/>
+              <a:buSzTx/>
+              <a:buFontTx/>
+              <a:buNone/>
+              <a:tabLst/>
+            </a:pPr>
+            <a:r>
+              <a:rPr kumimoji="0" lang="en-US" altLang="en-US" sz="1200" b="0" i="1" u="none" strike="noStrike" cap="none" normalizeH="0" baseline="0" dirty="0">
+                <a:ln>
+                  <a:noFill/>
+                </a:ln>
+                <a:solidFill>
+                  <a:srgbClr val="8C8C8C"/>
+                </a:solidFill>
+                <a:effectLst/>
+                <a:latin typeface="JetBrains Mono"/>
+              </a:rPr>
+              <a:t>#try,except,else,finally</a:t>
+            </a:r>
+            <a:br>
+              <a:rPr kumimoji="0" lang="en-US" altLang="en-US" sz="1200" b="0" i="1" u="none" strike="noStrike" cap="none" normalizeH="0" baseline="0" dirty="0">
+                <a:ln>
+                  <a:noFill/>
+                </a:ln>
+                <a:solidFill>
+                  <a:srgbClr val="8C8C8C"/>
+                </a:solidFill>
+                <a:effectLst/>
+                <a:latin typeface="JetBrains Mono"/>
+              </a:rPr>
+            </a:br>
+            <a:r>
+              <a:rPr kumimoji="0" lang="en-US" altLang="en-US" sz="1200" b="0" i="0" u="none" strike="noStrike" cap="none" normalizeH="0" baseline="0" dirty="0">
+                <a:ln>
+                  <a:noFill/>
+                </a:ln>
+                <a:solidFill>
+                  <a:srgbClr val="080808"/>
+                </a:solidFill>
+                <a:effectLst/>
+                <a:latin typeface="JetBrains Mono"/>
+              </a:rPr>
+              <a:t>f1=</a:t>
+            </a:r>
+            <a:r>
+              <a:rPr kumimoji="0" lang="en-US" altLang="en-US" sz="1200" b="0" i="0" u="none" strike="noStrike" cap="none" normalizeH="0" baseline="0" dirty="0">
+                <a:ln>
+                  <a:noFill/>
+                </a:ln>
+                <a:solidFill>
+                  <a:srgbClr val="000080"/>
+                </a:solidFill>
+                <a:effectLst/>
+                <a:latin typeface="JetBrains Mono"/>
+              </a:rPr>
+              <a:t>open</a:t>
+            </a:r>
+            <a:r>
+              <a:rPr kumimoji="0" lang="en-US" altLang="en-US" sz="1200" b="0" i="0" u="none" strike="noStrike" cap="none" normalizeH="0" baseline="0" dirty="0">
+                <a:ln>
+                  <a:noFill/>
+                </a:ln>
+                <a:solidFill>
+                  <a:srgbClr val="080808"/>
+                </a:solidFill>
+                <a:effectLst/>
+                <a:latin typeface="JetBrains Mono"/>
+              </a:rPr>
+              <a:t>(</a:t>
+            </a:r>
+            <a:r>
+              <a:rPr kumimoji="0" lang="en-US" altLang="en-US" sz="1200" b="1" i="0" u="none" strike="noStrike" cap="none" normalizeH="0" baseline="0" dirty="0">
+                <a:ln>
+                  <a:noFill/>
+                </a:ln>
+                <a:solidFill>
+                  <a:srgbClr val="008080"/>
+                </a:solidFill>
+                <a:effectLst/>
+                <a:latin typeface="JetBrains Mono"/>
+              </a:rPr>
+              <a:t>"Pari-ex.txt"</a:t>
+            </a:r>
+            <a:r>
+              <a:rPr kumimoji="0" lang="en-US" altLang="en-US" sz="1200" b="0" i="0" u="none" strike="noStrike" cap="none" normalizeH="0" baseline="0" dirty="0">
+                <a:ln>
+                  <a:noFill/>
+                </a:ln>
+                <a:solidFill>
+                  <a:srgbClr val="080808"/>
+                </a:solidFill>
+                <a:effectLst/>
+                <a:latin typeface="JetBrains Mono"/>
+              </a:rPr>
+              <a:t>)</a:t>
+            </a:r>
+            <a:br>
+              <a:rPr kumimoji="0" lang="en-US" altLang="en-US" sz="1200" b="0" i="0" u="none" strike="noStrike" cap="none" normalizeH="0" baseline="0" dirty="0">
+                <a:ln>
+                  <a:noFill/>
+                </a:ln>
+                <a:solidFill>
+                  <a:srgbClr val="080808"/>
+                </a:solidFill>
+                <a:effectLst/>
+                <a:latin typeface="JetBrains Mono"/>
+              </a:rPr>
+            </a:br>
+            <a:r>
+              <a:rPr kumimoji="0" lang="en-US" altLang="en-US" sz="1200" b="0" i="0" u="none" strike="noStrike" cap="none" normalizeH="0" baseline="0" dirty="0">
+                <a:ln>
+                  <a:noFill/>
+                </a:ln>
+                <a:solidFill>
+                  <a:srgbClr val="0033B3"/>
+                </a:solidFill>
+                <a:effectLst/>
+                <a:latin typeface="JetBrains Mono"/>
+              </a:rPr>
+              <a:t>try</a:t>
+            </a:r>
+            <a:r>
+              <a:rPr kumimoji="0" lang="en-US" altLang="en-US" sz="1200" b="0" i="0" u="none" strike="noStrike" cap="none" normalizeH="0" baseline="0" dirty="0">
+                <a:ln>
+                  <a:noFill/>
+                </a:ln>
+                <a:solidFill>
+                  <a:srgbClr val="080808"/>
+                </a:solidFill>
+                <a:effectLst/>
+                <a:latin typeface="JetBrains Mono"/>
+              </a:rPr>
+              <a:t>:</a:t>
+            </a:r>
+            <a:br>
+              <a:rPr kumimoji="0" lang="en-US" altLang="en-US" sz="1200" b="0" i="0" u="none" strike="noStrike" cap="none" normalizeH="0" baseline="0" dirty="0">
+                <a:ln>
+                  <a:noFill/>
+                </a:ln>
+                <a:solidFill>
+                  <a:srgbClr val="080808"/>
+                </a:solidFill>
+                <a:effectLst/>
+                <a:latin typeface="JetBrains Mono"/>
+              </a:rPr>
+            </a:br>
+            <a:r>
+              <a:rPr kumimoji="0" lang="en-US" altLang="en-US" sz="1200" b="0" i="0" u="none" strike="noStrike" cap="none" normalizeH="0" baseline="0" dirty="0">
+                <a:ln>
+                  <a:noFill/>
+                </a:ln>
+                <a:solidFill>
+                  <a:srgbClr val="080808"/>
+                </a:solidFill>
+                <a:effectLst/>
+                <a:latin typeface="JetBrains Mono"/>
+              </a:rPr>
+              <a:t>    f=</a:t>
+            </a:r>
+            <a:r>
+              <a:rPr kumimoji="0" lang="en-US" altLang="en-US" sz="1200" b="0" i="0" u="none" strike="noStrike" cap="none" normalizeH="0" baseline="0" dirty="0">
+                <a:ln>
+                  <a:noFill/>
+                </a:ln>
+                <a:solidFill>
+                  <a:srgbClr val="000080"/>
+                </a:solidFill>
+                <a:effectLst/>
+                <a:latin typeface="JetBrains Mono"/>
+              </a:rPr>
+              <a:t>open</a:t>
+            </a:r>
+            <a:r>
+              <a:rPr kumimoji="0" lang="en-US" altLang="en-US" sz="1200" b="0" i="0" u="none" strike="noStrike" cap="none" normalizeH="0" baseline="0" dirty="0">
+                <a:ln>
+                  <a:noFill/>
+                </a:ln>
+                <a:solidFill>
+                  <a:srgbClr val="080808"/>
+                </a:solidFill>
+                <a:effectLst/>
+                <a:latin typeface="JetBrains Mono"/>
+              </a:rPr>
+              <a:t>(</a:t>
+            </a:r>
+            <a:r>
+              <a:rPr kumimoji="0" lang="en-US" altLang="en-US" sz="1200" b="1" i="0" u="none" strike="noStrike" cap="none" normalizeH="0" baseline="0" dirty="0">
+                <a:ln>
+                  <a:noFill/>
+                </a:ln>
+                <a:solidFill>
+                  <a:srgbClr val="008080"/>
+                </a:solidFill>
+                <a:effectLst/>
+                <a:latin typeface="JetBrains Mono"/>
+              </a:rPr>
+              <a:t>"does.txt"</a:t>
+            </a:r>
+            <a:r>
+              <a:rPr kumimoji="0" lang="en-US" altLang="en-US" sz="1200" b="0" i="0" u="none" strike="noStrike" cap="none" normalizeH="0" baseline="0" dirty="0">
+                <a:ln>
+                  <a:noFill/>
+                </a:ln>
+                <a:solidFill>
+                  <a:srgbClr val="080808"/>
+                </a:solidFill>
+                <a:effectLst/>
+                <a:latin typeface="JetBrains Mono"/>
+              </a:rPr>
+              <a:t>)</a:t>
+            </a:r>
+            <a:br>
+              <a:rPr kumimoji="0" lang="en-US" altLang="en-US" sz="1200" b="0" i="0" u="none" strike="noStrike" cap="none" normalizeH="0" baseline="0" dirty="0">
+                <a:ln>
+                  <a:noFill/>
+                </a:ln>
+                <a:solidFill>
+                  <a:srgbClr val="080808"/>
+                </a:solidFill>
+                <a:effectLst/>
+                <a:latin typeface="JetBrains Mono"/>
+              </a:rPr>
+            </a:br>
+            <a:r>
+              <a:rPr kumimoji="0" lang="en-US" altLang="en-US" sz="1200" b="0" i="0" u="none" strike="noStrike" cap="none" normalizeH="0" baseline="0" dirty="0">
+                <a:ln>
+                  <a:noFill/>
+                </a:ln>
+                <a:solidFill>
+                  <a:srgbClr val="0033B3"/>
+                </a:solidFill>
+                <a:effectLst/>
+                <a:latin typeface="JetBrains Mono"/>
+              </a:rPr>
+              <a:t>except </a:t>
+            </a:r>
+            <a:r>
+              <a:rPr kumimoji="0" lang="en-US" altLang="en-US" sz="1200" b="0" i="0" u="none" strike="noStrike" cap="none" normalizeH="0" baseline="0" dirty="0" err="1">
+                <a:ln>
+                  <a:noFill/>
+                </a:ln>
+                <a:solidFill>
+                  <a:srgbClr val="000080"/>
+                </a:solidFill>
+                <a:effectLst/>
+                <a:latin typeface="JetBrains Mono"/>
+              </a:rPr>
+              <a:t>EOFError</a:t>
+            </a:r>
+            <a:r>
+              <a:rPr kumimoji="0" lang="en-US" altLang="en-US" sz="1200" b="0" i="0" u="none" strike="noStrike" cap="none" normalizeH="0" baseline="0" dirty="0">
+                <a:ln>
+                  <a:noFill/>
+                </a:ln>
+                <a:solidFill>
+                  <a:srgbClr val="000080"/>
+                </a:solidFill>
+                <a:effectLst/>
+                <a:latin typeface="JetBrains Mono"/>
+              </a:rPr>
+              <a:t> </a:t>
+            </a:r>
+            <a:r>
+              <a:rPr kumimoji="0" lang="en-US" altLang="en-US" sz="1200" b="0" i="0" u="none" strike="noStrike" cap="none" normalizeH="0" baseline="0" dirty="0">
+                <a:ln>
+                  <a:noFill/>
+                </a:ln>
+                <a:solidFill>
+                  <a:srgbClr val="0033B3"/>
+                </a:solidFill>
+                <a:effectLst/>
+                <a:latin typeface="JetBrains Mono"/>
+              </a:rPr>
+              <a:t>as </a:t>
+            </a:r>
+            <a:r>
+              <a:rPr kumimoji="0" lang="en-US" altLang="en-US" sz="1200" b="0" i="0" u="none" strike="noStrike" cap="none" normalizeH="0" baseline="0" dirty="0">
+                <a:ln>
+                  <a:noFill/>
+                </a:ln>
+                <a:solidFill>
+                  <a:srgbClr val="080808"/>
+                </a:solidFill>
+                <a:effectLst/>
+                <a:latin typeface="JetBrains Mono"/>
+              </a:rPr>
+              <a:t>e:</a:t>
+            </a:r>
+            <a:br>
+              <a:rPr kumimoji="0" lang="en-US" altLang="en-US" sz="1200" b="0" i="0" u="none" strike="noStrike" cap="none" normalizeH="0" baseline="0" dirty="0">
+                <a:ln>
+                  <a:noFill/>
+                </a:ln>
+                <a:solidFill>
+                  <a:srgbClr val="080808"/>
+                </a:solidFill>
+                <a:effectLst/>
+                <a:latin typeface="JetBrains Mono"/>
+              </a:rPr>
+            </a:br>
+            <a:r>
+              <a:rPr kumimoji="0" lang="en-US" altLang="en-US" sz="1200" b="0" i="0" u="none" strike="noStrike" cap="none" normalizeH="0" baseline="0" dirty="0">
+                <a:ln>
+                  <a:noFill/>
+                </a:ln>
+                <a:solidFill>
+                  <a:srgbClr val="080808"/>
+                </a:solidFill>
+                <a:effectLst/>
+                <a:latin typeface="JetBrains Mono"/>
+              </a:rPr>
+              <a:t>    </a:t>
+            </a:r>
+            <a:r>
+              <a:rPr kumimoji="0" lang="en-US" altLang="en-US" sz="1200" b="0" i="0" u="none" strike="noStrike" cap="none" normalizeH="0" baseline="0" dirty="0">
+                <a:ln>
+                  <a:noFill/>
+                </a:ln>
+                <a:solidFill>
+                  <a:srgbClr val="000080"/>
+                </a:solidFill>
+                <a:effectLst/>
+                <a:latin typeface="JetBrains Mono"/>
+              </a:rPr>
+              <a:t>print</a:t>
+            </a:r>
+            <a:r>
+              <a:rPr kumimoji="0" lang="en-US" altLang="en-US" sz="1200" b="0" i="0" u="none" strike="noStrike" cap="none" normalizeH="0" baseline="0" dirty="0">
+                <a:ln>
+                  <a:noFill/>
+                </a:ln>
+                <a:solidFill>
+                  <a:srgbClr val="080808"/>
+                </a:solidFill>
+                <a:effectLst/>
+                <a:latin typeface="JetBrains Mono"/>
+              </a:rPr>
+              <a:t>(</a:t>
+            </a:r>
+            <a:r>
+              <a:rPr kumimoji="0" lang="en-US" altLang="en-US" sz="1200" b="1" i="0" u="none" strike="noStrike" cap="none" normalizeH="0" baseline="0" dirty="0">
+                <a:ln>
+                  <a:noFill/>
+                </a:ln>
+                <a:solidFill>
+                  <a:srgbClr val="008080"/>
+                </a:solidFill>
+                <a:effectLst/>
+                <a:latin typeface="JetBrains Mono"/>
+              </a:rPr>
+              <a:t>"</a:t>
+            </a:r>
+            <a:r>
+              <a:rPr kumimoji="0" lang="en-US" altLang="en-US" sz="1200" b="1" i="0" u="none" strike="noStrike" cap="none" normalizeH="0" baseline="0" dirty="0" err="1">
+                <a:ln>
+                  <a:noFill/>
+                </a:ln>
+                <a:solidFill>
+                  <a:srgbClr val="008080"/>
+                </a:solidFill>
+                <a:effectLst/>
+                <a:latin typeface="JetBrains Mono"/>
+              </a:rPr>
+              <a:t>eoferror</a:t>
+            </a:r>
+            <a:r>
+              <a:rPr kumimoji="0" lang="en-US" altLang="en-US" sz="1200" b="1" i="0" u="none" strike="noStrike" cap="none" normalizeH="0" baseline="0" dirty="0">
+                <a:ln>
+                  <a:noFill/>
+                </a:ln>
+                <a:solidFill>
+                  <a:srgbClr val="008080"/>
+                </a:solidFill>
+                <a:effectLst/>
+                <a:latin typeface="JetBrains Mono"/>
+              </a:rPr>
+              <a:t>"</a:t>
+            </a:r>
+            <a:r>
+              <a:rPr kumimoji="0" lang="en-US" altLang="en-US" sz="1200" b="0" i="0" u="none" strike="noStrike" cap="none" normalizeH="0" baseline="0" dirty="0">
+                <a:ln>
+                  <a:noFill/>
+                </a:ln>
+                <a:solidFill>
+                  <a:srgbClr val="080808"/>
+                </a:solidFill>
+                <a:effectLst/>
+                <a:latin typeface="JetBrains Mono"/>
+              </a:rPr>
+              <a:t>,e)</a:t>
+            </a:r>
+            <a:br>
+              <a:rPr kumimoji="0" lang="en-US" altLang="en-US" sz="1200" b="0" i="0" u="none" strike="noStrike" cap="none" normalizeH="0" baseline="0" dirty="0">
+                <a:ln>
+                  <a:noFill/>
+                </a:ln>
+                <a:solidFill>
+                  <a:srgbClr val="080808"/>
+                </a:solidFill>
+                <a:effectLst/>
+                <a:latin typeface="JetBrains Mono"/>
+              </a:rPr>
+            </a:br>
+            <a:r>
+              <a:rPr kumimoji="0" lang="en-US" altLang="en-US" sz="1200" b="0" i="0" u="none" strike="noStrike" cap="none" normalizeH="0" baseline="0" dirty="0">
+                <a:ln>
+                  <a:noFill/>
+                </a:ln>
+                <a:solidFill>
+                  <a:srgbClr val="0033B3"/>
+                </a:solidFill>
+                <a:effectLst/>
+                <a:latin typeface="JetBrains Mono"/>
+              </a:rPr>
+              <a:t>except </a:t>
+            </a:r>
+            <a:r>
+              <a:rPr kumimoji="0" lang="en-US" altLang="en-US" sz="1200" b="0" i="0" u="none" strike="noStrike" cap="none" normalizeH="0" baseline="0" dirty="0" err="1">
+                <a:ln>
+                  <a:noFill/>
+                </a:ln>
+                <a:solidFill>
+                  <a:srgbClr val="000080"/>
+                </a:solidFill>
+                <a:effectLst/>
+                <a:latin typeface="JetBrains Mono"/>
+              </a:rPr>
+              <a:t>IOError</a:t>
+            </a:r>
+            <a:r>
+              <a:rPr kumimoji="0" lang="en-US" altLang="en-US" sz="1200" b="0" i="0" u="none" strike="noStrike" cap="none" normalizeH="0" baseline="0" dirty="0">
+                <a:ln>
+                  <a:noFill/>
+                </a:ln>
+                <a:solidFill>
+                  <a:srgbClr val="000080"/>
+                </a:solidFill>
+                <a:effectLst/>
+                <a:latin typeface="JetBrains Mono"/>
+              </a:rPr>
+              <a:t> </a:t>
+            </a:r>
+            <a:r>
+              <a:rPr kumimoji="0" lang="en-US" altLang="en-US" sz="1200" b="0" i="0" u="none" strike="noStrike" cap="none" normalizeH="0" baseline="0" dirty="0">
+                <a:ln>
+                  <a:noFill/>
+                </a:ln>
+                <a:solidFill>
+                  <a:srgbClr val="0033B3"/>
+                </a:solidFill>
+                <a:effectLst/>
+                <a:latin typeface="JetBrains Mono"/>
+              </a:rPr>
+              <a:t>as </a:t>
+            </a:r>
+            <a:r>
+              <a:rPr kumimoji="0" lang="en-US" altLang="en-US" sz="1200" b="0" i="0" u="none" strike="noStrike" cap="none" normalizeH="0" baseline="0" dirty="0">
+                <a:ln>
+                  <a:noFill/>
+                </a:ln>
+                <a:solidFill>
+                  <a:srgbClr val="080808"/>
+                </a:solidFill>
+                <a:effectLst/>
+                <a:latin typeface="JetBrains Mono"/>
+              </a:rPr>
+              <a:t>e:</a:t>
+            </a:r>
+            <a:br>
+              <a:rPr kumimoji="0" lang="en-US" altLang="en-US" sz="1200" b="0" i="0" u="none" strike="noStrike" cap="none" normalizeH="0" baseline="0" dirty="0">
+                <a:ln>
+                  <a:noFill/>
+                </a:ln>
+                <a:solidFill>
+                  <a:srgbClr val="080808"/>
+                </a:solidFill>
+                <a:effectLst/>
+                <a:latin typeface="JetBrains Mono"/>
+              </a:rPr>
+            </a:br>
+            <a:r>
+              <a:rPr kumimoji="0" lang="en-US" altLang="en-US" sz="1200" b="0" i="0" u="none" strike="noStrike" cap="none" normalizeH="0" baseline="0" dirty="0">
+                <a:ln>
+                  <a:noFill/>
+                </a:ln>
+                <a:solidFill>
+                  <a:srgbClr val="080808"/>
+                </a:solidFill>
+                <a:effectLst/>
+                <a:latin typeface="JetBrains Mono"/>
+              </a:rPr>
+              <a:t>    </a:t>
+            </a:r>
+            <a:r>
+              <a:rPr kumimoji="0" lang="en-US" altLang="en-US" sz="1200" b="0" i="0" u="none" strike="noStrike" cap="none" normalizeH="0" baseline="0" dirty="0">
+                <a:ln>
+                  <a:noFill/>
+                </a:ln>
+                <a:solidFill>
+                  <a:srgbClr val="000080"/>
+                </a:solidFill>
+                <a:effectLst/>
+                <a:latin typeface="JetBrains Mono"/>
+              </a:rPr>
+              <a:t>print</a:t>
+            </a:r>
+            <a:r>
+              <a:rPr kumimoji="0" lang="en-US" altLang="en-US" sz="1200" b="0" i="0" u="none" strike="noStrike" cap="none" normalizeH="0" baseline="0" dirty="0">
+                <a:ln>
+                  <a:noFill/>
+                </a:ln>
+                <a:solidFill>
+                  <a:srgbClr val="080808"/>
+                </a:solidFill>
+                <a:effectLst/>
+                <a:latin typeface="JetBrains Mono"/>
+              </a:rPr>
+              <a:t>(</a:t>
+            </a:r>
+            <a:r>
+              <a:rPr kumimoji="0" lang="en-US" altLang="en-US" sz="1200" b="1" i="0" u="none" strike="noStrike" cap="none" normalizeH="0" baseline="0" dirty="0">
+                <a:ln>
+                  <a:noFill/>
+                </a:ln>
+                <a:solidFill>
+                  <a:srgbClr val="008080"/>
+                </a:solidFill>
+                <a:effectLst/>
+                <a:latin typeface="JetBrains Mono"/>
+              </a:rPr>
+              <a:t>"</a:t>
+            </a:r>
+            <a:r>
+              <a:rPr kumimoji="0" lang="en-US" altLang="en-US" sz="1200" b="1" i="0" u="none" strike="noStrike" cap="none" normalizeH="0" baseline="0" dirty="0" err="1">
+                <a:ln>
+                  <a:noFill/>
+                </a:ln>
+                <a:solidFill>
+                  <a:srgbClr val="008080"/>
+                </a:solidFill>
+                <a:effectLst/>
+                <a:latin typeface="JetBrains Mono"/>
+              </a:rPr>
+              <a:t>ioerror</a:t>
+            </a:r>
+            <a:r>
+              <a:rPr kumimoji="0" lang="en-US" altLang="en-US" sz="1200" b="1" i="0" u="none" strike="noStrike" cap="none" normalizeH="0" baseline="0" dirty="0">
+                <a:ln>
+                  <a:noFill/>
+                </a:ln>
+                <a:solidFill>
+                  <a:srgbClr val="008080"/>
+                </a:solidFill>
+                <a:effectLst/>
+                <a:latin typeface="JetBrains Mono"/>
+              </a:rPr>
+              <a:t>"</a:t>
+            </a:r>
+            <a:r>
+              <a:rPr kumimoji="0" lang="en-US" altLang="en-US" sz="1200" b="0" i="0" u="none" strike="noStrike" cap="none" normalizeH="0" baseline="0" dirty="0">
+                <a:ln>
+                  <a:noFill/>
+                </a:ln>
+                <a:solidFill>
+                  <a:srgbClr val="080808"/>
+                </a:solidFill>
+                <a:effectLst/>
+                <a:latin typeface="JetBrains Mono"/>
+              </a:rPr>
+              <a:t>, e)</a:t>
+            </a:r>
+            <a:br>
+              <a:rPr kumimoji="0" lang="en-US" altLang="en-US" sz="1200" b="0" i="0" u="none" strike="noStrike" cap="none" normalizeH="0" baseline="0" dirty="0">
+                <a:ln>
+                  <a:noFill/>
+                </a:ln>
+                <a:solidFill>
+                  <a:srgbClr val="080808"/>
+                </a:solidFill>
+                <a:effectLst/>
+                <a:latin typeface="JetBrains Mono"/>
+              </a:rPr>
+            </a:br>
+            <a:r>
+              <a:rPr kumimoji="0" lang="en-US" altLang="en-US" sz="1200" b="0" i="1" u="none" strike="noStrike" cap="none" normalizeH="0" baseline="0" dirty="0">
+                <a:ln>
+                  <a:noFill/>
+                </a:ln>
+                <a:solidFill>
+                  <a:srgbClr val="8C8C8C"/>
+                </a:solidFill>
+                <a:effectLst/>
+                <a:latin typeface="JetBrains Mono"/>
+              </a:rPr>
+              <a:t># except Exception as e:</a:t>
+            </a:r>
+            <a:br>
+              <a:rPr kumimoji="0" lang="en-US" altLang="en-US" sz="1200" b="0" i="1" u="none" strike="noStrike" cap="none" normalizeH="0" baseline="0" dirty="0">
+                <a:ln>
+                  <a:noFill/>
+                </a:ln>
+                <a:solidFill>
+                  <a:srgbClr val="8C8C8C"/>
+                </a:solidFill>
+                <a:effectLst/>
+                <a:latin typeface="JetBrains Mono"/>
+              </a:rPr>
+            </a:br>
+            <a:r>
+              <a:rPr kumimoji="0" lang="en-US" altLang="en-US" sz="1200" b="0" i="1" u="none" strike="noStrike" cap="none" normalizeH="0" baseline="0" dirty="0">
+                <a:ln>
+                  <a:noFill/>
+                </a:ln>
+                <a:solidFill>
+                  <a:srgbClr val="8C8C8C"/>
+                </a:solidFill>
+                <a:effectLst/>
+                <a:latin typeface="JetBrains Mono"/>
+              </a:rPr>
+              <a:t>#     print(e)</a:t>
+            </a:r>
+            <a:br>
+              <a:rPr kumimoji="0" lang="en-US" altLang="en-US" sz="1200" b="0" i="1" u="none" strike="noStrike" cap="none" normalizeH="0" baseline="0" dirty="0">
+                <a:ln>
+                  <a:noFill/>
+                </a:ln>
+                <a:solidFill>
+                  <a:srgbClr val="8C8C8C"/>
+                </a:solidFill>
+                <a:effectLst/>
+                <a:latin typeface="JetBrains Mono"/>
+              </a:rPr>
+            </a:br>
+            <a:r>
+              <a:rPr kumimoji="0" lang="en-US" altLang="en-US" sz="1200" b="0" i="0" u="none" strike="noStrike" cap="none" normalizeH="0" baseline="0" dirty="0">
+                <a:ln>
+                  <a:noFill/>
+                </a:ln>
+                <a:solidFill>
+                  <a:srgbClr val="0033B3"/>
+                </a:solidFill>
+                <a:effectLst/>
+                <a:latin typeface="JetBrains Mono"/>
+              </a:rPr>
+              <a:t>else</a:t>
+            </a:r>
+            <a:r>
+              <a:rPr kumimoji="0" lang="en-US" altLang="en-US" sz="1200" b="0" i="0" u="none" strike="noStrike" cap="none" normalizeH="0" baseline="0" dirty="0">
+                <a:ln>
+                  <a:noFill/>
+                </a:ln>
+                <a:solidFill>
+                  <a:srgbClr val="080808"/>
+                </a:solidFill>
+                <a:effectLst/>
+                <a:latin typeface="JetBrains Mono"/>
+              </a:rPr>
+              <a:t>:</a:t>
+            </a:r>
+            <a:br>
+              <a:rPr kumimoji="0" lang="en-US" altLang="en-US" sz="1200" b="0" i="0" u="none" strike="noStrike" cap="none" normalizeH="0" baseline="0" dirty="0">
+                <a:ln>
+                  <a:noFill/>
+                </a:ln>
+                <a:solidFill>
+                  <a:srgbClr val="080808"/>
+                </a:solidFill>
+                <a:effectLst/>
+                <a:latin typeface="JetBrains Mono"/>
+              </a:rPr>
+            </a:br>
+            <a:r>
+              <a:rPr kumimoji="0" lang="en-US" altLang="en-US" sz="1200" b="0" i="0" u="none" strike="noStrike" cap="none" normalizeH="0" baseline="0" dirty="0">
+                <a:ln>
+                  <a:noFill/>
+                </a:ln>
+                <a:solidFill>
+                  <a:srgbClr val="080808"/>
+                </a:solidFill>
+                <a:effectLst/>
+                <a:latin typeface="JetBrains Mono"/>
+              </a:rPr>
+              <a:t>    </a:t>
+            </a:r>
+            <a:r>
+              <a:rPr kumimoji="0" lang="en-US" altLang="en-US" sz="1200" b="0" i="0" u="none" strike="noStrike" cap="none" normalizeH="0" baseline="0" dirty="0">
+                <a:ln>
+                  <a:noFill/>
+                </a:ln>
+                <a:solidFill>
+                  <a:srgbClr val="000080"/>
+                </a:solidFill>
+                <a:effectLst/>
+                <a:latin typeface="JetBrains Mono"/>
+              </a:rPr>
+              <a:t>print</a:t>
+            </a:r>
+            <a:r>
+              <a:rPr kumimoji="0" lang="en-US" altLang="en-US" sz="1200" b="0" i="0" u="none" strike="noStrike" cap="none" normalizeH="0" baseline="0" dirty="0">
+                <a:ln>
+                  <a:noFill/>
+                </a:ln>
+                <a:solidFill>
+                  <a:srgbClr val="080808"/>
+                </a:solidFill>
+                <a:effectLst/>
+                <a:latin typeface="JetBrains Mono"/>
+              </a:rPr>
+              <a:t>(</a:t>
+            </a:r>
+            <a:r>
+              <a:rPr kumimoji="0" lang="en-US" altLang="en-US" sz="1200" b="1" i="0" u="none" strike="noStrike" cap="none" normalizeH="0" baseline="0" dirty="0">
+                <a:ln>
+                  <a:noFill/>
+                </a:ln>
+                <a:solidFill>
+                  <a:srgbClr val="008080"/>
+                </a:solidFill>
+                <a:effectLst/>
+                <a:latin typeface="JetBrains Mono"/>
+              </a:rPr>
+              <a:t>"This will run only if except is not running"</a:t>
+            </a:r>
+            <a:r>
+              <a:rPr kumimoji="0" lang="en-US" altLang="en-US" sz="1200" b="0" i="0" u="none" strike="noStrike" cap="none" normalizeH="0" baseline="0" dirty="0">
+                <a:ln>
+                  <a:noFill/>
+                </a:ln>
+                <a:solidFill>
+                  <a:srgbClr val="080808"/>
+                </a:solidFill>
+                <a:effectLst/>
+                <a:latin typeface="JetBrains Mono"/>
+              </a:rPr>
+              <a:t>)</a:t>
+            </a:r>
+            <a:br>
+              <a:rPr kumimoji="0" lang="en-US" altLang="en-US" sz="1200" b="0" i="0" u="none" strike="noStrike" cap="none" normalizeH="0" baseline="0" dirty="0">
+                <a:ln>
+                  <a:noFill/>
+                </a:ln>
+                <a:solidFill>
+                  <a:srgbClr val="080808"/>
+                </a:solidFill>
+                <a:effectLst/>
+                <a:latin typeface="JetBrains Mono"/>
+              </a:rPr>
+            </a:br>
+            <a:r>
+              <a:rPr kumimoji="0" lang="en-US" altLang="en-US" sz="1200" b="0" i="0" u="none" strike="noStrike" cap="none" normalizeH="0" baseline="0" dirty="0">
+                <a:ln>
+                  <a:noFill/>
+                </a:ln>
+                <a:solidFill>
+                  <a:srgbClr val="0033B3"/>
+                </a:solidFill>
+                <a:effectLst/>
+                <a:latin typeface="JetBrains Mono"/>
+              </a:rPr>
+              <a:t>finally</a:t>
+            </a:r>
+            <a:r>
+              <a:rPr kumimoji="0" lang="en-US" altLang="en-US" sz="1200" b="0" i="0" u="none" strike="noStrike" cap="none" normalizeH="0" baseline="0" dirty="0">
+                <a:ln>
+                  <a:noFill/>
+                </a:ln>
+                <a:solidFill>
+                  <a:srgbClr val="080808"/>
+                </a:solidFill>
+                <a:effectLst/>
+                <a:latin typeface="JetBrains Mono"/>
+              </a:rPr>
+              <a:t>:</a:t>
+            </a:r>
+            <a:br>
+              <a:rPr kumimoji="0" lang="en-US" altLang="en-US" sz="1200" b="0" i="0" u="none" strike="noStrike" cap="none" normalizeH="0" baseline="0" dirty="0">
+                <a:ln>
+                  <a:noFill/>
+                </a:ln>
+                <a:solidFill>
+                  <a:srgbClr val="080808"/>
+                </a:solidFill>
+                <a:effectLst/>
+                <a:latin typeface="JetBrains Mono"/>
+              </a:rPr>
+            </a:br>
+            <a:r>
+              <a:rPr kumimoji="0" lang="en-US" altLang="en-US" sz="1200" b="0" i="0" u="none" strike="noStrike" cap="none" normalizeH="0" baseline="0" dirty="0">
+                <a:ln>
+                  <a:noFill/>
+                </a:ln>
+                <a:solidFill>
+                  <a:srgbClr val="080808"/>
+                </a:solidFill>
+                <a:effectLst/>
+                <a:latin typeface="JetBrains Mono"/>
+              </a:rPr>
+              <a:t>    </a:t>
+            </a:r>
+            <a:r>
+              <a:rPr kumimoji="0" lang="en-US" altLang="en-US" sz="1200" b="0" i="0" u="none" strike="noStrike" cap="none" normalizeH="0" baseline="0" dirty="0">
+                <a:ln>
+                  <a:noFill/>
+                </a:ln>
+                <a:solidFill>
+                  <a:srgbClr val="000080"/>
+                </a:solidFill>
+                <a:effectLst/>
+                <a:latin typeface="JetBrains Mono"/>
+              </a:rPr>
+              <a:t>print</a:t>
+            </a:r>
+            <a:r>
+              <a:rPr kumimoji="0" lang="en-US" altLang="en-US" sz="1200" b="0" i="0" u="none" strike="noStrike" cap="none" normalizeH="0" baseline="0" dirty="0">
+                <a:ln>
+                  <a:noFill/>
+                </a:ln>
+                <a:solidFill>
+                  <a:srgbClr val="080808"/>
+                </a:solidFill>
+                <a:effectLst/>
+                <a:latin typeface="JetBrains Mono"/>
+              </a:rPr>
+              <a:t>(</a:t>
+            </a:r>
+            <a:r>
+              <a:rPr kumimoji="0" lang="en-US" altLang="en-US" sz="1200" b="1" i="0" u="none" strike="noStrike" cap="none" normalizeH="0" baseline="0" dirty="0">
+                <a:ln>
+                  <a:noFill/>
+                </a:ln>
+                <a:solidFill>
+                  <a:srgbClr val="008080"/>
+                </a:solidFill>
+                <a:effectLst/>
+                <a:latin typeface="JetBrains Mono"/>
+              </a:rPr>
+              <a:t>"Run this anyway"</a:t>
+            </a:r>
+            <a:r>
+              <a:rPr kumimoji="0" lang="en-US" altLang="en-US" sz="1200" b="0" i="0" u="none" strike="noStrike" cap="none" normalizeH="0" baseline="0" dirty="0">
+                <a:ln>
+                  <a:noFill/>
+                </a:ln>
+                <a:solidFill>
+                  <a:srgbClr val="080808"/>
+                </a:solidFill>
+                <a:effectLst/>
+                <a:latin typeface="JetBrains Mono"/>
+              </a:rPr>
+              <a:t>)</a:t>
+            </a:r>
+            <a:br>
+              <a:rPr kumimoji="0" lang="en-US" altLang="en-US" sz="1200" b="0" i="0" u="none" strike="noStrike" cap="none" normalizeH="0" baseline="0" dirty="0">
+                <a:ln>
+                  <a:noFill/>
+                </a:ln>
+                <a:solidFill>
+                  <a:srgbClr val="080808"/>
+                </a:solidFill>
+                <a:effectLst/>
+                <a:latin typeface="JetBrains Mono"/>
+              </a:rPr>
+            </a:br>
+            <a:r>
+              <a:rPr kumimoji="0" lang="en-US" altLang="en-US" sz="1200" b="0" i="0" u="none" strike="noStrike" cap="none" normalizeH="0" baseline="0" dirty="0">
+                <a:ln>
+                  <a:noFill/>
+                </a:ln>
+                <a:solidFill>
+                  <a:srgbClr val="080808"/>
+                </a:solidFill>
+                <a:effectLst/>
+                <a:latin typeface="JetBrains Mono"/>
+              </a:rPr>
+              <a:t>    </a:t>
+            </a:r>
+            <a:r>
+              <a:rPr kumimoji="0" lang="en-US" altLang="en-US" sz="1200" b="0" i="1" u="none" strike="noStrike" cap="none" normalizeH="0" baseline="0" dirty="0">
+                <a:ln>
+                  <a:noFill/>
+                </a:ln>
+                <a:solidFill>
+                  <a:srgbClr val="8C8C8C"/>
+                </a:solidFill>
+                <a:effectLst/>
+                <a:latin typeface="JetBrains Mono"/>
+              </a:rPr>
+              <a:t># </a:t>
+            </a:r>
+            <a:r>
+              <a:rPr kumimoji="0" lang="en-US" altLang="en-US" sz="1200" b="0" i="1" u="none" strike="noStrike" cap="none" normalizeH="0" baseline="0" dirty="0" err="1">
+                <a:ln>
+                  <a:noFill/>
+                </a:ln>
+                <a:solidFill>
+                  <a:srgbClr val="8C8C8C"/>
+                </a:solidFill>
+                <a:effectLst/>
+                <a:latin typeface="JetBrains Mono"/>
+              </a:rPr>
+              <a:t>f.close</a:t>
+            </a:r>
+            <a:r>
+              <a:rPr kumimoji="0" lang="en-US" altLang="en-US" sz="1200" b="0" i="1" u="none" strike="noStrike" cap="none" normalizeH="0" baseline="0" dirty="0">
+                <a:ln>
+                  <a:noFill/>
+                </a:ln>
+                <a:solidFill>
+                  <a:srgbClr val="8C8C8C"/>
+                </a:solidFill>
+                <a:effectLst/>
+                <a:latin typeface="JetBrains Mono"/>
+              </a:rPr>
+              <a:t>()</a:t>
+            </a:r>
+            <a:br>
+              <a:rPr kumimoji="0" lang="en-US" altLang="en-US" sz="1200" b="0" i="1" u="none" strike="noStrike" cap="none" normalizeH="0" baseline="0" dirty="0">
+                <a:ln>
+                  <a:noFill/>
+                </a:ln>
+                <a:solidFill>
+                  <a:srgbClr val="8C8C8C"/>
+                </a:solidFill>
+                <a:effectLst/>
+                <a:latin typeface="JetBrains Mono"/>
+              </a:rPr>
+            </a:br>
+            <a:r>
+              <a:rPr kumimoji="0" lang="en-US" altLang="en-US" sz="1200" b="0" i="1" u="none" strike="noStrike" cap="none" normalizeH="0" baseline="0" dirty="0">
+                <a:ln>
+                  <a:noFill/>
+                </a:ln>
+                <a:solidFill>
+                  <a:srgbClr val="8C8C8C"/>
+                </a:solidFill>
+                <a:effectLst/>
+                <a:latin typeface="JetBrains Mono"/>
+              </a:rPr>
+              <a:t>    </a:t>
+            </a:r>
+            <a:r>
+              <a:rPr kumimoji="0" lang="en-US" altLang="en-US" sz="1200" b="0" i="0" u="none" strike="noStrike" cap="none" normalizeH="0" baseline="0" dirty="0">
+                <a:ln>
+                  <a:noFill/>
+                </a:ln>
+                <a:solidFill>
+                  <a:srgbClr val="080808"/>
+                </a:solidFill>
+                <a:effectLst/>
+                <a:latin typeface="JetBrains Mono"/>
+              </a:rPr>
+              <a:t>f1.close()</a:t>
+            </a:r>
+            <a:br>
+              <a:rPr kumimoji="0" lang="en-US" altLang="en-US" sz="1200" b="0" i="0" u="none" strike="noStrike" cap="none" normalizeH="0" baseline="0" dirty="0">
+                <a:ln>
+                  <a:noFill/>
+                </a:ln>
+                <a:solidFill>
+                  <a:srgbClr val="080808"/>
+                </a:solidFill>
+                <a:effectLst/>
+                <a:latin typeface="JetBrains Mono"/>
+              </a:rPr>
+            </a:br>
+            <a:r>
+              <a:rPr kumimoji="0" lang="en-US" altLang="en-US" sz="1200" b="0" i="0" u="none" strike="noStrike" cap="none" normalizeH="0" baseline="0" dirty="0">
+                <a:ln>
+                  <a:noFill/>
+                </a:ln>
+                <a:solidFill>
+                  <a:srgbClr val="000080"/>
+                </a:solidFill>
+                <a:effectLst/>
+                <a:latin typeface="JetBrains Mono"/>
+              </a:rPr>
+              <a:t>print</a:t>
+            </a:r>
+            <a:r>
+              <a:rPr kumimoji="0" lang="en-US" altLang="en-US" sz="1200" b="0" i="0" u="none" strike="noStrike" cap="none" normalizeH="0" baseline="0" dirty="0">
+                <a:ln>
+                  <a:noFill/>
+                </a:ln>
+                <a:solidFill>
+                  <a:srgbClr val="080808"/>
+                </a:solidFill>
+                <a:effectLst/>
+                <a:latin typeface="JetBrains Mono"/>
+              </a:rPr>
+              <a:t>(</a:t>
+            </a:r>
+            <a:r>
+              <a:rPr kumimoji="0" lang="en-US" altLang="en-US" sz="1200" b="1" i="0" u="none" strike="noStrike" cap="none" normalizeH="0" baseline="0" dirty="0">
+                <a:ln>
+                  <a:noFill/>
+                </a:ln>
+                <a:solidFill>
+                  <a:srgbClr val="008080"/>
+                </a:solidFill>
+                <a:effectLst/>
+                <a:latin typeface="JetBrains Mono"/>
+              </a:rPr>
+              <a:t>"Hello"</a:t>
+            </a:r>
+            <a:r>
+              <a:rPr kumimoji="0" lang="en-US" altLang="en-US" sz="1200" b="0" i="0" u="none" strike="noStrike" cap="none" normalizeH="0" baseline="0" dirty="0">
+                <a:ln>
+                  <a:noFill/>
+                </a:ln>
+                <a:solidFill>
+                  <a:srgbClr val="080808"/>
+                </a:solidFill>
+                <a:effectLst/>
+                <a:latin typeface="JetBrains Mono"/>
+              </a:rPr>
+              <a:t>)</a:t>
+            </a:r>
+            <a:endParaRPr kumimoji="0" lang="en-US" altLang="en-US" sz="1200" b="0" i="0" u="none" strike="noStrike" cap="none" normalizeH="0" baseline="0" dirty="0">
+              <a:ln>
+                <a:noFill/>
+              </a:ln>
+              <a:solidFill>
+                <a:schemeClr val="tx1"/>
+              </a:solidFill>
+              <a:effectLst/>
+              <a:latin typeface="Arial" panose="020B0604020202020204" pitchFamily="34" charset="0"/>
+            </a:endParaRPr>
+          </a:p>
+        </p:txBody>
+      </p:sp>
+      <p:cxnSp>
+        <p:nvCxnSpPr>
+          <p:cNvPr id="11" name="Straight Connector 10">
+            <a:extLst>
+              <a:ext uri="{FF2B5EF4-FFF2-40B4-BE49-F238E27FC236}">
+                <a16:creationId xmlns:a16="http://schemas.microsoft.com/office/drawing/2014/main" id="{9937E838-6AF9-4916-BC14-29EB192ECBBE}"/>
+              </a:ext>
+            </a:extLst>
+          </p:cNvPr>
+          <p:cNvCxnSpPr/>
+          <p:nvPr/>
+        </p:nvCxnSpPr>
+        <p:spPr>
+          <a:xfrm>
+            <a:off x="7510509" y="3373108"/>
+            <a:ext cx="4681491" cy="0"/>
+          </a:xfrm>
+          <a:prstGeom prst="line">
+            <a:avLst/>
+          </a:prstGeom>
+        </p:spPr>
+        <p:style>
+          <a:lnRef idx="1">
+            <a:schemeClr val="dk1"/>
+          </a:lnRef>
+          <a:fillRef idx="0">
+            <a:schemeClr val="dk1"/>
+          </a:fillRef>
+          <a:effectRef idx="0">
+            <a:schemeClr val="dk1"/>
+          </a:effectRef>
+          <a:fontRef idx="minor">
+            <a:schemeClr val="tx1"/>
+          </a:fontRef>
+        </p:style>
+      </p:cxnSp>
     </p:spTree>
     <p:extLst>
       <p:ext uri="{BB962C8B-B14F-4D97-AF65-F5344CB8AC3E}">
         <p14:creationId xmlns:p14="http://schemas.microsoft.com/office/powerpoint/2010/main" val="2351308825"/>
-      </p:ext>
-    </p:extLst>
-  </p:cSld>
-  <p:clrMapOvr>
-    <a:masterClrMapping/>
-  </p:clrMapOvr>
-</p:sld>
-</file>
-
-<file path=ppt/slides/slide9.xml><?xml version="1.0" encoding="utf-8"?>
-<p:sld xmlns:a="http://schemas.openxmlformats.org/drawingml/2006/main" xmlns:r="http://schemas.openxmlformats.org/officeDocument/2006/relationships" xmlns:p="http://schemas.openxmlformats.org/presentationml/2006/main">
-  <p:cSld>
-    <p:spTree>
-      <p:nvGrpSpPr>
-        <p:cNvPr id="1" name=""/>
-        <p:cNvGrpSpPr/>
-        <p:nvPr/>
-      </p:nvGrpSpPr>
-      <p:grpSpPr>
-        <a:xfrm>
-          <a:off x="0" y="0"/>
-          <a:ext cx="0" cy="0"/>
-          <a:chOff x="0" y="0"/>
-          <a:chExt cx="0" cy="0"/>
-        </a:xfrm>
-      </p:grpSpPr>
-      <p:sp>
-        <p:nvSpPr>
-          <p:cNvPr id="2" name="Title 1">
-            <a:extLst>
-              <a:ext uri="{FF2B5EF4-FFF2-40B4-BE49-F238E27FC236}">
-                <a16:creationId xmlns:a16="http://schemas.microsoft.com/office/drawing/2014/main" id="{646C442C-224B-4A70-88C9-A5EBAB2A8C2D}"/>
-              </a:ext>
-            </a:extLst>
-          </p:cNvPr>
-          <p:cNvSpPr>
-            <a:spLocks noGrp="1"/>
-          </p:cNvSpPr>
-          <p:nvPr>
-            <p:ph type="title"/>
-          </p:nvPr>
-        </p:nvSpPr>
-        <p:spPr>
-          <a:xfrm>
-            <a:off x="838200" y="365125"/>
-            <a:ext cx="10515600" cy="593663"/>
-          </a:xfrm>
-        </p:spPr>
-        <p:txBody>
-          <a:bodyPr>
-            <a:normAutofit fontScale="90000"/>
-          </a:bodyPr>
-          <a:lstStyle/>
-          <a:p>
-            <a:r>
-              <a:rPr lang="en-US" dirty="0"/>
-              <a:t>How to throw/raise an exceptions in Python</a:t>
-            </a:r>
-            <a:endParaRPr lang="en-IN" dirty="0"/>
-          </a:p>
-        </p:txBody>
-      </p:sp>
-      <p:sp>
-        <p:nvSpPr>
-          <p:cNvPr id="3" name="Content Placeholder 2">
-            <a:extLst>
-              <a:ext uri="{FF2B5EF4-FFF2-40B4-BE49-F238E27FC236}">
-                <a16:creationId xmlns:a16="http://schemas.microsoft.com/office/drawing/2014/main" id="{4E99DE71-09CC-4965-A16A-DFC697598FB5}"/>
-              </a:ext>
-            </a:extLst>
-          </p:cNvPr>
-          <p:cNvSpPr>
-            <a:spLocks noGrp="1"/>
-          </p:cNvSpPr>
-          <p:nvPr>
-            <p:ph idx="1"/>
-          </p:nvPr>
-        </p:nvSpPr>
-        <p:spPr>
-          <a:xfrm>
-            <a:off x="838200" y="1171852"/>
-            <a:ext cx="10515600" cy="5521911"/>
-          </a:xfrm>
-        </p:spPr>
-        <p:txBody>
-          <a:bodyPr>
-            <a:normAutofit fontScale="62500" lnSpcReduction="20000"/>
-          </a:bodyPr>
-          <a:lstStyle/>
-          <a:p>
-            <a:pPr marL="0" indent="0">
-              <a:buNone/>
-            </a:pPr>
-            <a:r>
-              <a:rPr lang="en-US" dirty="0"/>
-              <a:t>#Example:</a:t>
-            </a:r>
-          </a:p>
-          <a:p>
-            <a:pPr marL="0" indent="0">
-              <a:buNone/>
-            </a:pPr>
-            <a:r>
-              <a:rPr lang="en-US" dirty="0"/>
-              <a:t> class </a:t>
-            </a:r>
-            <a:r>
-              <a:rPr lang="en-US" dirty="0" err="1"/>
-              <a:t>CoffeeCup</a:t>
-            </a:r>
-            <a:r>
-              <a:rPr lang="en-US" dirty="0"/>
-              <a:t>:</a:t>
-            </a:r>
-          </a:p>
-          <a:p>
-            <a:pPr marL="0" indent="0">
-              <a:buNone/>
-            </a:pPr>
-            <a:r>
-              <a:rPr lang="en-US" dirty="0"/>
-              <a:t>      def __</a:t>
-            </a:r>
-            <a:r>
-              <a:rPr lang="en-US" dirty="0" err="1"/>
-              <a:t>init</a:t>
-            </a:r>
-            <a:r>
-              <a:rPr lang="en-US" dirty="0"/>
-              <a:t>__(</a:t>
-            </a:r>
-            <a:r>
-              <a:rPr lang="en-US" dirty="0" err="1"/>
-              <a:t>self,temperature</a:t>
-            </a:r>
-            <a:r>
-              <a:rPr lang="en-US" dirty="0"/>
-              <a:t>):</a:t>
-            </a:r>
-          </a:p>
-          <a:p>
-            <a:pPr marL="0" indent="0">
-              <a:buNone/>
-            </a:pPr>
-            <a:r>
-              <a:rPr lang="en-US" dirty="0"/>
-              <a:t>             </a:t>
-            </a:r>
-            <a:r>
-              <a:rPr lang="en-US" dirty="0" err="1"/>
-              <a:t>self.__temperature</a:t>
-            </a:r>
-            <a:r>
-              <a:rPr lang="en-US" dirty="0"/>
-              <a:t>=temperature</a:t>
-            </a:r>
-          </a:p>
-          <a:p>
-            <a:pPr marL="0" indent="0">
-              <a:buNone/>
-            </a:pPr>
-            <a:r>
-              <a:rPr lang="en-US" dirty="0"/>
-              <a:t>      def </a:t>
-            </a:r>
-            <a:r>
-              <a:rPr lang="en-US" dirty="0" err="1"/>
-              <a:t>drink_coffee</a:t>
-            </a:r>
-            <a:r>
-              <a:rPr lang="en-US" dirty="0"/>
-              <a:t>(self):</a:t>
-            </a:r>
-          </a:p>
-          <a:p>
-            <a:pPr marL="0" indent="0">
-              <a:buNone/>
-            </a:pPr>
-            <a:r>
-              <a:rPr lang="en-US" dirty="0"/>
-              <a:t>            if </a:t>
-            </a:r>
-            <a:r>
-              <a:rPr lang="en-US" dirty="0" err="1"/>
-              <a:t>self.__temperature</a:t>
-            </a:r>
-            <a:r>
-              <a:rPr lang="en-US" dirty="0"/>
-              <a:t> &gt;85:</a:t>
-            </a:r>
-          </a:p>
-          <a:p>
-            <a:pPr marL="0" indent="0">
-              <a:buNone/>
-            </a:pPr>
-            <a:r>
-              <a:rPr lang="en-US" dirty="0"/>
-              <a:t>                #print(‘Coffee  Too Hot’)</a:t>
-            </a:r>
-          </a:p>
-          <a:p>
-            <a:pPr marL="0" indent="0">
-              <a:buNone/>
-            </a:pPr>
-            <a:r>
-              <a:rPr lang="en-US" dirty="0"/>
-              <a:t>                raise Exception</a:t>
-            </a:r>
-          </a:p>
-          <a:p>
-            <a:pPr marL="0" indent="0">
-              <a:buNone/>
-            </a:pPr>
-            <a:r>
-              <a:rPr lang="en-US" dirty="0"/>
-              <a:t>           </a:t>
-            </a:r>
-            <a:r>
-              <a:rPr lang="en-US" dirty="0" err="1"/>
-              <a:t>elif</a:t>
-            </a:r>
-            <a:r>
-              <a:rPr lang="en-US" dirty="0"/>
-              <a:t> </a:t>
-            </a:r>
-            <a:r>
-              <a:rPr lang="en-US" dirty="0" err="1"/>
-              <a:t>self.__temperature</a:t>
-            </a:r>
-            <a:r>
-              <a:rPr lang="en-US" dirty="0"/>
-              <a:t> &lt;65:</a:t>
-            </a:r>
-          </a:p>
-          <a:p>
-            <a:pPr marL="0" indent="0">
-              <a:buNone/>
-            </a:pPr>
-            <a:r>
-              <a:rPr lang="en-US" dirty="0"/>
-              <a:t>               #print(‘Coffee Too Cold’)</a:t>
-            </a:r>
-          </a:p>
-          <a:p>
-            <a:pPr marL="0" indent="0">
-              <a:buNone/>
-            </a:pPr>
-            <a:r>
-              <a:rPr lang="en-US" dirty="0"/>
-              <a:t>               raise </a:t>
-            </a:r>
-            <a:r>
-              <a:rPr lang="en-US" dirty="0" err="1"/>
-              <a:t>ValueError</a:t>
-            </a:r>
-            <a:r>
-              <a:rPr lang="en-US" dirty="0"/>
-              <a:t>(‘Coffee Too Cold’)</a:t>
-            </a:r>
-          </a:p>
-          <a:p>
-            <a:pPr marL="0" indent="0">
-              <a:buNone/>
-            </a:pPr>
-            <a:endParaRPr lang="en-US" dirty="0"/>
-          </a:p>
-          <a:p>
-            <a:pPr marL="0" indent="0">
-              <a:buNone/>
-            </a:pPr>
-            <a:r>
-              <a:rPr lang="en-US" dirty="0"/>
-              <a:t>           else:</a:t>
-            </a:r>
-          </a:p>
-          <a:p>
-            <a:pPr marL="0" indent="0">
-              <a:buNone/>
-            </a:pPr>
-            <a:r>
-              <a:rPr lang="en-US" dirty="0"/>
-              <a:t>               print(‘Coffee Ok to Drink’)</a:t>
-            </a:r>
-          </a:p>
-          <a:p>
-            <a:pPr marL="0" indent="0">
-              <a:buNone/>
-            </a:pPr>
-            <a:endParaRPr lang="en-US" dirty="0"/>
-          </a:p>
-          <a:p>
-            <a:pPr marL="0" indent="0">
-              <a:buNone/>
-            </a:pPr>
-            <a:r>
-              <a:rPr lang="en-US" dirty="0"/>
-              <a:t>Cup=</a:t>
-            </a:r>
-            <a:r>
-              <a:rPr lang="en-US" dirty="0" err="1"/>
-              <a:t>CoffeeCup</a:t>
-            </a:r>
-            <a:r>
-              <a:rPr lang="en-US" dirty="0"/>
-              <a:t>(75)</a:t>
-            </a:r>
-          </a:p>
-          <a:p>
-            <a:pPr marL="0" indent="0">
-              <a:buNone/>
-            </a:pPr>
-            <a:r>
-              <a:rPr lang="en-US" dirty="0" err="1"/>
-              <a:t>Cup.drink_coffee</a:t>
-            </a:r>
-            <a:r>
-              <a:rPr lang="en-US" dirty="0"/>
-              <a:t>()</a:t>
-            </a:r>
-            <a:endParaRPr lang="en-IN" dirty="0"/>
-          </a:p>
-        </p:txBody>
-      </p:sp>
-    </p:spTree>
-    <p:extLst>
-      <p:ext uri="{BB962C8B-B14F-4D97-AF65-F5344CB8AC3E}">
-        <p14:creationId xmlns:p14="http://schemas.microsoft.com/office/powerpoint/2010/main" val="3643980455"/>
       </p:ext>
     </p:extLst>
   </p:cSld>
